--- a/images/source_images.pptx
+++ b/images/source_images.pptx
@@ -118,7 +118,7 @@
 <file path=ppt/revisionInfo.xml><?xml version="1.0" encoding="utf-8"?>
 <p1510:revInfo xmlns:a="http://schemas.openxmlformats.org/drawingml/2006/main" xmlns:r="http://schemas.openxmlformats.org/officeDocument/2006/relationships" xmlns:p1510="http://schemas.microsoft.com/office/powerpoint/2015/10/main">
   <p1510:revLst>
-    <p1510:client id="{3C373675-04FA-41EC-BF9F-A45885CE701B}" v="66" dt="2019-01-29T16:16:01.510"/>
+    <p1510:client id="{3C373675-04FA-41EC-BF9F-A45885CE701B}" v="68" dt="2019-01-30T12:17:56.438"/>
   </p1510:revLst>
 </p1510:revInfo>
 </file>
@@ -128,12 +128,12 @@
   <pc:docChgLst>
     <pc:chgData name="Ken Barr" userId="08394fa4-6c67-4e80-95e1-dad59dfd7fac" providerId="ADAL" clId="{3C373675-04FA-41EC-BF9F-A45885CE701B}"/>
     <pc:docChg chg="undo custSel modSld">
-      <pc:chgData name="Ken Barr" userId="08394fa4-6c67-4e80-95e1-dad59dfd7fac" providerId="ADAL" clId="{3C373675-04FA-41EC-BF9F-A45885CE701B}" dt="2019-01-29T16:16:01.509" v="456" actId="164"/>
+      <pc:chgData name="Ken Barr" userId="08394fa4-6c67-4e80-95e1-dad59dfd7fac" providerId="ADAL" clId="{3C373675-04FA-41EC-BF9F-A45885CE701B}" dt="2019-01-30T12:20:14.208" v="471" actId="1076"/>
       <pc:docMkLst>
         <pc:docMk/>
       </pc:docMkLst>
       <pc:sldChg chg="addSp delSp modSp setBg">
-        <pc:chgData name="Ken Barr" userId="08394fa4-6c67-4e80-95e1-dad59dfd7fac" providerId="ADAL" clId="{3C373675-04FA-41EC-BF9F-A45885CE701B}" dt="2019-01-29T16:16:01.509" v="456" actId="164"/>
+        <pc:chgData name="Ken Barr" userId="08394fa4-6c67-4e80-95e1-dad59dfd7fac" providerId="ADAL" clId="{3C373675-04FA-41EC-BF9F-A45885CE701B}" dt="2019-01-30T12:20:14.208" v="471" actId="1076"/>
         <pc:sldMkLst>
           <pc:docMk/>
           <pc:sldMk cId="1034791607" sldId="256"/>
@@ -355,7 +355,7 @@
           </ac:grpSpMkLst>
         </pc:grpChg>
         <pc:grpChg chg="add mod">
-          <ac:chgData name="Ken Barr" userId="08394fa4-6c67-4e80-95e1-dad59dfd7fac" providerId="ADAL" clId="{3C373675-04FA-41EC-BF9F-A45885CE701B}" dt="2019-01-29T16:16:01.509" v="456" actId="164"/>
+          <ac:chgData name="Ken Barr" userId="08394fa4-6c67-4e80-95e1-dad59dfd7fac" providerId="ADAL" clId="{3C373675-04FA-41EC-BF9F-A45885CE701B}" dt="2019-01-30T12:20:14.208" v="471" actId="1076"/>
           <ac:grpSpMkLst>
             <pc:docMk/>
             <pc:sldMk cId="1034791607" sldId="256"/>
@@ -658,6 +658,14 @@
             <ac:picMk id="1031" creationId="{E565AE7F-D139-48BE-8E4E-2AA9DA591AFE}"/>
           </ac:picMkLst>
         </pc:picChg>
+        <pc:cxnChg chg="add del mod">
+          <ac:chgData name="Ken Barr" userId="08394fa4-6c67-4e80-95e1-dad59dfd7fac" providerId="ADAL" clId="{3C373675-04FA-41EC-BF9F-A45885CE701B}" dt="2019-01-30T12:17:56.437" v="458" actId="11529"/>
+          <ac:cxnSpMkLst>
+            <pc:docMk/>
+            <pc:sldMk cId="1034791607" sldId="256"/>
+            <ac:cxnSpMk id="3" creationId="{55F6C811-C73A-49DE-B45C-E9890FBDA74C}"/>
+          </ac:cxnSpMkLst>
+        </pc:cxnChg>
         <pc:cxnChg chg="mod">
           <ac:chgData name="Ken Barr" userId="08394fa4-6c67-4e80-95e1-dad59dfd7fac" providerId="ADAL" clId="{3C373675-04FA-41EC-BF9F-A45885CE701B}" dt="2019-01-29T15:36:52.362" v="8" actId="14100"/>
           <ac:cxnSpMkLst>
@@ -675,7 +683,7 @@
           </ac:cxnSpMkLst>
         </pc:cxnChg>
         <pc:cxnChg chg="mod">
-          <ac:chgData name="Ken Barr" userId="08394fa4-6c67-4e80-95e1-dad59dfd7fac" providerId="ADAL" clId="{3C373675-04FA-41EC-BF9F-A45885CE701B}" dt="2019-01-29T15:36:56.810" v="9" actId="14100"/>
+          <ac:chgData name="Ken Barr" userId="08394fa4-6c67-4e80-95e1-dad59dfd7fac" providerId="ADAL" clId="{3C373675-04FA-41EC-BF9F-A45885CE701B}" dt="2019-01-30T12:19:21.504" v="463" actId="692"/>
           <ac:cxnSpMkLst>
             <pc:docMk/>
             <pc:sldMk cId="1034791607" sldId="256"/>
@@ -707,7 +715,7 @@
           </ac:cxnSpMkLst>
         </pc:cxnChg>
         <pc:cxnChg chg="mod">
-          <ac:chgData name="Ken Barr" userId="08394fa4-6c67-4e80-95e1-dad59dfd7fac" providerId="ADAL" clId="{3C373675-04FA-41EC-BF9F-A45885CE701B}" dt="2019-01-29T16:03:08.884" v="353" actId="14100"/>
+          <ac:chgData name="Ken Barr" userId="08394fa4-6c67-4e80-95e1-dad59dfd7fac" providerId="ADAL" clId="{3C373675-04FA-41EC-BF9F-A45885CE701B}" dt="2019-01-30T12:19:34.158" v="465" actId="692"/>
           <ac:cxnSpMkLst>
             <pc:docMk/>
             <pc:sldMk cId="1034791607" sldId="256"/>
@@ -763,7 +771,7 @@
           </ac:cxnSpMkLst>
         </pc:cxnChg>
         <pc:cxnChg chg="add mod">
-          <ac:chgData name="Ken Barr" userId="08394fa4-6c67-4e80-95e1-dad59dfd7fac" providerId="ADAL" clId="{3C373675-04FA-41EC-BF9F-A45885CE701B}" dt="2019-01-29T16:16:01.509" v="456" actId="164"/>
+          <ac:chgData name="Ken Barr" userId="08394fa4-6c67-4e80-95e1-dad59dfd7fac" providerId="ADAL" clId="{3C373675-04FA-41EC-BF9F-A45885CE701B}" dt="2019-01-30T12:19:37.662" v="466" actId="692"/>
           <ac:cxnSpMkLst>
             <pc:docMk/>
             <pc:sldMk cId="1034791607" sldId="256"/>
@@ -771,7 +779,7 @@
           </ac:cxnSpMkLst>
         </pc:cxnChg>
         <pc:cxnChg chg="add mod">
-          <ac:chgData name="Ken Barr" userId="08394fa4-6c67-4e80-95e1-dad59dfd7fac" providerId="ADAL" clId="{3C373675-04FA-41EC-BF9F-A45885CE701B}" dt="2019-01-29T16:16:01.509" v="456" actId="164"/>
+          <ac:chgData name="Ken Barr" userId="08394fa4-6c67-4e80-95e1-dad59dfd7fac" providerId="ADAL" clId="{3C373675-04FA-41EC-BF9F-A45885CE701B}" dt="2019-01-30T12:19:41.320" v="467" actId="692"/>
           <ac:cxnSpMkLst>
             <pc:docMk/>
             <pc:sldMk cId="1034791607" sldId="256"/>
@@ -779,7 +787,7 @@
           </ac:cxnSpMkLst>
         </pc:cxnChg>
         <pc:cxnChg chg="add mod">
-          <ac:chgData name="Ken Barr" userId="08394fa4-6c67-4e80-95e1-dad59dfd7fac" providerId="ADAL" clId="{3C373675-04FA-41EC-BF9F-A45885CE701B}" dt="2019-01-29T16:16:01.509" v="456" actId="164"/>
+          <ac:chgData name="Ken Barr" userId="08394fa4-6c67-4e80-95e1-dad59dfd7fac" providerId="ADAL" clId="{3C373675-04FA-41EC-BF9F-A45885CE701B}" dt="2019-01-30T12:19:45.213" v="468" actId="692"/>
           <ac:cxnSpMkLst>
             <pc:docMk/>
             <pc:sldMk cId="1034791607" sldId="256"/>
@@ -787,7 +795,7 @@
           </ac:cxnSpMkLst>
         </pc:cxnChg>
         <pc:cxnChg chg="add mod">
-          <ac:chgData name="Ken Barr" userId="08394fa4-6c67-4e80-95e1-dad59dfd7fac" providerId="ADAL" clId="{3C373675-04FA-41EC-BF9F-A45885CE701B}" dt="2019-01-29T16:16:01.509" v="456" actId="164"/>
+          <ac:chgData name="Ken Barr" userId="08394fa4-6c67-4e80-95e1-dad59dfd7fac" providerId="ADAL" clId="{3C373675-04FA-41EC-BF9F-A45885CE701B}" dt="2019-01-30T12:19:49.182" v="469" actId="692"/>
           <ac:cxnSpMkLst>
             <pc:docMk/>
             <pc:sldMk cId="1034791607" sldId="256"/>
@@ -795,7 +803,7 @@
           </ac:cxnSpMkLst>
         </pc:cxnChg>
         <pc:cxnChg chg="add mod">
-          <ac:chgData name="Ken Barr" userId="08394fa4-6c67-4e80-95e1-dad59dfd7fac" providerId="ADAL" clId="{3C373675-04FA-41EC-BF9F-A45885CE701B}" dt="2019-01-29T16:16:01.509" v="456" actId="164"/>
+          <ac:chgData name="Ken Barr" userId="08394fa4-6c67-4e80-95e1-dad59dfd7fac" providerId="ADAL" clId="{3C373675-04FA-41EC-BF9F-A45885CE701B}" dt="2019-01-30T12:19:52.687" v="470" actId="692"/>
           <ac:cxnSpMkLst>
             <pc:docMk/>
             <pc:sldMk cId="1034791607" sldId="256"/>
@@ -811,7 +819,7 @@
           </ac:cxnSpMkLst>
         </pc:cxnChg>
         <pc:cxnChg chg="add mod">
-          <ac:chgData name="Ken Barr" userId="08394fa4-6c67-4e80-95e1-dad59dfd7fac" providerId="ADAL" clId="{3C373675-04FA-41EC-BF9F-A45885CE701B}" dt="2019-01-29T16:16:01.509" v="456" actId="164"/>
+          <ac:chgData name="Ken Barr" userId="08394fa4-6c67-4e80-95e1-dad59dfd7fac" providerId="ADAL" clId="{3C373675-04FA-41EC-BF9F-A45885CE701B}" dt="2019-01-30T12:19:28.977" v="464" actId="692"/>
           <ac:cxnSpMkLst>
             <pc:docMk/>
             <pc:sldMk cId="1034791607" sldId="256"/>
@@ -984,7 +992,7 @@
           <a:p>
             <a:fld id="{D7078A92-8A65-4E12-AE5D-AB4AEDE49790}" type="datetimeFigureOut">
               <a:rPr lang="en-CA" smtClean="0"/>
-              <a:t>2019-01-29</a:t>
+              <a:t>2019-01-30</a:t>
             </a:fld>
             <a:endParaRPr lang="en-CA"/>
           </a:p>
@@ -1184,7 +1192,7 @@
           <a:p>
             <a:fld id="{D7078A92-8A65-4E12-AE5D-AB4AEDE49790}" type="datetimeFigureOut">
               <a:rPr lang="en-CA" smtClean="0"/>
-              <a:t>2019-01-29</a:t>
+              <a:t>2019-01-30</a:t>
             </a:fld>
             <a:endParaRPr lang="en-CA"/>
           </a:p>
@@ -1394,7 +1402,7 @@
           <a:p>
             <a:fld id="{D7078A92-8A65-4E12-AE5D-AB4AEDE49790}" type="datetimeFigureOut">
               <a:rPr lang="en-CA" smtClean="0"/>
-              <a:t>2019-01-29</a:t>
+              <a:t>2019-01-30</a:t>
             </a:fld>
             <a:endParaRPr lang="en-CA"/>
           </a:p>
@@ -1594,7 +1602,7 @@
           <a:p>
             <a:fld id="{D7078A92-8A65-4E12-AE5D-AB4AEDE49790}" type="datetimeFigureOut">
               <a:rPr lang="en-CA" smtClean="0"/>
-              <a:t>2019-01-29</a:t>
+              <a:t>2019-01-30</a:t>
             </a:fld>
             <a:endParaRPr lang="en-CA"/>
           </a:p>
@@ -1870,7 +1878,7 @@
           <a:p>
             <a:fld id="{D7078A92-8A65-4E12-AE5D-AB4AEDE49790}" type="datetimeFigureOut">
               <a:rPr lang="en-CA" smtClean="0"/>
-              <a:t>2019-01-29</a:t>
+              <a:t>2019-01-30</a:t>
             </a:fld>
             <a:endParaRPr lang="en-CA"/>
           </a:p>
@@ -2138,7 +2146,7 @@
           <a:p>
             <a:fld id="{D7078A92-8A65-4E12-AE5D-AB4AEDE49790}" type="datetimeFigureOut">
               <a:rPr lang="en-CA" smtClean="0"/>
-              <a:t>2019-01-29</a:t>
+              <a:t>2019-01-30</a:t>
             </a:fld>
             <a:endParaRPr lang="en-CA"/>
           </a:p>
@@ -2553,7 +2561,7 @@
           <a:p>
             <a:fld id="{D7078A92-8A65-4E12-AE5D-AB4AEDE49790}" type="datetimeFigureOut">
               <a:rPr lang="en-CA" smtClean="0"/>
-              <a:t>2019-01-29</a:t>
+              <a:t>2019-01-30</a:t>
             </a:fld>
             <a:endParaRPr lang="en-CA"/>
           </a:p>
@@ -2695,7 +2703,7 @@
           <a:p>
             <a:fld id="{D7078A92-8A65-4E12-AE5D-AB4AEDE49790}" type="datetimeFigureOut">
               <a:rPr lang="en-CA" smtClean="0"/>
-              <a:t>2019-01-29</a:t>
+              <a:t>2019-01-30</a:t>
             </a:fld>
             <a:endParaRPr lang="en-CA"/>
           </a:p>
@@ -2808,7 +2816,7 @@
           <a:p>
             <a:fld id="{D7078A92-8A65-4E12-AE5D-AB4AEDE49790}" type="datetimeFigureOut">
               <a:rPr lang="en-CA" smtClean="0"/>
-              <a:t>2019-01-29</a:t>
+              <a:t>2019-01-30</a:t>
             </a:fld>
             <a:endParaRPr lang="en-CA"/>
           </a:p>
@@ -3121,7 +3129,7 @@
           <a:p>
             <a:fld id="{D7078A92-8A65-4E12-AE5D-AB4AEDE49790}" type="datetimeFigureOut">
               <a:rPr lang="en-CA" smtClean="0"/>
-              <a:t>2019-01-29</a:t>
+              <a:t>2019-01-30</a:t>
             </a:fld>
             <a:endParaRPr lang="en-CA"/>
           </a:p>
@@ -3410,7 +3418,7 @@
           <a:p>
             <a:fld id="{D7078A92-8A65-4E12-AE5D-AB4AEDE49790}" type="datetimeFigureOut">
               <a:rPr lang="en-CA" smtClean="0"/>
-              <a:t>2019-01-29</a:t>
+              <a:t>2019-01-30</a:t>
             </a:fld>
             <a:endParaRPr lang="en-CA"/>
           </a:p>
@@ -3653,7 +3661,7 @@
           <a:p>
             <a:fld id="{D7078A92-8A65-4E12-AE5D-AB4AEDE49790}" type="datetimeFigureOut">
               <a:rPr lang="en-CA" smtClean="0"/>
-              <a:t>2019-01-29</a:t>
+              <a:t>2019-01-30</a:t>
             </a:fld>
             <a:endParaRPr lang="en-CA"/>
           </a:p>
@@ -4084,7 +4092,7 @@
         </p:nvGrpSpPr>
         <p:grpSpPr>
           <a:xfrm>
-            <a:off x="84388" y="373933"/>
+            <a:off x="155100" y="383264"/>
             <a:ext cx="12036900" cy="5630093"/>
             <a:chOff x="84388" y="373933"/>
             <a:chExt cx="12036900" cy="5630093"/>
@@ -4657,7 +4665,7 @@
                 <a:solidFill>
                   <a:srgbClr val="003469"/>
                 </a:solidFill>
-                <a:headEnd type="triangle" w="med" len="med"/>
+                <a:headEnd type="none" w="med" len="med"/>
                 <a:tailEnd type="triangle" w="med" len="med"/>
               </a:ln>
             </p:spPr>
@@ -6249,7 +6257,7 @@
               <a:solidFill>
                 <a:srgbClr val="003469"/>
               </a:solidFill>
-              <a:headEnd type="triangle" w="med" len="med"/>
+              <a:headEnd type="none" w="med" len="med"/>
               <a:tailEnd type="triangle" w="med" len="med"/>
             </a:ln>
           </p:spPr>
@@ -6294,7 +6302,7 @@
               <a:solidFill>
                 <a:srgbClr val="003469"/>
               </a:solidFill>
-              <a:headEnd type="triangle" w="med" len="med"/>
+              <a:headEnd type="none" w="med" len="med"/>
               <a:tailEnd type="triangle" w="med" len="med"/>
             </a:ln>
           </p:spPr>
@@ -6339,7 +6347,7 @@
               <a:solidFill>
                 <a:srgbClr val="003469"/>
               </a:solidFill>
-              <a:headEnd type="triangle" w="med" len="med"/>
+              <a:headEnd type="none" w="med" len="med"/>
               <a:tailEnd type="triangle" w="med" len="med"/>
             </a:ln>
           </p:spPr>
@@ -6384,7 +6392,7 @@
               <a:solidFill>
                 <a:srgbClr val="003469"/>
               </a:solidFill>
-              <a:headEnd type="triangle" w="med" len="med"/>
+              <a:headEnd type="none" w="med" len="med"/>
               <a:tailEnd type="triangle" w="med" len="med"/>
             </a:ln>
           </p:spPr>
@@ -6429,7 +6437,7 @@
               <a:solidFill>
                 <a:srgbClr val="003469"/>
               </a:solidFill>
-              <a:headEnd type="triangle" w="med" len="med"/>
+              <a:headEnd type="none" w="med" len="med"/>
               <a:tailEnd type="triangle" w="med" len="med"/>
             </a:ln>
           </p:spPr>
@@ -6474,7 +6482,7 @@
               <a:solidFill>
                 <a:srgbClr val="003469"/>
               </a:solidFill>
-              <a:headEnd type="triangle" w="med" len="med"/>
+              <a:headEnd type="none" w="med" len="med"/>
               <a:tailEnd type="triangle" w="med" len="med"/>
             </a:ln>
           </p:spPr>

--- a/images/source_images.pptx
+++ b/images/source_images.pptx
@@ -6,9 +6,10 @@
   </p:sldMasterIdLst>
   <p:sldIdLst>
     <p:sldId id="256" r:id="rId2"/>
-    <p:sldId id="259" r:id="rId3"/>
-    <p:sldId id="257" r:id="rId4"/>
-    <p:sldId id="258" r:id="rId5"/>
+    <p:sldId id="260" r:id="rId3"/>
+    <p:sldId id="259" r:id="rId4"/>
+    <p:sldId id="257" r:id="rId5"/>
+    <p:sldId id="258" r:id="rId6"/>
   </p:sldIdLst>
   <p:sldSz cx="12192000" cy="6858000"/>
   <p:notesSz cx="6858000" cy="9144000"/>
@@ -118,7 +119,7 @@
 <file path=ppt/revisionInfo.xml><?xml version="1.0" encoding="utf-8"?>
 <p1510:revInfo xmlns:a="http://schemas.openxmlformats.org/drawingml/2006/main" xmlns:r="http://schemas.openxmlformats.org/officeDocument/2006/relationships" xmlns:p1510="http://schemas.microsoft.com/office/powerpoint/2015/10/main">
   <p1510:revLst>
-    <p1510:client id="{3C373675-04FA-41EC-BF9F-A45885CE701B}" v="68" dt="2019-01-30T12:17:56.438"/>
+    <p1510:client id="{3C373675-04FA-41EC-BF9F-A45885CE701B}" v="137" dt="2019-02-04T16:39:29.555"/>
   </p1510:revLst>
 </p1510:revInfo>
 </file>
@@ -127,8 +128,8 @@
 <pc:chgInfo xmlns:a="http://schemas.openxmlformats.org/drawingml/2006/main" xmlns:r="http://schemas.openxmlformats.org/officeDocument/2006/relationships" xmlns:ac="http://schemas.microsoft.com/office/drawing/2013/main/command" xmlns:pc="http://schemas.microsoft.com/office/powerpoint/2013/main/command">
   <pc:docChgLst>
     <pc:chgData name="Ken Barr" userId="08394fa4-6c67-4e80-95e1-dad59dfd7fac" providerId="ADAL" clId="{3C373675-04FA-41EC-BF9F-A45885CE701B}"/>
-    <pc:docChg chg="undo custSel modSld">
-      <pc:chgData name="Ken Barr" userId="08394fa4-6c67-4e80-95e1-dad59dfd7fac" providerId="ADAL" clId="{3C373675-04FA-41EC-BF9F-A45885CE701B}" dt="2019-01-30T12:20:14.208" v="471" actId="1076"/>
+    <pc:docChg chg="undo custSel addSld modSld">
+      <pc:chgData name="Ken Barr" userId="08394fa4-6c67-4e80-95e1-dad59dfd7fac" providerId="ADAL" clId="{3C373675-04FA-41EC-BF9F-A45885CE701B}" dt="2019-02-04T17:04:40.966" v="790" actId="1582"/>
       <pc:docMkLst>
         <pc:docMk/>
       </pc:docMkLst>
@@ -832,6 +833,877 @@
             <pc:docMk/>
             <pc:sldMk cId="1034791607" sldId="256"/>
             <ac:cxnSpMk id="127" creationId="{7DA936B3-E0B4-4130-B176-0C898C96FB69}"/>
+          </ac:cxnSpMkLst>
+        </pc:cxnChg>
+      </pc:sldChg>
+      <pc:sldChg chg="addSp delSp modSp add">
+        <pc:chgData name="Ken Barr" userId="08394fa4-6c67-4e80-95e1-dad59dfd7fac" providerId="ADAL" clId="{3C373675-04FA-41EC-BF9F-A45885CE701B}" dt="2019-02-04T17:04:40.966" v="790" actId="1582"/>
+        <pc:sldMkLst>
+          <pc:docMk/>
+          <pc:sldMk cId="768740698" sldId="260"/>
+        </pc:sldMkLst>
+        <pc:spChg chg="del">
+          <ac:chgData name="Ken Barr" userId="08394fa4-6c67-4e80-95e1-dad59dfd7fac" providerId="ADAL" clId="{3C373675-04FA-41EC-BF9F-A45885CE701B}" dt="2019-02-04T15:09:06.463" v="476"/>
+          <ac:spMkLst>
+            <pc:docMk/>
+            <pc:sldMk cId="768740698" sldId="260"/>
+            <ac:spMk id="2" creationId="{239E86B2-EAD1-4660-8359-2ED3752C9AA0}"/>
+          </ac:spMkLst>
+        </pc:spChg>
+        <pc:spChg chg="del">
+          <ac:chgData name="Ken Barr" userId="08394fa4-6c67-4e80-95e1-dad59dfd7fac" providerId="ADAL" clId="{3C373675-04FA-41EC-BF9F-A45885CE701B}" dt="2019-02-04T15:09:03.676" v="475"/>
+          <ac:spMkLst>
+            <pc:docMk/>
+            <pc:sldMk cId="768740698" sldId="260"/>
+            <ac:spMk id="3" creationId="{C0E0A56A-2D6C-4259-B05D-D5FB8289541A}"/>
+          </ac:spMkLst>
+        </pc:spChg>
+        <pc:spChg chg="add del">
+          <ac:chgData name="Ken Barr" userId="08394fa4-6c67-4e80-95e1-dad59dfd7fac" providerId="ADAL" clId="{3C373675-04FA-41EC-BF9F-A45885CE701B}" dt="2019-02-04T15:08:42.978" v="474"/>
+          <ac:spMkLst>
+            <pc:docMk/>
+            <pc:sldMk cId="768740698" sldId="260"/>
+            <ac:spMk id="5" creationId="{6CC42A23-3917-4FBB-A8CA-4E6B30038CB9}"/>
+          </ac:spMkLst>
+        </pc:spChg>
+        <pc:spChg chg="add del">
+          <ac:chgData name="Ken Barr" userId="08394fa4-6c67-4e80-95e1-dad59dfd7fac" providerId="ADAL" clId="{3C373675-04FA-41EC-BF9F-A45885CE701B}" dt="2019-02-04T15:08:42.978" v="474"/>
+          <ac:spMkLst>
+            <pc:docMk/>
+            <pc:sldMk cId="768740698" sldId="260"/>
+            <ac:spMk id="6" creationId="{EC0214C6-EBD8-4585-B6DC-D25E26C12DC8}"/>
+          </ac:spMkLst>
+        </pc:spChg>
+        <pc:spChg chg="mod ord topLvl">
+          <ac:chgData name="Ken Barr" userId="08394fa4-6c67-4e80-95e1-dad59dfd7fac" providerId="ADAL" clId="{3C373675-04FA-41EC-BF9F-A45885CE701B}" dt="2019-02-04T16:17:09.547" v="704" actId="164"/>
+          <ac:spMkLst>
+            <pc:docMk/>
+            <pc:sldMk cId="768740698" sldId="260"/>
+            <ac:spMk id="96" creationId="{DA4B1454-0C44-40BB-B226-2FA3BAA2A083}"/>
+          </ac:spMkLst>
+        </pc:spChg>
+        <pc:spChg chg="mod ord topLvl">
+          <ac:chgData name="Ken Barr" userId="08394fa4-6c67-4e80-95e1-dad59dfd7fac" providerId="ADAL" clId="{3C373675-04FA-41EC-BF9F-A45885CE701B}" dt="2019-02-04T16:17:09.547" v="704" actId="164"/>
+          <ac:spMkLst>
+            <pc:docMk/>
+            <pc:sldMk cId="768740698" sldId="260"/>
+            <ac:spMk id="97" creationId="{FAB8BFCE-C290-4DB7-83B6-F9AC5BF778C3}"/>
+          </ac:spMkLst>
+        </pc:spChg>
+        <pc:spChg chg="mod ord topLvl">
+          <ac:chgData name="Ken Barr" userId="08394fa4-6c67-4e80-95e1-dad59dfd7fac" providerId="ADAL" clId="{3C373675-04FA-41EC-BF9F-A45885CE701B}" dt="2019-02-04T16:17:09.547" v="704" actId="164"/>
+          <ac:spMkLst>
+            <pc:docMk/>
+            <pc:sldMk cId="768740698" sldId="260"/>
+            <ac:spMk id="114" creationId="{E15618D1-9134-4431-9723-E39436ABE2C1}"/>
+          </ac:spMkLst>
+        </pc:spChg>
+        <pc:spChg chg="mod ord topLvl">
+          <ac:chgData name="Ken Barr" userId="08394fa4-6c67-4e80-95e1-dad59dfd7fac" providerId="ADAL" clId="{3C373675-04FA-41EC-BF9F-A45885CE701B}" dt="2019-02-04T16:17:09.547" v="704" actId="164"/>
+          <ac:spMkLst>
+            <pc:docMk/>
+            <pc:sldMk cId="768740698" sldId="260"/>
+            <ac:spMk id="119" creationId="{FCC2A71D-6C0A-412E-B60F-62366E27CBAC}"/>
+          </ac:spMkLst>
+        </pc:spChg>
+        <pc:spChg chg="mod topLvl">
+          <ac:chgData name="Ken Barr" userId="08394fa4-6c67-4e80-95e1-dad59dfd7fac" providerId="ADAL" clId="{3C373675-04FA-41EC-BF9F-A45885CE701B}" dt="2019-02-04T16:17:09.547" v="704" actId="164"/>
+          <ac:spMkLst>
+            <pc:docMk/>
+            <pc:sldMk cId="768740698" sldId="260"/>
+            <ac:spMk id="120" creationId="{91CEC7E7-393D-48C4-B2F2-73C301A3AF57}"/>
+          </ac:spMkLst>
+        </pc:spChg>
+        <pc:spChg chg="del">
+          <ac:chgData name="Ken Barr" userId="08394fa4-6c67-4e80-95e1-dad59dfd7fac" providerId="ADAL" clId="{3C373675-04FA-41EC-BF9F-A45885CE701B}" dt="2019-02-04T15:46:24.933" v="487"/>
+          <ac:spMkLst>
+            <pc:docMk/>
+            <pc:sldMk cId="768740698" sldId="260"/>
+            <ac:spMk id="121" creationId="{87831053-07AF-4221-8EDB-B069B8B41845}"/>
+          </ac:spMkLst>
+        </pc:spChg>
+        <pc:spChg chg="mod topLvl">
+          <ac:chgData name="Ken Barr" userId="08394fa4-6c67-4e80-95e1-dad59dfd7fac" providerId="ADAL" clId="{3C373675-04FA-41EC-BF9F-A45885CE701B}" dt="2019-02-04T16:17:09.547" v="704" actId="164"/>
+          <ac:spMkLst>
+            <pc:docMk/>
+            <pc:sldMk cId="768740698" sldId="260"/>
+            <ac:spMk id="127" creationId="{4C7EC9E8-E538-4EED-A350-A5525A1BB86C}"/>
+          </ac:spMkLst>
+        </pc:spChg>
+        <pc:spChg chg="mod topLvl">
+          <ac:chgData name="Ken Barr" userId="08394fa4-6c67-4e80-95e1-dad59dfd7fac" providerId="ADAL" clId="{3C373675-04FA-41EC-BF9F-A45885CE701B}" dt="2019-02-04T16:28:03.889" v="712" actId="14100"/>
+          <ac:spMkLst>
+            <pc:docMk/>
+            <pc:sldMk cId="768740698" sldId="260"/>
+            <ac:spMk id="129" creationId="{999454D3-60AE-457E-A1AA-D158D5EBE215}"/>
+          </ac:spMkLst>
+        </pc:spChg>
+        <pc:spChg chg="del">
+          <ac:chgData name="Ken Barr" userId="08394fa4-6c67-4e80-95e1-dad59dfd7fac" providerId="ADAL" clId="{3C373675-04FA-41EC-BF9F-A45885CE701B}" dt="2019-02-04T15:47:09.336" v="490"/>
+          <ac:spMkLst>
+            <pc:docMk/>
+            <pc:sldMk cId="768740698" sldId="260"/>
+            <ac:spMk id="139" creationId="{BCE6F40C-22A1-40E4-AC87-80C5C0C5B2D7}"/>
+          </ac:spMkLst>
+        </pc:spChg>
+        <pc:spChg chg="del mod">
+          <ac:chgData name="Ken Barr" userId="08394fa4-6c67-4e80-95e1-dad59dfd7fac" providerId="ADAL" clId="{3C373675-04FA-41EC-BF9F-A45885CE701B}" dt="2019-02-04T16:04:08.948" v="506"/>
+          <ac:spMkLst>
+            <pc:docMk/>
+            <pc:sldMk cId="768740698" sldId="260"/>
+            <ac:spMk id="169" creationId="{A341AD77-1AF1-43EC-A37D-523FD5282033}"/>
+          </ac:spMkLst>
+        </pc:spChg>
+        <pc:spChg chg="del mod">
+          <ac:chgData name="Ken Barr" userId="08394fa4-6c67-4e80-95e1-dad59dfd7fac" providerId="ADAL" clId="{3C373675-04FA-41EC-BF9F-A45885CE701B}" dt="2019-02-04T16:04:04.229" v="504"/>
+          <ac:spMkLst>
+            <pc:docMk/>
+            <pc:sldMk cId="768740698" sldId="260"/>
+            <ac:spMk id="171" creationId="{F58878E3-A163-491F-B168-EE89846486D5}"/>
+          </ac:spMkLst>
+        </pc:spChg>
+        <pc:spChg chg="del mod">
+          <ac:chgData name="Ken Barr" userId="08394fa4-6c67-4e80-95e1-dad59dfd7fac" providerId="ADAL" clId="{3C373675-04FA-41EC-BF9F-A45885CE701B}" dt="2019-02-04T16:04:15.034" v="508"/>
+          <ac:spMkLst>
+            <pc:docMk/>
+            <pc:sldMk cId="768740698" sldId="260"/>
+            <ac:spMk id="174" creationId="{6A22E4D4-D2DF-49C1-BDD4-B33DED03DA48}"/>
+          </ac:spMkLst>
+        </pc:spChg>
+        <pc:spChg chg="mod">
+          <ac:chgData name="Ken Barr" userId="08394fa4-6c67-4e80-95e1-dad59dfd7fac" providerId="ADAL" clId="{3C373675-04FA-41EC-BF9F-A45885CE701B}" dt="2019-02-04T16:08:56.152" v="573"/>
+          <ac:spMkLst>
+            <pc:docMk/>
+            <pc:sldMk cId="768740698" sldId="260"/>
+            <ac:spMk id="178" creationId="{C6DAD7B7-5659-4744-B9E2-F77CBD3634D6}"/>
+          </ac:spMkLst>
+        </pc:spChg>
+        <pc:spChg chg="mod">
+          <ac:chgData name="Ken Barr" userId="08394fa4-6c67-4e80-95e1-dad59dfd7fac" providerId="ADAL" clId="{3C373675-04FA-41EC-BF9F-A45885CE701B}" dt="2019-02-04T16:06:47.019" v="544" actId="1076"/>
+          <ac:spMkLst>
+            <pc:docMk/>
+            <pc:sldMk cId="768740698" sldId="260"/>
+            <ac:spMk id="185" creationId="{2E7EB90D-1393-4BD8-A824-B732FA154986}"/>
+          </ac:spMkLst>
+        </pc:spChg>
+        <pc:spChg chg="add mod">
+          <ac:chgData name="Ken Barr" userId="08394fa4-6c67-4e80-95e1-dad59dfd7fac" providerId="ADAL" clId="{3C373675-04FA-41EC-BF9F-A45885CE701B}" dt="2019-02-04T16:17:09.547" v="704" actId="164"/>
+          <ac:spMkLst>
+            <pc:docMk/>
+            <pc:sldMk cId="768740698" sldId="260"/>
+            <ac:spMk id="191" creationId="{C74181C0-7E39-4020-B96F-8CC86A322F3D}"/>
+          </ac:spMkLst>
+        </pc:spChg>
+        <pc:spChg chg="add mod">
+          <ac:chgData name="Ken Barr" userId="08394fa4-6c67-4e80-95e1-dad59dfd7fac" providerId="ADAL" clId="{3C373675-04FA-41EC-BF9F-A45885CE701B}" dt="2019-02-04T16:17:09.547" v="704" actId="164"/>
+          <ac:spMkLst>
+            <pc:docMk/>
+            <pc:sldMk cId="768740698" sldId="260"/>
+            <ac:spMk id="193" creationId="{CA731BBC-6A1F-4F45-9D0A-327D563B1D11}"/>
+          </ac:spMkLst>
+        </pc:spChg>
+        <pc:spChg chg="add mod">
+          <ac:chgData name="Ken Barr" userId="08394fa4-6c67-4e80-95e1-dad59dfd7fac" providerId="ADAL" clId="{3C373675-04FA-41EC-BF9F-A45885CE701B}" dt="2019-02-04T16:17:09.547" v="704" actId="164"/>
+          <ac:spMkLst>
+            <pc:docMk/>
+            <pc:sldMk cId="768740698" sldId="260"/>
+            <ac:spMk id="195" creationId="{F0AEFBD2-98FC-4D28-AD39-EC81121DBD55}"/>
+          </ac:spMkLst>
+        </pc:spChg>
+        <pc:spChg chg="mod">
+          <ac:chgData name="Ken Barr" userId="08394fa4-6c67-4e80-95e1-dad59dfd7fac" providerId="ADAL" clId="{3C373675-04FA-41EC-BF9F-A45885CE701B}" dt="2019-02-04T17:02:56.570" v="783" actId="1076"/>
+          <ac:spMkLst>
+            <pc:docMk/>
+            <pc:sldMk cId="768740698" sldId="260"/>
+            <ac:spMk id="199" creationId="{C6E25398-72E6-40D4-9E25-21FB7FC2DEE3}"/>
+          </ac:spMkLst>
+        </pc:spChg>
+        <pc:spChg chg="mod">
+          <ac:chgData name="Ken Barr" userId="08394fa4-6c67-4e80-95e1-dad59dfd7fac" providerId="ADAL" clId="{3C373675-04FA-41EC-BF9F-A45885CE701B}" dt="2019-02-04T16:14:44.112" v="663" actId="20577"/>
+          <ac:spMkLst>
+            <pc:docMk/>
+            <pc:sldMk cId="768740698" sldId="260"/>
+            <ac:spMk id="200" creationId="{C5362005-21B3-4CF2-B5CB-C9A24D8882A6}"/>
+          </ac:spMkLst>
+        </pc:spChg>
+        <pc:spChg chg="add mod">
+          <ac:chgData name="Ken Barr" userId="08394fa4-6c67-4e80-95e1-dad59dfd7fac" providerId="ADAL" clId="{3C373675-04FA-41EC-BF9F-A45885CE701B}" dt="2019-02-04T16:17:09.547" v="704" actId="164"/>
+          <ac:spMkLst>
+            <pc:docMk/>
+            <pc:sldMk cId="768740698" sldId="260"/>
+            <ac:spMk id="205" creationId="{08522723-7647-4E94-BDD5-4C5DCED816A0}"/>
+          </ac:spMkLst>
+        </pc:spChg>
+        <pc:spChg chg="add mod">
+          <ac:chgData name="Ken Barr" userId="08394fa4-6c67-4e80-95e1-dad59dfd7fac" providerId="ADAL" clId="{3C373675-04FA-41EC-BF9F-A45885CE701B}" dt="2019-02-04T16:17:09.547" v="704" actId="164"/>
+          <ac:spMkLst>
+            <pc:docMk/>
+            <pc:sldMk cId="768740698" sldId="260"/>
+            <ac:spMk id="207" creationId="{8C8E0465-C8F3-459A-BDA5-DCA11A1E6ABB}"/>
+          </ac:spMkLst>
+        </pc:spChg>
+        <pc:spChg chg="add mod">
+          <ac:chgData name="Ken Barr" userId="08394fa4-6c67-4e80-95e1-dad59dfd7fac" providerId="ADAL" clId="{3C373675-04FA-41EC-BF9F-A45885CE701B}" dt="2019-02-04T16:17:09.547" v="704" actId="164"/>
+          <ac:spMkLst>
+            <pc:docMk/>
+            <pc:sldMk cId="768740698" sldId="260"/>
+            <ac:spMk id="209" creationId="{CEF28E8B-2C20-4BBE-AFA8-2AE1F7B95083}"/>
+          </ac:spMkLst>
+        </pc:spChg>
+        <pc:spChg chg="add mod ord">
+          <ac:chgData name="Ken Barr" userId="08394fa4-6c67-4e80-95e1-dad59dfd7fac" providerId="ADAL" clId="{3C373675-04FA-41EC-BF9F-A45885CE701B}" dt="2019-02-04T16:39:29.555" v="782" actId="164"/>
+          <ac:spMkLst>
+            <pc:docMk/>
+            <pc:sldMk cId="768740698" sldId="260"/>
+            <ac:spMk id="220" creationId="{C1A7080F-7122-4E89-AD9A-5D51F08627FC}"/>
+          </ac:spMkLst>
+        </pc:spChg>
+        <pc:spChg chg="add mod ord">
+          <ac:chgData name="Ken Barr" userId="08394fa4-6c67-4e80-95e1-dad59dfd7fac" providerId="ADAL" clId="{3C373675-04FA-41EC-BF9F-A45885CE701B}" dt="2019-02-04T16:39:29.555" v="782" actId="164"/>
+          <ac:spMkLst>
+            <pc:docMk/>
+            <pc:sldMk cId="768740698" sldId="260"/>
+            <ac:spMk id="221" creationId="{95C1BC86-8DEB-4074-B509-3C9A63E8BFDC}"/>
+          </ac:spMkLst>
+        </pc:spChg>
+        <pc:spChg chg="add mod">
+          <ac:chgData name="Ken Barr" userId="08394fa4-6c67-4e80-95e1-dad59dfd7fac" providerId="ADAL" clId="{3C373675-04FA-41EC-BF9F-A45885CE701B}" dt="2019-02-04T16:39:29.555" v="782" actId="164"/>
+          <ac:spMkLst>
+            <pc:docMk/>
+            <pc:sldMk cId="768740698" sldId="260"/>
+            <ac:spMk id="222" creationId="{73786002-F4AB-4588-AB72-6F217D8738FD}"/>
+          </ac:spMkLst>
+        </pc:spChg>
+        <pc:spChg chg="add mod">
+          <ac:chgData name="Ken Barr" userId="08394fa4-6c67-4e80-95e1-dad59dfd7fac" providerId="ADAL" clId="{3C373675-04FA-41EC-BF9F-A45885CE701B}" dt="2019-02-04T16:39:29.555" v="782" actId="164"/>
+          <ac:spMkLst>
+            <pc:docMk/>
+            <pc:sldMk cId="768740698" sldId="260"/>
+            <ac:spMk id="223" creationId="{13126F66-44D3-4872-B100-367F48F9AA29}"/>
+          </ac:spMkLst>
+        </pc:spChg>
+        <pc:grpChg chg="add del">
+          <ac:chgData name="Ken Barr" userId="08394fa4-6c67-4e80-95e1-dad59dfd7fac" providerId="ADAL" clId="{3C373675-04FA-41EC-BF9F-A45885CE701B}" dt="2019-02-04T15:08:42.978" v="474"/>
+          <ac:grpSpMkLst>
+            <pc:docMk/>
+            <pc:sldMk cId="768740698" sldId="260"/>
+            <ac:grpSpMk id="7" creationId="{FC95A377-A9E1-40A0-95F0-B265A0D10F3A}"/>
+          </ac:grpSpMkLst>
+        </pc:grpChg>
+        <pc:grpChg chg="add del mod">
+          <ac:chgData name="Ken Barr" userId="08394fa4-6c67-4e80-95e1-dad59dfd7fac" providerId="ADAL" clId="{3C373675-04FA-41EC-BF9F-A45885CE701B}" dt="2019-02-04T16:04:50" v="513" actId="165"/>
+          <ac:grpSpMkLst>
+            <pc:docMk/>
+            <pc:sldMk cId="768740698" sldId="260"/>
+            <ac:grpSpMk id="91" creationId="{88CDC34B-DB4E-4A70-A2F9-6766341AD486}"/>
+          </ac:grpSpMkLst>
+        </pc:grpChg>
+        <pc:grpChg chg="del mod">
+          <ac:chgData name="Ken Barr" userId="08394fa4-6c67-4e80-95e1-dad59dfd7fac" providerId="ADAL" clId="{3C373675-04FA-41EC-BF9F-A45885CE701B}" dt="2019-02-04T16:04:15.034" v="508"/>
+          <ac:grpSpMkLst>
+            <pc:docMk/>
+            <pc:sldMk cId="768740698" sldId="260"/>
+            <ac:grpSpMk id="92" creationId="{DF298B32-DE8B-48F0-B1DD-36C359E80D74}"/>
+          </ac:grpSpMkLst>
+        </pc:grpChg>
+        <pc:grpChg chg="del mod">
+          <ac:chgData name="Ken Barr" userId="08394fa4-6c67-4e80-95e1-dad59dfd7fac" providerId="ADAL" clId="{3C373675-04FA-41EC-BF9F-A45885CE701B}" dt="2019-02-04T16:03:35.334" v="499"/>
+          <ac:grpSpMkLst>
+            <pc:docMk/>
+            <pc:sldMk cId="768740698" sldId="260"/>
+            <ac:grpSpMk id="93" creationId="{491C9BF8-16CA-4CDA-8EFF-CF7A588D228C}"/>
+          </ac:grpSpMkLst>
+        </pc:grpChg>
+        <pc:grpChg chg="mod topLvl">
+          <ac:chgData name="Ken Barr" userId="08394fa4-6c67-4e80-95e1-dad59dfd7fac" providerId="ADAL" clId="{3C373675-04FA-41EC-BF9F-A45885CE701B}" dt="2019-02-04T16:17:09.547" v="704" actId="164"/>
+          <ac:grpSpMkLst>
+            <pc:docMk/>
+            <pc:sldMk cId="768740698" sldId="260"/>
+            <ac:grpSpMk id="102" creationId="{1C3928D1-185E-4E84-A03F-E8FF4424E112}"/>
+          </ac:grpSpMkLst>
+        </pc:grpChg>
+        <pc:grpChg chg="mod topLvl">
+          <ac:chgData name="Ken Barr" userId="08394fa4-6c67-4e80-95e1-dad59dfd7fac" providerId="ADAL" clId="{3C373675-04FA-41EC-BF9F-A45885CE701B}" dt="2019-02-04T16:17:09.547" v="704" actId="164"/>
+          <ac:grpSpMkLst>
+            <pc:docMk/>
+            <pc:sldMk cId="768740698" sldId="260"/>
+            <ac:grpSpMk id="103" creationId="{60C25A4D-0345-4189-B330-22A9BACB8F92}"/>
+          </ac:grpSpMkLst>
+        </pc:grpChg>
+        <pc:grpChg chg="mod topLvl">
+          <ac:chgData name="Ken Barr" userId="08394fa4-6c67-4e80-95e1-dad59dfd7fac" providerId="ADAL" clId="{3C373675-04FA-41EC-BF9F-A45885CE701B}" dt="2019-02-04T16:17:09.547" v="704" actId="164"/>
+          <ac:grpSpMkLst>
+            <pc:docMk/>
+            <pc:sldMk cId="768740698" sldId="260"/>
+            <ac:grpSpMk id="104" creationId="{45BD47E7-8FC9-4AF8-8F37-CB6571994E47}"/>
+          </ac:grpSpMkLst>
+        </pc:grpChg>
+        <pc:grpChg chg="mod topLvl">
+          <ac:chgData name="Ken Barr" userId="08394fa4-6c67-4e80-95e1-dad59dfd7fac" providerId="ADAL" clId="{3C373675-04FA-41EC-BF9F-A45885CE701B}" dt="2019-02-04T16:17:09.547" v="704" actId="164"/>
+          <ac:grpSpMkLst>
+            <pc:docMk/>
+            <pc:sldMk cId="768740698" sldId="260"/>
+            <ac:grpSpMk id="105" creationId="{9DD8B1EB-1C1D-47D2-AE96-DC4354D62AED}"/>
+          </ac:grpSpMkLst>
+        </pc:grpChg>
+        <pc:grpChg chg="mod topLvl">
+          <ac:chgData name="Ken Barr" userId="08394fa4-6c67-4e80-95e1-dad59dfd7fac" providerId="ADAL" clId="{3C373675-04FA-41EC-BF9F-A45885CE701B}" dt="2019-02-04T16:17:09.547" v="704" actId="164"/>
+          <ac:grpSpMkLst>
+            <pc:docMk/>
+            <pc:sldMk cId="768740698" sldId="260"/>
+            <ac:grpSpMk id="106" creationId="{C605C5F5-D1D3-4AD7-ACD0-6207EE990698}"/>
+          </ac:grpSpMkLst>
+        </pc:grpChg>
+        <pc:grpChg chg="mod topLvl">
+          <ac:chgData name="Ken Barr" userId="08394fa4-6c67-4e80-95e1-dad59dfd7fac" providerId="ADAL" clId="{3C373675-04FA-41EC-BF9F-A45885CE701B}" dt="2019-02-04T16:17:09.547" v="704" actId="164"/>
+          <ac:grpSpMkLst>
+            <pc:docMk/>
+            <pc:sldMk cId="768740698" sldId="260"/>
+            <ac:grpSpMk id="107" creationId="{68DA740E-469B-498C-BDF2-FE3D42A0926A}"/>
+          </ac:grpSpMkLst>
+        </pc:grpChg>
+        <pc:grpChg chg="mod topLvl">
+          <ac:chgData name="Ken Barr" userId="08394fa4-6c67-4e80-95e1-dad59dfd7fac" providerId="ADAL" clId="{3C373675-04FA-41EC-BF9F-A45885CE701B}" dt="2019-02-04T16:17:09.547" v="704" actId="164"/>
+          <ac:grpSpMkLst>
+            <pc:docMk/>
+            <pc:sldMk cId="768740698" sldId="260"/>
+            <ac:grpSpMk id="108" creationId="{78316713-ACAC-4864-94B9-7C4BBCDFB880}"/>
+          </ac:grpSpMkLst>
+        </pc:grpChg>
+        <pc:grpChg chg="mod topLvl">
+          <ac:chgData name="Ken Barr" userId="08394fa4-6c67-4e80-95e1-dad59dfd7fac" providerId="ADAL" clId="{3C373675-04FA-41EC-BF9F-A45885CE701B}" dt="2019-02-04T16:17:09.547" v="704" actId="164"/>
+          <ac:grpSpMkLst>
+            <pc:docMk/>
+            <pc:sldMk cId="768740698" sldId="260"/>
+            <ac:grpSpMk id="113" creationId="{15B14FBB-0B5A-455D-9EAF-1D1B7149B394}"/>
+          </ac:grpSpMkLst>
+        </pc:grpChg>
+        <pc:grpChg chg="mod topLvl">
+          <ac:chgData name="Ken Barr" userId="08394fa4-6c67-4e80-95e1-dad59dfd7fac" providerId="ADAL" clId="{3C373675-04FA-41EC-BF9F-A45885CE701B}" dt="2019-02-04T16:17:09.547" v="704" actId="164"/>
+          <ac:grpSpMkLst>
+            <pc:docMk/>
+            <pc:sldMk cId="768740698" sldId="260"/>
+            <ac:grpSpMk id="122" creationId="{4632E27B-6AD6-48DA-A4EF-3220A1236E2C}"/>
+          </ac:grpSpMkLst>
+        </pc:grpChg>
+        <pc:grpChg chg="mod topLvl">
+          <ac:chgData name="Ken Barr" userId="08394fa4-6c67-4e80-95e1-dad59dfd7fac" providerId="ADAL" clId="{3C373675-04FA-41EC-BF9F-A45885CE701B}" dt="2019-02-04T16:17:09.547" v="704" actId="164"/>
+          <ac:grpSpMkLst>
+            <pc:docMk/>
+            <pc:sldMk cId="768740698" sldId="260"/>
+            <ac:grpSpMk id="123" creationId="{9915D127-068D-4B25-A3F1-44DDBB3DA3FF}"/>
+          </ac:grpSpMkLst>
+        </pc:grpChg>
+        <pc:grpChg chg="mod">
+          <ac:chgData name="Ken Barr" userId="08394fa4-6c67-4e80-95e1-dad59dfd7fac" providerId="ADAL" clId="{3C373675-04FA-41EC-BF9F-A45885CE701B}" dt="2019-02-04T15:47:09.336" v="490"/>
+          <ac:grpSpMkLst>
+            <pc:docMk/>
+            <pc:sldMk cId="768740698" sldId="260"/>
+            <ac:grpSpMk id="135" creationId="{65F48E83-47B8-4D34-9F4C-12BA0408B359}"/>
+          </ac:grpSpMkLst>
+        </pc:grpChg>
+        <pc:grpChg chg="mod">
+          <ac:chgData name="Ken Barr" userId="08394fa4-6c67-4e80-95e1-dad59dfd7fac" providerId="ADAL" clId="{3C373675-04FA-41EC-BF9F-A45885CE701B}" dt="2019-02-04T15:47:09.336" v="490"/>
+          <ac:grpSpMkLst>
+            <pc:docMk/>
+            <pc:sldMk cId="768740698" sldId="260"/>
+            <ac:grpSpMk id="136" creationId="{DC418E31-189F-43BF-8C9E-60519E4DA499}"/>
+          </ac:grpSpMkLst>
+        </pc:grpChg>
+        <pc:grpChg chg="del mod">
+          <ac:chgData name="Ken Barr" userId="08394fa4-6c67-4e80-95e1-dad59dfd7fac" providerId="ADAL" clId="{3C373675-04FA-41EC-BF9F-A45885CE701B}" dt="2019-02-04T16:03:33.210" v="498"/>
+          <ac:grpSpMkLst>
+            <pc:docMk/>
+            <pc:sldMk cId="768740698" sldId="260"/>
+            <ac:grpSpMk id="162" creationId="{6605ADC0-1B3B-49C1-87B0-FFA27DFFF4D9}"/>
+          </ac:grpSpMkLst>
+        </pc:grpChg>
+        <pc:grpChg chg="add del mod">
+          <ac:chgData name="Ken Barr" userId="08394fa4-6c67-4e80-95e1-dad59dfd7fac" providerId="ADAL" clId="{3C373675-04FA-41EC-BF9F-A45885CE701B}" dt="2019-02-04T16:03:28.923" v="496"/>
+          <ac:grpSpMkLst>
+            <pc:docMk/>
+            <pc:sldMk cId="768740698" sldId="260"/>
+            <ac:grpSpMk id="163" creationId="{05B35810-9298-4B78-B216-4E82401F2870}"/>
+          </ac:grpSpMkLst>
+        </pc:grpChg>
+        <pc:grpChg chg="del mod">
+          <ac:chgData name="Ken Barr" userId="08394fa4-6c67-4e80-95e1-dad59dfd7fac" providerId="ADAL" clId="{3C373675-04FA-41EC-BF9F-A45885CE701B}" dt="2019-02-04T16:03:30.911" v="497"/>
+          <ac:grpSpMkLst>
+            <pc:docMk/>
+            <pc:sldMk cId="768740698" sldId="260"/>
+            <ac:grpSpMk id="164" creationId="{32697DAD-50FA-4D32-A293-11E51E57E4AE}"/>
+          </ac:grpSpMkLst>
+        </pc:grpChg>
+        <pc:grpChg chg="add mod">
+          <ac:chgData name="Ken Barr" userId="08394fa4-6c67-4e80-95e1-dad59dfd7fac" providerId="ADAL" clId="{3C373675-04FA-41EC-BF9F-A45885CE701B}" dt="2019-02-04T16:17:09.547" v="704" actId="164"/>
+          <ac:grpSpMkLst>
+            <pc:docMk/>
+            <pc:sldMk cId="768740698" sldId="260"/>
+            <ac:grpSpMk id="177" creationId="{5E1DFB1D-F071-489C-8033-BF8295087442}"/>
+          </ac:grpSpMkLst>
+        </pc:grpChg>
+        <pc:grpChg chg="del mod">
+          <ac:chgData name="Ken Barr" userId="08394fa4-6c67-4e80-95e1-dad59dfd7fac" providerId="ADAL" clId="{3C373675-04FA-41EC-BF9F-A45885CE701B}" dt="2019-02-04T16:07:51.808" v="565"/>
+          <ac:grpSpMkLst>
+            <pc:docMk/>
+            <pc:sldMk cId="768740698" sldId="260"/>
+            <ac:grpSpMk id="181" creationId="{185EAEEF-9B8A-45DC-8869-2E1E597CE22D}"/>
+          </ac:grpSpMkLst>
+        </pc:grpChg>
+        <pc:grpChg chg="del mod">
+          <ac:chgData name="Ken Barr" userId="08394fa4-6c67-4e80-95e1-dad59dfd7fac" providerId="ADAL" clId="{3C373675-04FA-41EC-BF9F-A45885CE701B}" dt="2019-02-04T16:05:59.196" v="518"/>
+          <ac:grpSpMkLst>
+            <pc:docMk/>
+            <pc:sldMk cId="768740698" sldId="260"/>
+            <ac:grpSpMk id="182" creationId="{A61AEBDB-29A7-447A-9F69-151D748DAC87}"/>
+          </ac:grpSpMkLst>
+        </pc:grpChg>
+        <pc:grpChg chg="add mod">
+          <ac:chgData name="Ken Barr" userId="08394fa4-6c67-4e80-95e1-dad59dfd7fac" providerId="ADAL" clId="{3C373675-04FA-41EC-BF9F-A45885CE701B}" dt="2019-02-04T16:17:09.547" v="704" actId="164"/>
+          <ac:grpSpMkLst>
+            <pc:docMk/>
+            <pc:sldMk cId="768740698" sldId="260"/>
+            <ac:grpSpMk id="198" creationId="{98850754-5991-4B57-8ACA-EC9F1D87D0D0}"/>
+          </ac:grpSpMkLst>
+        </pc:grpChg>
+        <pc:grpChg chg="add mod">
+          <ac:chgData name="Ken Barr" userId="08394fa4-6c67-4e80-95e1-dad59dfd7fac" providerId="ADAL" clId="{3C373675-04FA-41EC-BF9F-A45885CE701B}" dt="2019-02-04T16:39:29.555" v="782" actId="164"/>
+          <ac:grpSpMkLst>
+            <pc:docMk/>
+            <pc:sldMk cId="768740698" sldId="260"/>
+            <ac:grpSpMk id="216" creationId="{B71C887E-528C-48DA-AC0D-E1F4A2DEBCD3}"/>
+          </ac:grpSpMkLst>
+        </pc:grpChg>
+        <pc:grpChg chg="add mod">
+          <ac:chgData name="Ken Barr" userId="08394fa4-6c67-4e80-95e1-dad59dfd7fac" providerId="ADAL" clId="{3C373675-04FA-41EC-BF9F-A45885CE701B}" dt="2019-02-04T16:39:29.555" v="782" actId="164"/>
+          <ac:grpSpMkLst>
+            <pc:docMk/>
+            <pc:sldMk cId="768740698" sldId="260"/>
+            <ac:grpSpMk id="224" creationId="{174C8FD1-407E-4A47-A3BD-6B08D7425DEA}"/>
+          </ac:grpSpMkLst>
+        </pc:grpChg>
+        <pc:picChg chg="add del">
+          <ac:chgData name="Ken Barr" userId="08394fa4-6c67-4e80-95e1-dad59dfd7fac" providerId="ADAL" clId="{3C373675-04FA-41EC-BF9F-A45885CE701B}" dt="2019-02-04T15:08:42.978" v="474"/>
+          <ac:picMkLst>
+            <pc:docMk/>
+            <pc:sldMk cId="768740698" sldId="260"/>
+            <ac:picMk id="4" creationId="{92AC9AF8-43B7-4942-8D39-BE10C67C47A8}"/>
+          </ac:picMkLst>
+        </pc:picChg>
+        <pc:picChg chg="mod topLvl">
+          <ac:chgData name="Ken Barr" userId="08394fa4-6c67-4e80-95e1-dad59dfd7fac" providerId="ADAL" clId="{3C373675-04FA-41EC-BF9F-A45885CE701B}" dt="2019-02-04T16:17:09.547" v="704" actId="164"/>
+          <ac:picMkLst>
+            <pc:docMk/>
+            <pc:sldMk cId="768740698" sldId="260"/>
+            <ac:picMk id="110" creationId="{7382A461-E41C-4E38-A10F-001E73818694}"/>
+          </ac:picMkLst>
+        </pc:picChg>
+        <pc:picChg chg="del mod topLvl">
+          <ac:chgData name="Ken Barr" userId="08394fa4-6c67-4e80-95e1-dad59dfd7fac" providerId="ADAL" clId="{3C373675-04FA-41EC-BF9F-A45885CE701B}" dt="2019-02-04T16:12:49.005" v="636"/>
+          <ac:picMkLst>
+            <pc:docMk/>
+            <pc:sldMk cId="768740698" sldId="260"/>
+            <ac:picMk id="111" creationId="{1EB16534-56E5-472F-808C-F49B6C34F898}"/>
+          </ac:picMkLst>
+        </pc:picChg>
+        <pc:picChg chg="mod">
+          <ac:chgData name="Ken Barr" userId="08394fa4-6c67-4e80-95e1-dad59dfd7fac" providerId="ADAL" clId="{3C373675-04FA-41EC-BF9F-A45885CE701B}" dt="2019-02-04T16:26:50.393" v="705" actId="1076"/>
+          <ac:picMkLst>
+            <pc:docMk/>
+            <pc:sldMk cId="768740698" sldId="260"/>
+            <ac:picMk id="159" creationId="{5D82DA06-03C2-458D-B69F-68EDCF8FA98D}"/>
+          </ac:picMkLst>
+        </pc:picChg>
+        <pc:picChg chg="del mod">
+          <ac:chgData name="Ken Barr" userId="08394fa4-6c67-4e80-95e1-dad59dfd7fac" providerId="ADAL" clId="{3C373675-04FA-41EC-BF9F-A45885CE701B}" dt="2019-02-04T16:03:37.205" v="500"/>
+          <ac:picMkLst>
+            <pc:docMk/>
+            <pc:sldMk cId="768740698" sldId="260"/>
+            <ac:picMk id="160" creationId="{87C39FA4-87DC-4461-BE99-C4D07465EDDD}"/>
+          </ac:picMkLst>
+        </pc:picChg>
+        <pc:picChg chg="del">
+          <ac:chgData name="Ken Barr" userId="08394fa4-6c67-4e80-95e1-dad59dfd7fac" providerId="ADAL" clId="{3C373675-04FA-41EC-BF9F-A45885CE701B}" dt="2019-02-04T16:03:35.334" v="499"/>
+          <ac:picMkLst>
+            <pc:docMk/>
+            <pc:sldMk cId="768740698" sldId="260"/>
+            <ac:picMk id="161" creationId="{68A298BD-6B04-4B59-AC01-0937C485C7F4}"/>
+          </ac:picMkLst>
+        </pc:picChg>
+        <pc:picChg chg="del">
+          <ac:chgData name="Ken Barr" userId="08394fa4-6c67-4e80-95e1-dad59dfd7fac" providerId="ADAL" clId="{3C373675-04FA-41EC-BF9F-A45885CE701B}" dt="2019-02-04T16:03:30.911" v="497"/>
+          <ac:picMkLst>
+            <pc:docMk/>
+            <pc:sldMk cId="768740698" sldId="260"/>
+            <ac:picMk id="170" creationId="{EE01C5EC-6BFA-48C0-8190-020B13CE079B}"/>
+          </ac:picMkLst>
+        </pc:picChg>
+        <pc:picChg chg="add del">
+          <ac:chgData name="Ken Barr" userId="08394fa4-6c67-4e80-95e1-dad59dfd7fac" providerId="ADAL" clId="{3C373675-04FA-41EC-BF9F-A45885CE701B}" dt="2019-02-04T16:03:28.923" v="496"/>
+          <ac:picMkLst>
+            <pc:docMk/>
+            <pc:sldMk cId="768740698" sldId="260"/>
+            <ac:picMk id="172" creationId="{6B70ECBE-1E38-4271-AB2C-59D707A0D58A}"/>
+          </ac:picMkLst>
+        </pc:picChg>
+        <pc:picChg chg="del">
+          <ac:chgData name="Ken Barr" userId="08394fa4-6c67-4e80-95e1-dad59dfd7fac" providerId="ADAL" clId="{3C373675-04FA-41EC-BF9F-A45885CE701B}" dt="2019-02-04T16:03:33.210" v="498"/>
+          <ac:picMkLst>
+            <pc:docMk/>
+            <pc:sldMk cId="768740698" sldId="260"/>
+            <ac:picMk id="173" creationId="{ED2D3A2D-A05E-48DE-90D6-22887881C3DE}"/>
+          </ac:picMkLst>
+        </pc:picChg>
+        <pc:picChg chg="del">
+          <ac:chgData name="Ken Barr" userId="08394fa4-6c67-4e80-95e1-dad59dfd7fac" providerId="ADAL" clId="{3C373675-04FA-41EC-BF9F-A45885CE701B}" dt="2019-02-04T16:07:49.781" v="564"/>
+          <ac:picMkLst>
+            <pc:docMk/>
+            <pc:sldMk cId="768740698" sldId="260"/>
+            <ac:picMk id="179" creationId="{8801FB15-B1CD-46DA-83E9-C3CBB7567B3E}"/>
+          </ac:picMkLst>
+        </pc:picChg>
+        <pc:picChg chg="del">
+          <ac:chgData name="Ken Barr" userId="08394fa4-6c67-4e80-95e1-dad59dfd7fac" providerId="ADAL" clId="{3C373675-04FA-41EC-BF9F-A45885CE701B}" dt="2019-02-04T16:07:48.193" v="563"/>
+          <ac:picMkLst>
+            <pc:docMk/>
+            <pc:sldMk cId="768740698" sldId="260"/>
+            <ac:picMk id="180" creationId="{600E32B1-6206-4D7E-BC2E-CA598EAEEB98}"/>
+          </ac:picMkLst>
+        </pc:picChg>
+        <pc:picChg chg="del">
+          <ac:chgData name="Ken Barr" userId="08394fa4-6c67-4e80-95e1-dad59dfd7fac" providerId="ADAL" clId="{3C373675-04FA-41EC-BF9F-A45885CE701B}" dt="2019-02-04T16:05:59.196" v="518"/>
+          <ac:picMkLst>
+            <pc:docMk/>
+            <pc:sldMk cId="768740698" sldId="260"/>
+            <ac:picMk id="186" creationId="{FABFCED6-A1A1-471A-874D-01BCBF4D5CBA}"/>
+          </ac:picMkLst>
+        </pc:picChg>
+        <pc:picChg chg="del">
+          <ac:chgData name="Ken Barr" userId="08394fa4-6c67-4e80-95e1-dad59dfd7fac" providerId="ADAL" clId="{3C373675-04FA-41EC-BF9F-A45885CE701B}" dt="2019-02-04T16:07:51.808" v="565"/>
+          <ac:picMkLst>
+            <pc:docMk/>
+            <pc:sldMk cId="768740698" sldId="260"/>
+            <ac:picMk id="187" creationId="{A38C0E4A-EAEA-4B95-B023-B56DDE5F9323}"/>
+          </ac:picMkLst>
+        </pc:picChg>
+        <pc:picChg chg="del mod">
+          <ac:chgData name="Ken Barr" userId="08394fa4-6c67-4e80-95e1-dad59dfd7fac" providerId="ADAL" clId="{3C373675-04FA-41EC-BF9F-A45885CE701B}" dt="2019-02-04T16:08:50.434" v="572"/>
+          <ac:picMkLst>
+            <pc:docMk/>
+            <pc:sldMk cId="768740698" sldId="260"/>
+            <ac:picMk id="188" creationId="{E68FE4AC-698C-442D-8143-884C322A52ED}"/>
+          </ac:picMkLst>
+        </pc:picChg>
+        <pc:picChg chg="add mod">
+          <ac:chgData name="Ken Barr" userId="08394fa4-6c67-4e80-95e1-dad59dfd7fac" providerId="ADAL" clId="{3C373675-04FA-41EC-BF9F-A45885CE701B}" dt="2019-02-04T16:17:09.547" v="704" actId="164"/>
+          <ac:picMkLst>
+            <pc:docMk/>
+            <pc:sldMk cId="768740698" sldId="260"/>
+            <ac:picMk id="189" creationId="{14A06BC6-2A6C-48BC-BD54-A0F4F7C3F024}"/>
+          </ac:picMkLst>
+        </pc:picChg>
+        <pc:picChg chg="add mod">
+          <ac:chgData name="Ken Barr" userId="08394fa4-6c67-4e80-95e1-dad59dfd7fac" providerId="ADAL" clId="{3C373675-04FA-41EC-BF9F-A45885CE701B}" dt="2019-02-04T16:17:09.547" v="704" actId="164"/>
+          <ac:picMkLst>
+            <pc:docMk/>
+            <pc:sldMk cId="768740698" sldId="260"/>
+            <ac:picMk id="190" creationId="{1AA1BD04-C467-47A2-BB91-7A248E1F13FA}"/>
+          </ac:picMkLst>
+        </pc:picChg>
+        <pc:picChg chg="add mod">
+          <ac:chgData name="Ken Barr" userId="08394fa4-6c67-4e80-95e1-dad59dfd7fac" providerId="ADAL" clId="{3C373675-04FA-41EC-BF9F-A45885CE701B}" dt="2019-02-04T16:17:09.547" v="704" actId="164"/>
+          <ac:picMkLst>
+            <pc:docMk/>
+            <pc:sldMk cId="768740698" sldId="260"/>
+            <ac:picMk id="192" creationId="{3CE07319-B286-4763-ABE7-C78F54FC39D2}"/>
+          </ac:picMkLst>
+        </pc:picChg>
+        <pc:picChg chg="add mod">
+          <ac:chgData name="Ken Barr" userId="08394fa4-6c67-4e80-95e1-dad59dfd7fac" providerId="ADAL" clId="{3C373675-04FA-41EC-BF9F-A45885CE701B}" dt="2019-02-04T16:17:09.547" v="704" actId="164"/>
+          <ac:picMkLst>
+            <pc:docMk/>
+            <pc:sldMk cId="768740698" sldId="260"/>
+            <ac:picMk id="194" creationId="{FF012691-DD89-4BC8-ADE0-DE8E506D31BD}"/>
+          </ac:picMkLst>
+        </pc:picChg>
+        <pc:picChg chg="add del mod">
+          <ac:chgData name="Ken Barr" userId="08394fa4-6c67-4e80-95e1-dad59dfd7fac" providerId="ADAL" clId="{3C373675-04FA-41EC-BF9F-A45885CE701B}" dt="2019-02-04T16:14:04.652" v="647"/>
+          <ac:picMkLst>
+            <pc:docMk/>
+            <pc:sldMk cId="768740698" sldId="260"/>
+            <ac:picMk id="203" creationId="{EB0AF5D5-583D-4F68-9E29-93E4FD455C83}"/>
+          </ac:picMkLst>
+        </pc:picChg>
+        <pc:picChg chg="add del mod">
+          <ac:chgData name="Ken Barr" userId="08394fa4-6c67-4e80-95e1-dad59dfd7fac" providerId="ADAL" clId="{3C373675-04FA-41EC-BF9F-A45885CE701B}" dt="2019-02-04T16:14:49.399" v="664"/>
+          <ac:picMkLst>
+            <pc:docMk/>
+            <pc:sldMk cId="768740698" sldId="260"/>
+            <ac:picMk id="204" creationId="{C8811574-AC9A-47C0-B7E3-002F7080A16C}"/>
+          </ac:picMkLst>
+        </pc:picChg>
+        <pc:picChg chg="add del mod">
+          <ac:chgData name="Ken Barr" userId="08394fa4-6c67-4e80-95e1-dad59dfd7fac" providerId="ADAL" clId="{3C373675-04FA-41EC-BF9F-A45885CE701B}" dt="2019-02-04T16:14:50.806" v="665"/>
+          <ac:picMkLst>
+            <pc:docMk/>
+            <pc:sldMk cId="768740698" sldId="260"/>
+            <ac:picMk id="206" creationId="{BDA83248-4D67-42C1-8D0A-9E3EADB265E5}"/>
+          </ac:picMkLst>
+        </pc:picChg>
+        <pc:picChg chg="add del mod">
+          <ac:chgData name="Ken Barr" userId="08394fa4-6c67-4e80-95e1-dad59dfd7fac" providerId="ADAL" clId="{3C373675-04FA-41EC-BF9F-A45885CE701B}" dt="2019-02-04T16:14:52.062" v="666"/>
+          <ac:picMkLst>
+            <pc:docMk/>
+            <pc:sldMk cId="768740698" sldId="260"/>
+            <ac:picMk id="208" creationId="{98E9D7ED-9494-45D8-B7EC-3CBB07A130E7}"/>
+          </ac:picMkLst>
+        </pc:picChg>
+        <pc:picChg chg="add mod">
+          <ac:chgData name="Ken Barr" userId="08394fa4-6c67-4e80-95e1-dad59dfd7fac" providerId="ADAL" clId="{3C373675-04FA-41EC-BF9F-A45885CE701B}" dt="2019-02-04T16:17:09.547" v="704" actId="164"/>
+          <ac:picMkLst>
+            <pc:docMk/>
+            <pc:sldMk cId="768740698" sldId="260"/>
+            <ac:picMk id="212" creationId="{4EE55E6A-5D99-426F-86CC-04CEBAD6A5DC}"/>
+          </ac:picMkLst>
+        </pc:picChg>
+        <pc:picChg chg="add mod">
+          <ac:chgData name="Ken Barr" userId="08394fa4-6c67-4e80-95e1-dad59dfd7fac" providerId="ADAL" clId="{3C373675-04FA-41EC-BF9F-A45885CE701B}" dt="2019-02-04T16:39:29.555" v="782" actId="164"/>
+          <ac:picMkLst>
+            <pc:docMk/>
+            <pc:sldMk cId="768740698" sldId="260"/>
+            <ac:picMk id="213" creationId="{494F89C0-46DF-4CDA-9326-59A5250BE348}"/>
+          </ac:picMkLst>
+        </pc:picChg>
+        <pc:picChg chg="add mod">
+          <ac:chgData name="Ken Barr" userId="08394fa4-6c67-4e80-95e1-dad59dfd7fac" providerId="ADAL" clId="{3C373675-04FA-41EC-BF9F-A45885CE701B}" dt="2019-02-04T16:27:22.928" v="708" actId="1076"/>
+          <ac:picMkLst>
+            <pc:docMk/>
+            <pc:sldMk cId="768740698" sldId="260"/>
+            <ac:picMk id="214" creationId="{ED6A9D01-219C-4249-BE36-DF3E7C083333}"/>
+          </ac:picMkLst>
+        </pc:picChg>
+        <pc:picChg chg="add mod">
+          <ac:chgData name="Ken Barr" userId="08394fa4-6c67-4e80-95e1-dad59dfd7fac" providerId="ADAL" clId="{3C373675-04FA-41EC-BF9F-A45885CE701B}" dt="2019-02-04T16:17:09.547" v="704" actId="164"/>
+          <ac:picMkLst>
+            <pc:docMk/>
+            <pc:sldMk cId="768740698" sldId="260"/>
+            <ac:picMk id="215" creationId="{7F663402-FBC3-48CD-B0D9-66CE6075898A}"/>
+          </ac:picMkLst>
+        </pc:picChg>
+        <pc:picChg chg="add mod">
+          <ac:chgData name="Ken Barr" userId="08394fa4-6c67-4e80-95e1-dad59dfd7fac" providerId="ADAL" clId="{3C373675-04FA-41EC-BF9F-A45885CE701B}" dt="2019-02-04T16:39:29.555" v="782" actId="164"/>
+          <ac:picMkLst>
+            <pc:docMk/>
+            <pc:sldMk cId="768740698" sldId="260"/>
+            <ac:picMk id="217" creationId="{59FC2EE9-22B3-450A-814E-A5E5E005E1BA}"/>
+          </ac:picMkLst>
+        </pc:picChg>
+        <pc:picChg chg="add mod">
+          <ac:chgData name="Ken Barr" userId="08394fa4-6c67-4e80-95e1-dad59dfd7fac" providerId="ADAL" clId="{3C373675-04FA-41EC-BF9F-A45885CE701B}" dt="2019-02-04T16:39:29.555" v="782" actId="164"/>
+          <ac:picMkLst>
+            <pc:docMk/>
+            <pc:sldMk cId="768740698" sldId="260"/>
+            <ac:picMk id="218" creationId="{718569C3-4B9B-4A92-853A-2491B1A4C195}"/>
+          </ac:picMkLst>
+        </pc:picChg>
+        <pc:picChg chg="add del mod ord">
+          <ac:chgData name="Ken Barr" userId="08394fa4-6c67-4e80-95e1-dad59dfd7fac" providerId="ADAL" clId="{3C373675-04FA-41EC-BF9F-A45885CE701B}" dt="2019-02-04T16:36:02.802" v="738"/>
+          <ac:picMkLst>
+            <pc:docMk/>
+            <pc:sldMk cId="768740698" sldId="260"/>
+            <ac:picMk id="219" creationId="{2959C03D-7534-43B2-893C-BB7B5EA116A5}"/>
+          </ac:picMkLst>
+        </pc:picChg>
+        <pc:cxnChg chg="del">
+          <ac:chgData name="Ken Barr" userId="08394fa4-6c67-4e80-95e1-dad59dfd7fac" providerId="ADAL" clId="{3C373675-04FA-41EC-BF9F-A45885CE701B}" dt="2019-02-04T16:04:16.746" v="509"/>
+          <ac:cxnSpMkLst>
+            <pc:docMk/>
+            <pc:sldMk cId="768740698" sldId="260"/>
+            <ac:cxnSpMk id="94" creationId="{857E9DFE-88F3-46DC-87A0-FAA6031EA1C8}"/>
+          </ac:cxnSpMkLst>
+        </pc:cxnChg>
+        <pc:cxnChg chg="del">
+          <ac:chgData name="Ken Barr" userId="08394fa4-6c67-4e80-95e1-dad59dfd7fac" providerId="ADAL" clId="{3C373675-04FA-41EC-BF9F-A45885CE701B}" dt="2019-02-04T16:04:18.897" v="510"/>
+          <ac:cxnSpMkLst>
+            <pc:docMk/>
+            <pc:sldMk cId="768740698" sldId="260"/>
+            <ac:cxnSpMk id="95" creationId="{B2E490C6-B761-4AE8-B834-2F40935325EA}"/>
+          </ac:cxnSpMkLst>
+        </pc:cxnChg>
+        <pc:cxnChg chg="mod topLvl">
+          <ac:chgData name="Ken Barr" userId="08394fa4-6c67-4e80-95e1-dad59dfd7fac" providerId="ADAL" clId="{3C373675-04FA-41EC-BF9F-A45885CE701B}" dt="2019-02-04T16:17:09.547" v="704" actId="164"/>
+          <ac:cxnSpMkLst>
+            <pc:docMk/>
+            <pc:sldMk cId="768740698" sldId="260"/>
+            <ac:cxnSpMk id="98" creationId="{DB1612CD-1D78-457B-8AF2-9649B75CDF1B}"/>
+          </ac:cxnSpMkLst>
+        </pc:cxnChg>
+        <pc:cxnChg chg="mod topLvl">
+          <ac:chgData name="Ken Barr" userId="08394fa4-6c67-4e80-95e1-dad59dfd7fac" providerId="ADAL" clId="{3C373675-04FA-41EC-BF9F-A45885CE701B}" dt="2019-02-04T16:17:09.547" v="704" actId="164"/>
+          <ac:cxnSpMkLst>
+            <pc:docMk/>
+            <pc:sldMk cId="768740698" sldId="260"/>
+            <ac:cxnSpMk id="99" creationId="{40FE9941-CB73-4799-8298-31D65219497C}"/>
+          </ac:cxnSpMkLst>
+        </pc:cxnChg>
+        <pc:cxnChg chg="mod topLvl">
+          <ac:chgData name="Ken Barr" userId="08394fa4-6c67-4e80-95e1-dad59dfd7fac" providerId="ADAL" clId="{3C373675-04FA-41EC-BF9F-A45885CE701B}" dt="2019-02-04T16:17:09.547" v="704" actId="164"/>
+          <ac:cxnSpMkLst>
+            <pc:docMk/>
+            <pc:sldMk cId="768740698" sldId="260"/>
+            <ac:cxnSpMk id="100" creationId="{8905F59E-68E0-4137-BFBF-5864C60B88B6}"/>
+          </ac:cxnSpMkLst>
+        </pc:cxnChg>
+        <pc:cxnChg chg="mod topLvl">
+          <ac:chgData name="Ken Barr" userId="08394fa4-6c67-4e80-95e1-dad59dfd7fac" providerId="ADAL" clId="{3C373675-04FA-41EC-BF9F-A45885CE701B}" dt="2019-02-04T16:17:09.547" v="704" actId="164"/>
+          <ac:cxnSpMkLst>
+            <pc:docMk/>
+            <pc:sldMk cId="768740698" sldId="260"/>
+            <ac:cxnSpMk id="101" creationId="{904D315D-7A52-4913-ADA1-DA50123D0646}"/>
+          </ac:cxnSpMkLst>
+        </pc:cxnChg>
+        <pc:cxnChg chg="mod topLvl">
+          <ac:chgData name="Ken Barr" userId="08394fa4-6c67-4e80-95e1-dad59dfd7fac" providerId="ADAL" clId="{3C373675-04FA-41EC-BF9F-A45885CE701B}" dt="2019-02-04T16:17:09.547" v="704" actId="164"/>
+          <ac:cxnSpMkLst>
+            <pc:docMk/>
+            <pc:sldMk cId="768740698" sldId="260"/>
+            <ac:cxnSpMk id="109" creationId="{64DB385C-B17A-4E91-8C48-8E29C21B1162}"/>
+          </ac:cxnSpMkLst>
+        </pc:cxnChg>
+        <pc:cxnChg chg="mod topLvl">
+          <ac:chgData name="Ken Barr" userId="08394fa4-6c67-4e80-95e1-dad59dfd7fac" providerId="ADAL" clId="{3C373675-04FA-41EC-BF9F-A45885CE701B}" dt="2019-02-04T16:17:09.547" v="704" actId="164"/>
+          <ac:cxnSpMkLst>
+            <pc:docMk/>
+            <pc:sldMk cId="768740698" sldId="260"/>
+            <ac:cxnSpMk id="112" creationId="{AD416800-57A5-469A-AD46-CF097E37FD7C}"/>
+          </ac:cxnSpMkLst>
+        </pc:cxnChg>
+        <pc:cxnChg chg="mod topLvl">
+          <ac:chgData name="Ken Barr" userId="08394fa4-6c67-4e80-95e1-dad59dfd7fac" providerId="ADAL" clId="{3C373675-04FA-41EC-BF9F-A45885CE701B}" dt="2019-02-04T16:17:09.547" v="704" actId="164"/>
+          <ac:cxnSpMkLst>
+            <pc:docMk/>
+            <pc:sldMk cId="768740698" sldId="260"/>
+            <ac:cxnSpMk id="115" creationId="{C1B5190B-3847-4F87-9688-EFA99437CF4B}"/>
+          </ac:cxnSpMkLst>
+        </pc:cxnChg>
+        <pc:cxnChg chg="mod topLvl">
+          <ac:chgData name="Ken Barr" userId="08394fa4-6c67-4e80-95e1-dad59dfd7fac" providerId="ADAL" clId="{3C373675-04FA-41EC-BF9F-A45885CE701B}" dt="2019-02-04T16:17:09.547" v="704" actId="164"/>
+          <ac:cxnSpMkLst>
+            <pc:docMk/>
+            <pc:sldMk cId="768740698" sldId="260"/>
+            <ac:cxnSpMk id="116" creationId="{942FF963-03B8-4E36-8867-FC80755FB9ED}"/>
+          </ac:cxnSpMkLst>
+        </pc:cxnChg>
+        <pc:cxnChg chg="mod topLvl">
+          <ac:chgData name="Ken Barr" userId="08394fa4-6c67-4e80-95e1-dad59dfd7fac" providerId="ADAL" clId="{3C373675-04FA-41EC-BF9F-A45885CE701B}" dt="2019-02-04T16:17:09.547" v="704" actId="164"/>
+          <ac:cxnSpMkLst>
+            <pc:docMk/>
+            <pc:sldMk cId="768740698" sldId="260"/>
+            <ac:cxnSpMk id="117" creationId="{DD3A6DB0-0A71-431F-8363-29A1F00A1C27}"/>
+          </ac:cxnSpMkLst>
+        </pc:cxnChg>
+        <pc:cxnChg chg="mod topLvl">
+          <ac:chgData name="Ken Barr" userId="08394fa4-6c67-4e80-95e1-dad59dfd7fac" providerId="ADAL" clId="{3C373675-04FA-41EC-BF9F-A45885CE701B}" dt="2019-02-04T16:17:09.547" v="704" actId="164"/>
+          <ac:cxnSpMkLst>
+            <pc:docMk/>
+            <pc:sldMk cId="768740698" sldId="260"/>
+            <ac:cxnSpMk id="118" creationId="{2B54B9DC-EA90-4968-AB0D-CB59D74C7370}"/>
+          </ac:cxnSpMkLst>
+        </pc:cxnChg>
+        <pc:cxnChg chg="mod topLvl">
+          <ac:chgData name="Ken Barr" userId="08394fa4-6c67-4e80-95e1-dad59dfd7fac" providerId="ADAL" clId="{3C373675-04FA-41EC-BF9F-A45885CE701B}" dt="2019-02-04T16:17:09.547" v="704" actId="164"/>
+          <ac:cxnSpMkLst>
+            <pc:docMk/>
+            <pc:sldMk cId="768740698" sldId="260"/>
+            <ac:cxnSpMk id="124" creationId="{9147DA8A-314E-41EF-A385-987F766C9E24}"/>
+          </ac:cxnSpMkLst>
+        </pc:cxnChg>
+        <pc:cxnChg chg="mod topLvl">
+          <ac:chgData name="Ken Barr" userId="08394fa4-6c67-4e80-95e1-dad59dfd7fac" providerId="ADAL" clId="{3C373675-04FA-41EC-BF9F-A45885CE701B}" dt="2019-02-04T16:17:09.547" v="704" actId="164"/>
+          <ac:cxnSpMkLst>
+            <pc:docMk/>
+            <pc:sldMk cId="768740698" sldId="260"/>
+            <ac:cxnSpMk id="125" creationId="{2F11D4C6-F7C1-4A54-BE83-2C2E3146D84C}"/>
+          </ac:cxnSpMkLst>
+        </pc:cxnChg>
+        <pc:cxnChg chg="mod topLvl">
+          <ac:chgData name="Ken Barr" userId="08394fa4-6c67-4e80-95e1-dad59dfd7fac" providerId="ADAL" clId="{3C373675-04FA-41EC-BF9F-A45885CE701B}" dt="2019-02-04T16:17:09.547" v="704" actId="164"/>
+          <ac:cxnSpMkLst>
+            <pc:docMk/>
+            <pc:sldMk cId="768740698" sldId="260"/>
+            <ac:cxnSpMk id="126" creationId="{FACAC1F9-85BA-43CE-A923-91108733F02B}"/>
+          </ac:cxnSpMkLst>
+        </pc:cxnChg>
+        <pc:cxnChg chg="mod topLvl">
+          <ac:chgData name="Ken Barr" userId="08394fa4-6c67-4e80-95e1-dad59dfd7fac" providerId="ADAL" clId="{3C373675-04FA-41EC-BF9F-A45885CE701B}" dt="2019-02-04T16:17:09.547" v="704" actId="164"/>
+          <ac:cxnSpMkLst>
+            <pc:docMk/>
+            <pc:sldMk cId="768740698" sldId="260"/>
+            <ac:cxnSpMk id="128" creationId="{19C8236C-99E0-480C-B614-A3A4A29E641D}"/>
+          </ac:cxnSpMkLst>
+        </pc:cxnChg>
+        <pc:cxnChg chg="mod">
+          <ac:chgData name="Ken Barr" userId="08394fa4-6c67-4e80-95e1-dad59dfd7fac" providerId="ADAL" clId="{3C373675-04FA-41EC-BF9F-A45885CE701B}" dt="2019-02-04T16:03:44.835" v="501" actId="1076"/>
+          <ac:cxnSpMkLst>
+            <pc:docMk/>
+            <pc:sldMk cId="768740698" sldId="260"/>
+            <ac:cxnSpMk id="137" creationId="{54F92052-739F-48D9-9675-D0D52437239B}"/>
+          </ac:cxnSpMkLst>
+        </pc:cxnChg>
+        <pc:cxnChg chg="mod">
+          <ac:chgData name="Ken Barr" userId="08394fa4-6c67-4e80-95e1-dad59dfd7fac" providerId="ADAL" clId="{3C373675-04FA-41EC-BF9F-A45885CE701B}" dt="2019-02-04T17:04:40.966" v="790" actId="1582"/>
+          <ac:cxnSpMkLst>
+            <pc:docMk/>
+            <pc:sldMk cId="768740698" sldId="260"/>
+            <ac:cxnSpMk id="138" creationId="{0FA6E26C-0D0C-48E5-A3C4-63B68CDC8EAF}"/>
+          </ac:cxnSpMkLst>
+        </pc:cxnChg>
+        <pc:cxnChg chg="del">
+          <ac:chgData name="Ken Barr" userId="08394fa4-6c67-4e80-95e1-dad59dfd7fac" providerId="ADAL" clId="{3C373675-04FA-41EC-BF9F-A45885CE701B}" dt="2019-02-04T16:04:11.707" v="507"/>
+          <ac:cxnSpMkLst>
+            <pc:docMk/>
+            <pc:sldMk cId="768740698" sldId="260"/>
+            <ac:cxnSpMk id="165" creationId="{7FACE0F2-96EC-4F1F-8A30-97501A008BD0}"/>
+          </ac:cxnSpMkLst>
+        </pc:cxnChg>
+        <pc:cxnChg chg="del">
+          <ac:chgData name="Ken Barr" userId="08394fa4-6c67-4e80-95e1-dad59dfd7fac" providerId="ADAL" clId="{3C373675-04FA-41EC-BF9F-A45885CE701B}" dt="2019-02-04T16:04:01.538" v="503"/>
+          <ac:cxnSpMkLst>
+            <pc:docMk/>
+            <pc:sldMk cId="768740698" sldId="260"/>
+            <ac:cxnSpMk id="166" creationId="{497D9C97-A9E6-401A-99A1-44E6224AFE36}"/>
+          </ac:cxnSpMkLst>
+        </pc:cxnChg>
+        <pc:cxnChg chg="del">
+          <ac:chgData name="Ken Barr" userId="08394fa4-6c67-4e80-95e1-dad59dfd7fac" providerId="ADAL" clId="{3C373675-04FA-41EC-BF9F-A45885CE701B}" dt="2019-02-04T16:04:06.253" v="505"/>
+          <ac:cxnSpMkLst>
+            <pc:docMk/>
+            <pc:sldMk cId="768740698" sldId="260"/>
+            <ac:cxnSpMk id="167" creationId="{90BCFAF9-AE12-4D0F-A0C8-800B071B132C}"/>
+          </ac:cxnSpMkLst>
+        </pc:cxnChg>
+        <pc:cxnChg chg="del mod topLvl">
+          <ac:chgData name="Ken Barr" userId="08394fa4-6c67-4e80-95e1-dad59dfd7fac" providerId="ADAL" clId="{3C373675-04FA-41EC-BF9F-A45885CE701B}" dt="2019-02-04T16:13:39.859" v="641"/>
+          <ac:cxnSpMkLst>
+            <pc:docMk/>
+            <pc:sldMk cId="768740698" sldId="260"/>
+            <ac:cxnSpMk id="168" creationId="{BA22B7EF-3F7E-461C-B850-35793762AE55}"/>
+          </ac:cxnSpMkLst>
+        </pc:cxnChg>
+        <pc:cxnChg chg="mod">
+          <ac:chgData name="Ken Barr" userId="08394fa4-6c67-4e80-95e1-dad59dfd7fac" providerId="ADAL" clId="{3C373675-04FA-41EC-BF9F-A45885CE701B}" dt="2019-02-04T17:04:35.758" v="789" actId="1582"/>
+          <ac:cxnSpMkLst>
+            <pc:docMk/>
+            <pc:sldMk cId="768740698" sldId="260"/>
+            <ac:cxnSpMk id="184" creationId="{263B9CBB-771F-4F87-8DDA-FF5298543590}"/>
+          </ac:cxnSpMkLst>
+        </pc:cxnChg>
+        <pc:cxnChg chg="mod">
+          <ac:chgData name="Ken Barr" userId="08394fa4-6c67-4e80-95e1-dad59dfd7fac" providerId="ADAL" clId="{3C373675-04FA-41EC-BF9F-A45885CE701B}" dt="2019-02-04T17:03:36.974" v="787" actId="1582"/>
+          <ac:cxnSpMkLst>
+            <pc:docMk/>
+            <pc:sldMk cId="768740698" sldId="260"/>
+            <ac:cxnSpMk id="202" creationId="{FEE82974-C5F0-43C9-BC1D-3D9E8C84374D}"/>
           </ac:cxnSpMkLst>
         </pc:cxnChg>
       </pc:sldChg>
@@ -992,7 +1864,7 @@
           <a:p>
             <a:fld id="{D7078A92-8A65-4E12-AE5D-AB4AEDE49790}" type="datetimeFigureOut">
               <a:rPr lang="en-CA" smtClean="0"/>
-              <a:t>2019-01-30</a:t>
+              <a:t>2019-02-04</a:t>
             </a:fld>
             <a:endParaRPr lang="en-CA"/>
           </a:p>
@@ -1192,7 +2064,7 @@
           <a:p>
             <a:fld id="{D7078A92-8A65-4E12-AE5D-AB4AEDE49790}" type="datetimeFigureOut">
               <a:rPr lang="en-CA" smtClean="0"/>
-              <a:t>2019-01-30</a:t>
+              <a:t>2019-02-04</a:t>
             </a:fld>
             <a:endParaRPr lang="en-CA"/>
           </a:p>
@@ -1402,7 +2274,7 @@
           <a:p>
             <a:fld id="{D7078A92-8A65-4E12-AE5D-AB4AEDE49790}" type="datetimeFigureOut">
               <a:rPr lang="en-CA" smtClean="0"/>
-              <a:t>2019-01-30</a:t>
+              <a:t>2019-02-04</a:t>
             </a:fld>
             <a:endParaRPr lang="en-CA"/>
           </a:p>
@@ -1602,7 +2474,7 @@
           <a:p>
             <a:fld id="{D7078A92-8A65-4E12-AE5D-AB4AEDE49790}" type="datetimeFigureOut">
               <a:rPr lang="en-CA" smtClean="0"/>
-              <a:t>2019-01-30</a:t>
+              <a:t>2019-02-04</a:t>
             </a:fld>
             <a:endParaRPr lang="en-CA"/>
           </a:p>
@@ -1878,7 +2750,7 @@
           <a:p>
             <a:fld id="{D7078A92-8A65-4E12-AE5D-AB4AEDE49790}" type="datetimeFigureOut">
               <a:rPr lang="en-CA" smtClean="0"/>
-              <a:t>2019-01-30</a:t>
+              <a:t>2019-02-04</a:t>
             </a:fld>
             <a:endParaRPr lang="en-CA"/>
           </a:p>
@@ -2146,7 +3018,7 @@
           <a:p>
             <a:fld id="{D7078A92-8A65-4E12-AE5D-AB4AEDE49790}" type="datetimeFigureOut">
               <a:rPr lang="en-CA" smtClean="0"/>
-              <a:t>2019-01-30</a:t>
+              <a:t>2019-02-04</a:t>
             </a:fld>
             <a:endParaRPr lang="en-CA"/>
           </a:p>
@@ -2561,7 +3433,7 @@
           <a:p>
             <a:fld id="{D7078A92-8A65-4E12-AE5D-AB4AEDE49790}" type="datetimeFigureOut">
               <a:rPr lang="en-CA" smtClean="0"/>
-              <a:t>2019-01-30</a:t>
+              <a:t>2019-02-04</a:t>
             </a:fld>
             <a:endParaRPr lang="en-CA"/>
           </a:p>
@@ -2703,7 +3575,7 @@
           <a:p>
             <a:fld id="{D7078A92-8A65-4E12-AE5D-AB4AEDE49790}" type="datetimeFigureOut">
               <a:rPr lang="en-CA" smtClean="0"/>
-              <a:t>2019-01-30</a:t>
+              <a:t>2019-02-04</a:t>
             </a:fld>
             <a:endParaRPr lang="en-CA"/>
           </a:p>
@@ -2816,7 +3688,7 @@
           <a:p>
             <a:fld id="{D7078A92-8A65-4E12-AE5D-AB4AEDE49790}" type="datetimeFigureOut">
               <a:rPr lang="en-CA" smtClean="0"/>
-              <a:t>2019-01-30</a:t>
+              <a:t>2019-02-04</a:t>
             </a:fld>
             <a:endParaRPr lang="en-CA"/>
           </a:p>
@@ -3129,7 +4001,7 @@
           <a:p>
             <a:fld id="{D7078A92-8A65-4E12-AE5D-AB4AEDE49790}" type="datetimeFigureOut">
               <a:rPr lang="en-CA" smtClean="0"/>
-              <a:t>2019-01-30</a:t>
+              <a:t>2019-02-04</a:t>
             </a:fld>
             <a:endParaRPr lang="en-CA"/>
           </a:p>
@@ -3418,7 +4290,7 @@
           <a:p>
             <a:fld id="{D7078A92-8A65-4E12-AE5D-AB4AEDE49790}" type="datetimeFigureOut">
               <a:rPr lang="en-CA" smtClean="0"/>
-              <a:t>2019-01-30</a:t>
+              <a:t>2019-02-04</a:t>
             </a:fld>
             <a:endParaRPr lang="en-CA"/>
           </a:p>
@@ -3661,7 +4533,7 @@
           <a:p>
             <a:fld id="{D7078A92-8A65-4E12-AE5D-AB4AEDE49790}" type="datetimeFigureOut">
               <a:rPr lang="en-CA" smtClean="0"/>
-              <a:t>2019-01-30</a:t>
+              <a:t>2019-02-04</a:t>
             </a:fld>
             <a:endParaRPr lang="en-CA"/>
           </a:p>
@@ -6947,6 +7819,4911 @@
       </p:grpSpPr>
       <p:grpSp>
         <p:nvGrpSpPr>
+          <p:cNvPr id="224" name="Group 223">
+            <a:extLst>
+              <a:ext uri="{FF2B5EF4-FFF2-40B4-BE49-F238E27FC236}">
+                <a16:creationId xmlns:a16="http://schemas.microsoft.com/office/drawing/2014/main" id="{174C8FD1-407E-4A47-A3BD-6B08D7425DEA}"/>
+              </a:ext>
+            </a:extLst>
+          </p:cNvPr>
+          <p:cNvGrpSpPr/>
+          <p:nvPr/>
+        </p:nvGrpSpPr>
+        <p:grpSpPr>
+          <a:xfrm>
+            <a:off x="97680" y="189597"/>
+            <a:ext cx="11506350" cy="6668403"/>
+            <a:chOff x="97680" y="189597"/>
+            <a:chExt cx="11506350" cy="6668403"/>
+          </a:xfrm>
+        </p:grpSpPr>
+        <p:sp>
+          <p:nvSpPr>
+            <p:cNvPr id="221" name="Rectangle: Rounded Corners 220">
+              <a:extLst>
+                <a:ext uri="{FF2B5EF4-FFF2-40B4-BE49-F238E27FC236}">
+                  <a16:creationId xmlns:a16="http://schemas.microsoft.com/office/drawing/2014/main" id="{95C1BC86-8DEB-4074-B509-3C9A63E8BFDC}"/>
+                </a:ext>
+              </a:extLst>
+            </p:cNvPr>
+            <p:cNvSpPr/>
+            <p:nvPr/>
+          </p:nvSpPr>
+          <p:spPr>
+            <a:xfrm>
+              <a:off x="100837" y="189597"/>
+              <a:ext cx="11503193" cy="3329709"/>
+            </a:xfrm>
+            <a:prstGeom prst="roundRect">
+              <a:avLst/>
+            </a:prstGeom>
+            <a:gradFill flip="none" rotWithShape="1">
+              <a:gsLst>
+                <a:gs pos="0">
+                  <a:schemeClr val="accent2">
+                    <a:lumMod val="75000"/>
+                    <a:tint val="66000"/>
+                    <a:satMod val="160000"/>
+                  </a:schemeClr>
+                </a:gs>
+                <a:gs pos="50000">
+                  <a:schemeClr val="accent2">
+                    <a:lumMod val="75000"/>
+                    <a:tint val="44500"/>
+                    <a:satMod val="160000"/>
+                  </a:schemeClr>
+                </a:gs>
+                <a:gs pos="100000">
+                  <a:schemeClr val="accent2">
+                    <a:lumMod val="75000"/>
+                    <a:tint val="23500"/>
+                    <a:satMod val="160000"/>
+                  </a:schemeClr>
+                </a:gs>
+              </a:gsLst>
+              <a:lin ang="5400000" scaled="1"/>
+              <a:tileRect/>
+            </a:gradFill>
+          </p:spPr>
+          <p:style>
+            <a:lnRef idx="2">
+              <a:schemeClr val="accent1">
+                <a:shade val="50000"/>
+              </a:schemeClr>
+            </a:lnRef>
+            <a:fillRef idx="1">
+              <a:schemeClr val="accent1"/>
+            </a:fillRef>
+            <a:effectRef idx="0">
+              <a:schemeClr val="accent1"/>
+            </a:effectRef>
+            <a:fontRef idx="minor">
+              <a:schemeClr val="lt1"/>
+            </a:fontRef>
+          </p:style>
+          <p:txBody>
+            <a:bodyPr rtlCol="0" anchor="ctr"/>
+            <a:lstStyle/>
+            <a:p>
+              <a:pPr algn="ctr"/>
+              <a:r>
+                <a:rPr lang="en-CA" b="1" dirty="0"/>
+                <a:t>Cloud </a:t>
+              </a:r>
+            </a:p>
+          </p:txBody>
+        </p:sp>
+        <p:sp>
+          <p:nvSpPr>
+            <p:cNvPr id="220" name="Rectangle: Rounded Corners 219">
+              <a:extLst>
+                <a:ext uri="{FF2B5EF4-FFF2-40B4-BE49-F238E27FC236}">
+                  <a16:creationId xmlns:a16="http://schemas.microsoft.com/office/drawing/2014/main" id="{C1A7080F-7122-4E89-AD9A-5D51F08627FC}"/>
+                </a:ext>
+              </a:extLst>
+            </p:cNvPr>
+            <p:cNvSpPr/>
+            <p:nvPr/>
+          </p:nvSpPr>
+          <p:spPr>
+            <a:xfrm>
+              <a:off x="97680" y="3528291"/>
+              <a:ext cx="11503193" cy="3329709"/>
+            </a:xfrm>
+            <a:prstGeom prst="roundRect">
+              <a:avLst/>
+            </a:prstGeom>
+            <a:gradFill flip="none" rotWithShape="1">
+              <a:gsLst>
+                <a:gs pos="0">
+                  <a:schemeClr val="accent1">
+                    <a:tint val="66000"/>
+                    <a:satMod val="160000"/>
+                  </a:schemeClr>
+                </a:gs>
+                <a:gs pos="50000">
+                  <a:schemeClr val="accent1">
+                    <a:tint val="44500"/>
+                    <a:satMod val="160000"/>
+                  </a:schemeClr>
+                </a:gs>
+                <a:gs pos="100000">
+                  <a:schemeClr val="accent1">
+                    <a:tint val="23500"/>
+                    <a:satMod val="160000"/>
+                  </a:schemeClr>
+                </a:gs>
+              </a:gsLst>
+              <a:lin ang="16200000" scaled="1"/>
+              <a:tileRect/>
+            </a:gradFill>
+          </p:spPr>
+          <p:style>
+            <a:lnRef idx="2">
+              <a:schemeClr val="accent1">
+                <a:shade val="50000"/>
+              </a:schemeClr>
+            </a:lnRef>
+            <a:fillRef idx="1">
+              <a:schemeClr val="accent1"/>
+            </a:fillRef>
+            <a:effectRef idx="0">
+              <a:schemeClr val="accent1"/>
+            </a:effectRef>
+            <a:fontRef idx="minor">
+              <a:schemeClr val="lt1"/>
+            </a:fontRef>
+          </p:style>
+          <p:txBody>
+            <a:bodyPr rtlCol="0" anchor="ctr"/>
+            <a:lstStyle/>
+            <a:p>
+              <a:pPr algn="ctr"/>
+              <a:endParaRPr lang="en-CA"/>
+            </a:p>
+          </p:txBody>
+        </p:sp>
+        <p:pic>
+          <p:nvPicPr>
+            <p:cNvPr id="213" name="Picture 212">
+              <a:extLst>
+                <a:ext uri="{FF2B5EF4-FFF2-40B4-BE49-F238E27FC236}">
+                  <a16:creationId xmlns:a16="http://schemas.microsoft.com/office/drawing/2014/main" id="{494F89C0-46DF-4CDA-9326-59A5250BE348}"/>
+                </a:ext>
+              </a:extLst>
+            </p:cNvPr>
+            <p:cNvPicPr>
+              <a:picLocks noChangeAspect="1"/>
+            </p:cNvPicPr>
+            <p:nvPr/>
+          </p:nvPicPr>
+          <p:blipFill>
+            <a:blip r:embed="rId2">
+              <a:extLst>
+                <a:ext uri="{28A0092B-C50C-407E-A947-70E740481C1C}">
+                  <a14:useLocalDpi xmlns:a14="http://schemas.microsoft.com/office/drawing/2010/main" val="0"/>
+                </a:ext>
+              </a:extLst>
+            </a:blip>
+            <a:stretch>
+              <a:fillRect/>
+            </a:stretch>
+          </p:blipFill>
+          <p:spPr>
+            <a:xfrm>
+              <a:off x="636186" y="804746"/>
+              <a:ext cx="496796" cy="496796"/>
+            </a:xfrm>
+            <a:prstGeom prst="rect">
+              <a:avLst/>
+            </a:prstGeom>
+          </p:spPr>
+        </p:pic>
+        <p:grpSp>
+          <p:nvGrpSpPr>
+            <p:cNvPr id="216" name="Group 215">
+              <a:extLst>
+                <a:ext uri="{FF2B5EF4-FFF2-40B4-BE49-F238E27FC236}">
+                  <a16:creationId xmlns:a16="http://schemas.microsoft.com/office/drawing/2014/main" id="{B71C887E-528C-48DA-AC0D-E1F4A2DEBCD3}"/>
+                </a:ext>
+              </a:extLst>
+            </p:cNvPr>
+            <p:cNvGrpSpPr/>
+            <p:nvPr/>
+          </p:nvGrpSpPr>
+          <p:grpSpPr>
+            <a:xfrm>
+              <a:off x="97680" y="204623"/>
+              <a:ext cx="11217421" cy="6491627"/>
+              <a:chOff x="97680" y="204623"/>
+              <a:chExt cx="11217421" cy="6491627"/>
+            </a:xfrm>
+          </p:grpSpPr>
+          <p:cxnSp>
+            <p:nvCxnSpPr>
+              <p:cNvPr id="98" name="Straight Connector 97">
+                <a:extLst>
+                  <a:ext uri="{FF2B5EF4-FFF2-40B4-BE49-F238E27FC236}">
+                    <a16:creationId xmlns:a16="http://schemas.microsoft.com/office/drawing/2014/main" id="{DB1612CD-1D78-457B-8AF2-9649B75CDF1B}"/>
+                  </a:ext>
+                </a:extLst>
+              </p:cNvPr>
+              <p:cNvCxnSpPr>
+                <a:cxnSpLocks/>
+              </p:cNvCxnSpPr>
+              <p:nvPr/>
+            </p:nvCxnSpPr>
+            <p:spPr>
+              <a:xfrm>
+                <a:off x="3316196" y="5465794"/>
+                <a:ext cx="0" cy="573109"/>
+              </a:xfrm>
+              <a:prstGeom prst="line">
+                <a:avLst/>
+              </a:prstGeom>
+              <a:noFill/>
+              <a:ln w="38100" cap="flat">
+                <a:solidFill>
+                  <a:schemeClr val="accent1"/>
+                </a:solidFill>
+                <a:prstDash val="solid"/>
+                <a:miter lim="400000"/>
+              </a:ln>
+              <a:effectLst/>
+              <a:sp3d/>
+            </p:spPr>
+            <p:style>
+              <a:lnRef idx="0">
+                <a:scrgbClr r="0" g="0" b="0"/>
+              </a:lnRef>
+              <a:fillRef idx="0">
+                <a:scrgbClr r="0" g="0" b="0"/>
+              </a:fillRef>
+              <a:effectRef idx="0">
+                <a:scrgbClr r="0" g="0" b="0"/>
+              </a:effectRef>
+              <a:fontRef idx="none"/>
+            </p:style>
+          </p:cxnSp>
+          <p:cxnSp>
+            <p:nvCxnSpPr>
+              <p:cNvPr id="99" name="Straight Connector 98">
+                <a:extLst>
+                  <a:ext uri="{FF2B5EF4-FFF2-40B4-BE49-F238E27FC236}">
+                    <a16:creationId xmlns:a16="http://schemas.microsoft.com/office/drawing/2014/main" id="{40FE9941-CB73-4799-8298-31D65219497C}"/>
+                  </a:ext>
+                </a:extLst>
+              </p:cNvPr>
+              <p:cNvCxnSpPr>
+                <a:cxnSpLocks/>
+              </p:cNvCxnSpPr>
+              <p:nvPr/>
+            </p:nvCxnSpPr>
+            <p:spPr>
+              <a:xfrm>
+                <a:off x="2142426" y="5465797"/>
+                <a:ext cx="0" cy="573109"/>
+              </a:xfrm>
+              <a:prstGeom prst="line">
+                <a:avLst/>
+              </a:prstGeom>
+              <a:noFill/>
+              <a:ln w="38100" cap="flat">
+                <a:solidFill>
+                  <a:schemeClr val="accent1"/>
+                </a:solidFill>
+                <a:prstDash val="solid"/>
+                <a:miter lim="400000"/>
+              </a:ln>
+              <a:effectLst/>
+              <a:sp3d/>
+            </p:spPr>
+            <p:style>
+              <a:lnRef idx="0">
+                <a:scrgbClr r="0" g="0" b="0"/>
+              </a:lnRef>
+              <a:fillRef idx="0">
+                <a:scrgbClr r="0" g="0" b="0"/>
+              </a:fillRef>
+              <a:effectRef idx="0">
+                <a:scrgbClr r="0" g="0" b="0"/>
+              </a:effectRef>
+              <a:fontRef idx="none"/>
+            </p:style>
+          </p:cxnSp>
+          <p:cxnSp>
+            <p:nvCxnSpPr>
+              <p:cNvPr id="100" name="Straight Connector 99">
+                <a:extLst>
+                  <a:ext uri="{FF2B5EF4-FFF2-40B4-BE49-F238E27FC236}">
+                    <a16:creationId xmlns:a16="http://schemas.microsoft.com/office/drawing/2014/main" id="{8905F59E-68E0-4137-BFBF-5864C60B88B6}"/>
+                  </a:ext>
+                </a:extLst>
+              </p:cNvPr>
+              <p:cNvCxnSpPr>
+                <a:cxnSpLocks/>
+              </p:cNvCxnSpPr>
+              <p:nvPr/>
+            </p:nvCxnSpPr>
+            <p:spPr>
+              <a:xfrm>
+                <a:off x="999566" y="5465803"/>
+                <a:ext cx="0" cy="573109"/>
+              </a:xfrm>
+              <a:prstGeom prst="line">
+                <a:avLst/>
+              </a:prstGeom>
+              <a:noFill/>
+              <a:ln w="38100" cap="flat">
+                <a:solidFill>
+                  <a:schemeClr val="accent1"/>
+                </a:solidFill>
+                <a:prstDash val="solid"/>
+                <a:miter lim="400000"/>
+              </a:ln>
+              <a:effectLst/>
+              <a:sp3d/>
+            </p:spPr>
+            <p:style>
+              <a:lnRef idx="0">
+                <a:scrgbClr r="0" g="0" b="0"/>
+              </a:lnRef>
+              <a:fillRef idx="0">
+                <a:scrgbClr r="0" g="0" b="0"/>
+              </a:fillRef>
+              <a:effectRef idx="0">
+                <a:scrgbClr r="0" g="0" b="0"/>
+              </a:effectRef>
+              <a:fontRef idx="none"/>
+            </p:style>
+          </p:cxnSp>
+          <p:cxnSp>
+            <p:nvCxnSpPr>
+              <p:cNvPr id="101" name="Straight Connector 100">
+                <a:extLst>
+                  <a:ext uri="{FF2B5EF4-FFF2-40B4-BE49-F238E27FC236}">
+                    <a16:creationId xmlns:a16="http://schemas.microsoft.com/office/drawing/2014/main" id="{904D315D-7A52-4913-ADA1-DA50123D0646}"/>
+                  </a:ext>
+                </a:extLst>
+              </p:cNvPr>
+              <p:cNvCxnSpPr>
+                <a:cxnSpLocks/>
+              </p:cNvCxnSpPr>
+              <p:nvPr/>
+            </p:nvCxnSpPr>
+            <p:spPr>
+              <a:xfrm>
+                <a:off x="4885360" y="5465794"/>
+                <a:ext cx="0" cy="573109"/>
+              </a:xfrm>
+              <a:prstGeom prst="line">
+                <a:avLst/>
+              </a:prstGeom>
+              <a:noFill/>
+              <a:ln w="38100" cap="flat">
+                <a:solidFill>
+                  <a:schemeClr val="accent1"/>
+                </a:solidFill>
+                <a:prstDash val="solid"/>
+                <a:miter lim="400000"/>
+              </a:ln>
+              <a:effectLst/>
+              <a:sp3d/>
+            </p:spPr>
+            <p:style>
+              <a:lnRef idx="0">
+                <a:scrgbClr r="0" g="0" b="0"/>
+              </a:lnRef>
+              <a:fillRef idx="0">
+                <a:scrgbClr r="0" g="0" b="0"/>
+              </a:fillRef>
+              <a:effectRef idx="0">
+                <a:scrgbClr r="0" g="0" b="0"/>
+              </a:effectRef>
+              <a:fontRef idx="none"/>
+            </p:style>
+          </p:cxnSp>
+          <p:grpSp>
+            <p:nvGrpSpPr>
+              <p:cNvPr id="102" name="Group 101">
+                <a:extLst>
+                  <a:ext uri="{FF2B5EF4-FFF2-40B4-BE49-F238E27FC236}">
+                    <a16:creationId xmlns:a16="http://schemas.microsoft.com/office/drawing/2014/main" id="{1C3928D1-185E-4E84-A03F-E8FF4424E112}"/>
+                  </a:ext>
+                </a:extLst>
+              </p:cNvPr>
+              <p:cNvGrpSpPr/>
+              <p:nvPr/>
+            </p:nvGrpSpPr>
+            <p:grpSpPr>
+              <a:xfrm>
+                <a:off x="2004270" y="2614197"/>
+                <a:ext cx="8015103" cy="626609"/>
+                <a:chOff x="7294808" y="8760598"/>
+                <a:chExt cx="7175566" cy="890906"/>
+              </a:xfrm>
+            </p:grpSpPr>
+            <p:sp>
+              <p:nvSpPr>
+                <p:cNvPr id="158" name="Rounded Rectangle">
+                  <a:extLst>
+                    <a:ext uri="{FF2B5EF4-FFF2-40B4-BE49-F238E27FC236}">
+                      <a16:creationId xmlns:a16="http://schemas.microsoft.com/office/drawing/2014/main" id="{AD274349-2F36-470F-9395-A2E4D07DCC68}"/>
+                    </a:ext>
+                  </a:extLst>
+                </p:cNvPr>
+                <p:cNvSpPr/>
+                <p:nvPr/>
+              </p:nvSpPr>
+              <p:spPr>
+                <a:xfrm>
+                  <a:off x="7294808" y="8760598"/>
+                  <a:ext cx="7175566" cy="786825"/>
+                </a:xfrm>
+                <a:prstGeom prst="roundRect">
+                  <a:avLst>
+                    <a:gd name="adj" fmla="val 23801"/>
+                  </a:avLst>
+                </a:prstGeom>
+                <a:solidFill>
+                  <a:srgbClr val="474747"/>
+                </a:solidFill>
+                <a:ln w="12700">
+                  <a:miter lim="400000"/>
+                </a:ln>
+                <a:effectLst>
+                  <a:outerShdw blurRad="101600" dist="42185" dir="3475956" rotWithShape="0">
+                    <a:srgbClr val="000000">
+                      <a:alpha val="9894"/>
+                    </a:srgbClr>
+                  </a:outerShdw>
+                </a:effectLst>
+              </p:spPr>
+              <p:txBody>
+                <a:bodyPr lIns="76200" tIns="76200" rIns="76200" bIns="76200" anchor="ctr"/>
+                <a:lstStyle/>
+                <a:p>
+                  <a:pPr>
+                    <a:defRPr>
+                      <a:latin typeface="Helvetica"/>
+                      <a:ea typeface="Helvetica"/>
+                      <a:cs typeface="Helvetica"/>
+                      <a:sym typeface="Helvetica"/>
+                    </a:defRPr>
+                  </a:pPr>
+                  <a:endParaRPr sz="4400">
+                    <a:latin typeface="Helvetica"/>
+                    <a:sym typeface="Helvetica"/>
+                  </a:endParaRPr>
+                </a:p>
+              </p:txBody>
+            </p:sp>
+            <p:pic>
+              <p:nvPicPr>
+                <p:cNvPr id="159" name="Graphic 158">
+                  <a:extLst>
+                    <a:ext uri="{FF2B5EF4-FFF2-40B4-BE49-F238E27FC236}">
+                      <a16:creationId xmlns:a16="http://schemas.microsoft.com/office/drawing/2014/main" id="{5D82DA06-03C2-458D-B69F-68EDCF8FA98D}"/>
+                    </a:ext>
+                  </a:extLst>
+                </p:cNvPr>
+                <p:cNvPicPr>
+                  <a:picLocks noChangeAspect="1"/>
+                </p:cNvPicPr>
+                <p:nvPr/>
+              </p:nvPicPr>
+              <p:blipFill>
+                <a:blip r:embed="rId3" cstate="email">
+                  <a:extLst>
+                    <a:ext uri="{28A0092B-C50C-407E-A947-70E740481C1C}">
+                      <a14:useLocalDpi xmlns:a14="http://schemas.microsoft.com/office/drawing/2010/main"/>
+                    </a:ext>
+                    <a:ext uri="{96DAC541-7B7A-43D3-8B79-37D633B846F1}">
+                      <asvg:svgBlip xmlns:asvg="http://schemas.microsoft.com/office/drawing/2016/SVG/main" r:embed="rId4"/>
+                    </a:ext>
+                  </a:extLst>
+                </a:blip>
+                <a:stretch>
+                  <a:fillRect/>
+                </a:stretch>
+              </p:blipFill>
+              <p:spPr>
+                <a:xfrm>
+                  <a:off x="8656890" y="8797128"/>
+                  <a:ext cx="3567277" cy="854376"/>
+                </a:xfrm>
+                <a:prstGeom prst="rect">
+                  <a:avLst/>
+                </a:prstGeom>
+              </p:spPr>
+            </p:pic>
+          </p:grpSp>
+          <p:grpSp>
+            <p:nvGrpSpPr>
+              <p:cNvPr id="103" name="Group 102">
+                <a:extLst>
+                  <a:ext uri="{FF2B5EF4-FFF2-40B4-BE49-F238E27FC236}">
+                    <a16:creationId xmlns:a16="http://schemas.microsoft.com/office/drawing/2014/main" id="{60C25A4D-0345-4189-B330-22A9BACB8F92}"/>
+                  </a:ext>
+                </a:extLst>
+              </p:cNvPr>
+              <p:cNvGrpSpPr/>
+              <p:nvPr/>
+            </p:nvGrpSpPr>
+            <p:grpSpPr>
+              <a:xfrm>
+                <a:off x="2830402" y="5829194"/>
+                <a:ext cx="1039600" cy="867056"/>
+                <a:chOff x="11158855" y="2809083"/>
+                <a:chExt cx="1110791" cy="1110790"/>
+              </a:xfrm>
+            </p:grpSpPr>
+            <p:sp>
+              <p:nvSpPr>
+                <p:cNvPr id="156" name="Circle">
+                  <a:extLst>
+                    <a:ext uri="{FF2B5EF4-FFF2-40B4-BE49-F238E27FC236}">
+                      <a16:creationId xmlns:a16="http://schemas.microsoft.com/office/drawing/2014/main" id="{38FE7E30-C1AB-4AAD-A0B4-F6FBFA9ECE9F}"/>
+                    </a:ext>
+                  </a:extLst>
+                </p:cNvPr>
+                <p:cNvSpPr/>
+                <p:nvPr/>
+              </p:nvSpPr>
+              <p:spPr>
+                <a:xfrm>
+                  <a:off x="11158855" y="2809083"/>
+                  <a:ext cx="1110791" cy="1110790"/>
+                </a:xfrm>
+                <a:prstGeom prst="ellipse">
+                  <a:avLst/>
+                </a:prstGeom>
+                <a:solidFill>
+                  <a:srgbClr val="FFFFFF"/>
+                </a:solidFill>
+                <a:ln w="12700">
+                  <a:miter lim="400000"/>
+                </a:ln>
+                <a:effectLst>
+                  <a:outerShdw blurRad="190500" dist="70086" dir="5400000" rotWithShape="0">
+                    <a:srgbClr val="000000">
+                      <a:alpha val="11341"/>
+                    </a:srgbClr>
+                  </a:outerShdw>
+                </a:effectLst>
+              </p:spPr>
+              <p:txBody>
+                <a:bodyPr lIns="76200" tIns="76200" rIns="76200" bIns="76200" anchor="ctr"/>
+                <a:lstStyle/>
+                <a:p>
+                  <a:pPr>
+                    <a:defRPr>
+                      <a:latin typeface="Helvetica"/>
+                      <a:ea typeface="Helvetica"/>
+                      <a:cs typeface="Helvetica"/>
+                      <a:sym typeface="Helvetica"/>
+                    </a:defRPr>
+                  </a:pPr>
+                  <a:endParaRPr sz="4400">
+                    <a:latin typeface="Helvetica"/>
+                    <a:sym typeface="Helvetica"/>
+                  </a:endParaRPr>
+                </a:p>
+              </p:txBody>
+            </p:sp>
+            <p:pic>
+              <p:nvPicPr>
+                <p:cNvPr id="157" name="Group 1@3x.png" descr="Group 1@3x.png">
+                  <a:extLst>
+                    <a:ext uri="{FF2B5EF4-FFF2-40B4-BE49-F238E27FC236}">
+                      <a16:creationId xmlns:a16="http://schemas.microsoft.com/office/drawing/2014/main" id="{E05D7992-B74B-493A-BB5E-CEDFA7B26DE4}"/>
+                    </a:ext>
+                  </a:extLst>
+                </p:cNvPr>
+                <p:cNvPicPr>
+                  <a:picLocks noChangeAspect="1"/>
+                </p:cNvPicPr>
+                <p:nvPr/>
+              </p:nvPicPr>
+              <p:blipFill>
+                <a:blip r:embed="rId5" cstate="email">
+                  <a:extLst>
+                    <a:ext uri="{28A0092B-C50C-407E-A947-70E740481C1C}">
+                      <a14:useLocalDpi xmlns:a14="http://schemas.microsoft.com/office/drawing/2010/main"/>
+                    </a:ext>
+                  </a:extLst>
+                </a:blip>
+                <a:stretch>
+                  <a:fillRect/>
+                </a:stretch>
+              </p:blipFill>
+              <p:spPr>
+                <a:xfrm>
+                  <a:off x="11441062" y="3160387"/>
+                  <a:ext cx="559692" cy="549347"/>
+                </a:xfrm>
+                <a:prstGeom prst="rect">
+                  <a:avLst/>
+                </a:prstGeom>
+                <a:ln w="12700">
+                  <a:miter lim="400000"/>
+                </a:ln>
+              </p:spPr>
+            </p:pic>
+          </p:grpSp>
+          <p:grpSp>
+            <p:nvGrpSpPr>
+              <p:cNvPr id="104" name="Group 103">
+                <a:extLst>
+                  <a:ext uri="{FF2B5EF4-FFF2-40B4-BE49-F238E27FC236}">
+                    <a16:creationId xmlns:a16="http://schemas.microsoft.com/office/drawing/2014/main" id="{45BD47E7-8FC9-4AF8-8F37-CB6571994E47}"/>
+                  </a:ext>
+                </a:extLst>
+              </p:cNvPr>
+              <p:cNvGrpSpPr/>
+              <p:nvPr/>
+            </p:nvGrpSpPr>
+            <p:grpSpPr>
+              <a:xfrm>
+                <a:off x="1649723" y="5829194"/>
+                <a:ext cx="1039598" cy="867056"/>
+                <a:chOff x="9765859" y="2809083"/>
+                <a:chExt cx="1110790" cy="1110790"/>
+              </a:xfrm>
+            </p:grpSpPr>
+            <p:sp>
+              <p:nvSpPr>
+                <p:cNvPr id="154" name="Circle">
+                  <a:extLst>
+                    <a:ext uri="{FF2B5EF4-FFF2-40B4-BE49-F238E27FC236}">
+                      <a16:creationId xmlns:a16="http://schemas.microsoft.com/office/drawing/2014/main" id="{4680FDEF-CA91-4427-89CA-C747DA3F5C5A}"/>
+                    </a:ext>
+                  </a:extLst>
+                </p:cNvPr>
+                <p:cNvSpPr/>
+                <p:nvPr/>
+              </p:nvSpPr>
+              <p:spPr>
+                <a:xfrm>
+                  <a:off x="9765859" y="2809083"/>
+                  <a:ext cx="1110790" cy="1110790"/>
+                </a:xfrm>
+                <a:prstGeom prst="ellipse">
+                  <a:avLst/>
+                </a:prstGeom>
+                <a:solidFill>
+                  <a:srgbClr val="FFFFFF"/>
+                </a:solidFill>
+                <a:ln w="12700">
+                  <a:miter lim="400000"/>
+                </a:ln>
+                <a:effectLst>
+                  <a:outerShdw blurRad="190500" dist="70086" dir="5400000" rotWithShape="0">
+                    <a:srgbClr val="000000">
+                      <a:alpha val="11341"/>
+                    </a:srgbClr>
+                  </a:outerShdw>
+                </a:effectLst>
+              </p:spPr>
+              <p:txBody>
+                <a:bodyPr lIns="76200" tIns="76200" rIns="76200" bIns="76200" anchor="ctr"/>
+                <a:lstStyle/>
+                <a:p>
+                  <a:pPr>
+                    <a:defRPr>
+                      <a:latin typeface="Helvetica"/>
+                      <a:ea typeface="Helvetica"/>
+                      <a:cs typeface="Helvetica"/>
+                      <a:sym typeface="Helvetica"/>
+                    </a:defRPr>
+                  </a:pPr>
+                  <a:endParaRPr sz="4400">
+                    <a:latin typeface="Helvetica"/>
+                    <a:sym typeface="Helvetica"/>
+                  </a:endParaRPr>
+                </a:p>
+              </p:txBody>
+            </p:sp>
+            <p:pic>
+              <p:nvPicPr>
+                <p:cNvPr id="155" name="Group 2@3x.png" descr="Group 2@3x.png">
+                  <a:extLst>
+                    <a:ext uri="{FF2B5EF4-FFF2-40B4-BE49-F238E27FC236}">
+                      <a16:creationId xmlns:a16="http://schemas.microsoft.com/office/drawing/2014/main" id="{5E9231C9-F185-4C89-BFB4-1E8CDC8860EC}"/>
+                    </a:ext>
+                  </a:extLst>
+                </p:cNvPr>
+                <p:cNvPicPr>
+                  <a:picLocks noChangeAspect="1"/>
+                </p:cNvPicPr>
+                <p:nvPr/>
+              </p:nvPicPr>
+              <p:blipFill>
+                <a:blip r:embed="rId6" cstate="email">
+                  <a:extLst>
+                    <a:ext uri="{28A0092B-C50C-407E-A947-70E740481C1C}">
+                      <a14:useLocalDpi xmlns:a14="http://schemas.microsoft.com/office/drawing/2010/main"/>
+                    </a:ext>
+                  </a:extLst>
+                </a:blip>
+                <a:stretch>
+                  <a:fillRect/>
+                </a:stretch>
+              </p:blipFill>
+              <p:spPr>
+                <a:xfrm>
+                  <a:off x="10045624" y="3151938"/>
+                  <a:ext cx="551260" cy="549346"/>
+                </a:xfrm>
+                <a:prstGeom prst="rect">
+                  <a:avLst/>
+                </a:prstGeom>
+                <a:ln w="12700">
+                  <a:miter lim="400000"/>
+                </a:ln>
+              </p:spPr>
+            </p:pic>
+          </p:grpSp>
+          <p:grpSp>
+            <p:nvGrpSpPr>
+              <p:cNvPr id="105" name="Group 104">
+                <a:extLst>
+                  <a:ext uri="{FF2B5EF4-FFF2-40B4-BE49-F238E27FC236}">
+                    <a16:creationId xmlns:a16="http://schemas.microsoft.com/office/drawing/2014/main" id="{9DD8B1EB-1C1D-47D2-AE96-DC4354D62AED}"/>
+                  </a:ext>
+                </a:extLst>
+              </p:cNvPr>
+              <p:cNvGrpSpPr/>
+              <p:nvPr/>
+            </p:nvGrpSpPr>
+            <p:grpSpPr>
+              <a:xfrm>
+                <a:off x="497059" y="5829194"/>
+                <a:ext cx="1039600" cy="867056"/>
+                <a:chOff x="8373048" y="2809083"/>
+                <a:chExt cx="1110791" cy="1110790"/>
+              </a:xfrm>
+            </p:grpSpPr>
+            <p:sp>
+              <p:nvSpPr>
+                <p:cNvPr id="152" name="Circle">
+                  <a:extLst>
+                    <a:ext uri="{FF2B5EF4-FFF2-40B4-BE49-F238E27FC236}">
+                      <a16:creationId xmlns:a16="http://schemas.microsoft.com/office/drawing/2014/main" id="{14CF1B0D-CCE1-43F3-B4AA-D8248086D939}"/>
+                    </a:ext>
+                  </a:extLst>
+                </p:cNvPr>
+                <p:cNvSpPr/>
+                <p:nvPr/>
+              </p:nvSpPr>
+              <p:spPr>
+                <a:xfrm>
+                  <a:off x="8373048" y="2809083"/>
+                  <a:ext cx="1110791" cy="1110790"/>
+                </a:xfrm>
+                <a:prstGeom prst="ellipse">
+                  <a:avLst/>
+                </a:prstGeom>
+                <a:solidFill>
+                  <a:srgbClr val="FFFFFF"/>
+                </a:solidFill>
+                <a:ln w="12700">
+                  <a:miter lim="400000"/>
+                </a:ln>
+                <a:effectLst>
+                  <a:outerShdw blurRad="190500" dist="70086" dir="5400000" rotWithShape="0">
+                    <a:srgbClr val="000000">
+                      <a:alpha val="11341"/>
+                    </a:srgbClr>
+                  </a:outerShdw>
+                </a:effectLst>
+              </p:spPr>
+              <p:txBody>
+                <a:bodyPr lIns="76200" tIns="76200" rIns="76200" bIns="76200" anchor="ctr"/>
+                <a:lstStyle/>
+                <a:p>
+                  <a:pPr>
+                    <a:defRPr>
+                      <a:latin typeface="Helvetica"/>
+                      <a:ea typeface="Helvetica"/>
+                      <a:cs typeface="Helvetica"/>
+                      <a:sym typeface="Helvetica"/>
+                    </a:defRPr>
+                  </a:pPr>
+                  <a:endParaRPr sz="4400">
+                    <a:latin typeface="Helvetica"/>
+                    <a:sym typeface="Helvetica"/>
+                  </a:endParaRPr>
+                </a:p>
+              </p:txBody>
+            </p:sp>
+            <p:pic>
+              <p:nvPicPr>
+                <p:cNvPr id="153" name="Layer 0@3x.png" descr="Layer 0@3x.png">
+                  <a:extLst>
+                    <a:ext uri="{FF2B5EF4-FFF2-40B4-BE49-F238E27FC236}">
+                      <a16:creationId xmlns:a16="http://schemas.microsoft.com/office/drawing/2014/main" id="{2A3CA650-0BEF-483A-9284-8B016C9FFAC4}"/>
+                    </a:ext>
+                  </a:extLst>
+                </p:cNvPr>
+                <p:cNvPicPr>
+                  <a:picLocks noChangeAspect="1"/>
+                </p:cNvPicPr>
+                <p:nvPr/>
+              </p:nvPicPr>
+              <p:blipFill>
+                <a:blip r:embed="rId7" cstate="email">
+                  <a:extLst>
+                    <a:ext uri="{28A0092B-C50C-407E-A947-70E740481C1C}">
+                      <a14:useLocalDpi xmlns:a14="http://schemas.microsoft.com/office/drawing/2010/main"/>
+                    </a:ext>
+                  </a:extLst>
+                </a:blip>
+                <a:stretch>
+                  <a:fillRect/>
+                </a:stretch>
+              </p:blipFill>
+              <p:spPr>
+                <a:xfrm>
+                  <a:off x="8652813" y="3138946"/>
+                  <a:ext cx="551260" cy="551261"/>
+                </a:xfrm>
+                <a:prstGeom prst="rect">
+                  <a:avLst/>
+                </a:prstGeom>
+                <a:ln w="12700">
+                  <a:miter lim="400000"/>
+                </a:ln>
+              </p:spPr>
+            </p:pic>
+          </p:grpSp>
+          <p:grpSp>
+            <p:nvGrpSpPr>
+              <p:cNvPr id="106" name="Group 105">
+                <a:extLst>
+                  <a:ext uri="{FF2B5EF4-FFF2-40B4-BE49-F238E27FC236}">
+                    <a16:creationId xmlns:a16="http://schemas.microsoft.com/office/drawing/2014/main" id="{C605C5F5-D1D3-4AD7-ACD0-6207EE990698}"/>
+                  </a:ext>
+                </a:extLst>
+              </p:cNvPr>
+              <p:cNvGrpSpPr/>
+              <p:nvPr/>
+            </p:nvGrpSpPr>
+            <p:grpSpPr>
+              <a:xfrm>
+                <a:off x="8409706" y="5812092"/>
+                <a:ext cx="1039600" cy="867056"/>
+                <a:chOff x="11158855" y="2809083"/>
+                <a:chExt cx="1110791" cy="1110790"/>
+              </a:xfrm>
+            </p:grpSpPr>
+            <p:sp>
+              <p:nvSpPr>
+                <p:cNvPr id="150" name="Circle">
+                  <a:extLst>
+                    <a:ext uri="{FF2B5EF4-FFF2-40B4-BE49-F238E27FC236}">
+                      <a16:creationId xmlns:a16="http://schemas.microsoft.com/office/drawing/2014/main" id="{C68E190A-703F-48D0-B074-8F967DB7B309}"/>
+                    </a:ext>
+                  </a:extLst>
+                </p:cNvPr>
+                <p:cNvSpPr/>
+                <p:nvPr/>
+              </p:nvSpPr>
+              <p:spPr>
+                <a:xfrm>
+                  <a:off x="11158855" y="2809083"/>
+                  <a:ext cx="1110791" cy="1110790"/>
+                </a:xfrm>
+                <a:prstGeom prst="ellipse">
+                  <a:avLst/>
+                </a:prstGeom>
+                <a:solidFill>
+                  <a:srgbClr val="FFFFFF"/>
+                </a:solidFill>
+                <a:ln w="12700">
+                  <a:miter lim="400000"/>
+                </a:ln>
+                <a:effectLst>
+                  <a:outerShdw blurRad="190500" dist="70086" dir="5400000" rotWithShape="0">
+                    <a:srgbClr val="000000">
+                      <a:alpha val="11341"/>
+                    </a:srgbClr>
+                  </a:outerShdw>
+                </a:effectLst>
+              </p:spPr>
+              <p:txBody>
+                <a:bodyPr lIns="76200" tIns="76200" rIns="76200" bIns="76200" anchor="ctr"/>
+                <a:lstStyle/>
+                <a:p>
+                  <a:pPr>
+                    <a:defRPr>
+                      <a:latin typeface="Helvetica"/>
+                      <a:ea typeface="Helvetica"/>
+                      <a:cs typeface="Helvetica"/>
+                      <a:sym typeface="Helvetica"/>
+                    </a:defRPr>
+                  </a:pPr>
+                  <a:endParaRPr sz="4400">
+                    <a:latin typeface="Helvetica"/>
+                    <a:sym typeface="Helvetica"/>
+                  </a:endParaRPr>
+                </a:p>
+              </p:txBody>
+            </p:sp>
+            <p:pic>
+              <p:nvPicPr>
+                <p:cNvPr id="151" name="Group 1@3x.png" descr="Group 1@3x.png">
+                  <a:extLst>
+                    <a:ext uri="{FF2B5EF4-FFF2-40B4-BE49-F238E27FC236}">
+                      <a16:creationId xmlns:a16="http://schemas.microsoft.com/office/drawing/2014/main" id="{747D96D4-8A4A-4368-B27D-F1ECC466C5F7}"/>
+                    </a:ext>
+                  </a:extLst>
+                </p:cNvPr>
+                <p:cNvPicPr>
+                  <a:picLocks noChangeAspect="1"/>
+                </p:cNvPicPr>
+                <p:nvPr/>
+              </p:nvPicPr>
+              <p:blipFill>
+                <a:blip r:embed="rId5" cstate="email">
+                  <a:extLst>
+                    <a:ext uri="{28A0092B-C50C-407E-A947-70E740481C1C}">
+                      <a14:useLocalDpi xmlns:a14="http://schemas.microsoft.com/office/drawing/2010/main"/>
+                    </a:ext>
+                  </a:extLst>
+                </a:blip>
+                <a:stretch>
+                  <a:fillRect/>
+                </a:stretch>
+              </p:blipFill>
+              <p:spPr>
+                <a:xfrm>
+                  <a:off x="11441062" y="3160387"/>
+                  <a:ext cx="559692" cy="549347"/>
+                </a:xfrm>
+                <a:prstGeom prst="rect">
+                  <a:avLst/>
+                </a:prstGeom>
+                <a:ln w="12700">
+                  <a:miter lim="400000"/>
+                </a:ln>
+              </p:spPr>
+            </p:pic>
+          </p:grpSp>
+          <p:grpSp>
+            <p:nvGrpSpPr>
+              <p:cNvPr id="107" name="Group 106">
+                <a:extLst>
+                  <a:ext uri="{FF2B5EF4-FFF2-40B4-BE49-F238E27FC236}">
+                    <a16:creationId xmlns:a16="http://schemas.microsoft.com/office/drawing/2014/main" id="{68DA740E-469B-498C-BDF2-FE3D42A0926A}"/>
+                  </a:ext>
+                </a:extLst>
+              </p:cNvPr>
+              <p:cNvGrpSpPr/>
+              <p:nvPr/>
+            </p:nvGrpSpPr>
+            <p:grpSpPr>
+              <a:xfrm>
+                <a:off x="9503796" y="5812092"/>
+                <a:ext cx="1039598" cy="867056"/>
+                <a:chOff x="9765859" y="2809083"/>
+                <a:chExt cx="1110790" cy="1110790"/>
+              </a:xfrm>
+            </p:grpSpPr>
+            <p:sp>
+              <p:nvSpPr>
+                <p:cNvPr id="148" name="Circle">
+                  <a:extLst>
+                    <a:ext uri="{FF2B5EF4-FFF2-40B4-BE49-F238E27FC236}">
+                      <a16:creationId xmlns:a16="http://schemas.microsoft.com/office/drawing/2014/main" id="{63D082A7-4B55-4899-AA9B-DFE4ED547700}"/>
+                    </a:ext>
+                  </a:extLst>
+                </p:cNvPr>
+                <p:cNvSpPr/>
+                <p:nvPr/>
+              </p:nvSpPr>
+              <p:spPr>
+                <a:xfrm>
+                  <a:off x="9765859" y="2809083"/>
+                  <a:ext cx="1110790" cy="1110790"/>
+                </a:xfrm>
+                <a:prstGeom prst="ellipse">
+                  <a:avLst/>
+                </a:prstGeom>
+                <a:solidFill>
+                  <a:srgbClr val="FFFFFF"/>
+                </a:solidFill>
+                <a:ln w="12700">
+                  <a:miter lim="400000"/>
+                </a:ln>
+                <a:effectLst>
+                  <a:outerShdw blurRad="190500" dist="70086" dir="5400000" rotWithShape="0">
+                    <a:srgbClr val="000000">
+                      <a:alpha val="11341"/>
+                    </a:srgbClr>
+                  </a:outerShdw>
+                </a:effectLst>
+              </p:spPr>
+              <p:txBody>
+                <a:bodyPr lIns="76200" tIns="76200" rIns="76200" bIns="76200" anchor="ctr"/>
+                <a:lstStyle/>
+                <a:p>
+                  <a:pPr>
+                    <a:defRPr>
+                      <a:latin typeface="Helvetica"/>
+                      <a:ea typeface="Helvetica"/>
+                      <a:cs typeface="Helvetica"/>
+                      <a:sym typeface="Helvetica"/>
+                    </a:defRPr>
+                  </a:pPr>
+                  <a:endParaRPr sz="4400">
+                    <a:latin typeface="Helvetica"/>
+                    <a:sym typeface="Helvetica"/>
+                  </a:endParaRPr>
+                </a:p>
+              </p:txBody>
+            </p:sp>
+            <p:pic>
+              <p:nvPicPr>
+                <p:cNvPr id="149" name="Group 2@3x.png" descr="Group 2@3x.png">
+                  <a:extLst>
+                    <a:ext uri="{FF2B5EF4-FFF2-40B4-BE49-F238E27FC236}">
+                      <a16:creationId xmlns:a16="http://schemas.microsoft.com/office/drawing/2014/main" id="{655A10AD-09AF-4E57-BEC1-25796B760DDB}"/>
+                    </a:ext>
+                  </a:extLst>
+                </p:cNvPr>
+                <p:cNvPicPr>
+                  <a:picLocks noChangeAspect="1"/>
+                </p:cNvPicPr>
+                <p:nvPr/>
+              </p:nvPicPr>
+              <p:blipFill>
+                <a:blip r:embed="rId6" cstate="email">
+                  <a:extLst>
+                    <a:ext uri="{28A0092B-C50C-407E-A947-70E740481C1C}">
+                      <a14:useLocalDpi xmlns:a14="http://schemas.microsoft.com/office/drawing/2010/main"/>
+                    </a:ext>
+                  </a:extLst>
+                </a:blip>
+                <a:stretch>
+                  <a:fillRect/>
+                </a:stretch>
+              </p:blipFill>
+              <p:spPr>
+                <a:xfrm>
+                  <a:off x="10045624" y="3151938"/>
+                  <a:ext cx="551260" cy="549346"/>
+                </a:xfrm>
+                <a:prstGeom prst="rect">
+                  <a:avLst/>
+                </a:prstGeom>
+                <a:ln w="12700">
+                  <a:miter lim="400000"/>
+                </a:ln>
+              </p:spPr>
+            </p:pic>
+          </p:grpSp>
+          <p:grpSp>
+            <p:nvGrpSpPr>
+              <p:cNvPr id="108" name="Group 107">
+                <a:extLst>
+                  <a:ext uri="{FF2B5EF4-FFF2-40B4-BE49-F238E27FC236}">
+                    <a16:creationId xmlns:a16="http://schemas.microsoft.com/office/drawing/2014/main" id="{78316713-ACAC-4864-94B9-7C4BBCDFB880}"/>
+                  </a:ext>
+                </a:extLst>
+              </p:cNvPr>
+              <p:cNvGrpSpPr/>
+              <p:nvPr/>
+            </p:nvGrpSpPr>
+            <p:grpSpPr>
+              <a:xfrm>
+                <a:off x="4365561" y="5791478"/>
+                <a:ext cx="1039600" cy="867056"/>
+                <a:chOff x="8373048" y="2809083"/>
+                <a:chExt cx="1110791" cy="1110790"/>
+              </a:xfrm>
+            </p:grpSpPr>
+            <p:sp>
+              <p:nvSpPr>
+                <p:cNvPr id="146" name="Circle">
+                  <a:extLst>
+                    <a:ext uri="{FF2B5EF4-FFF2-40B4-BE49-F238E27FC236}">
+                      <a16:creationId xmlns:a16="http://schemas.microsoft.com/office/drawing/2014/main" id="{8A1DE1F0-665C-451E-B9A7-E2B81814BC80}"/>
+                    </a:ext>
+                  </a:extLst>
+                </p:cNvPr>
+                <p:cNvSpPr/>
+                <p:nvPr/>
+              </p:nvSpPr>
+              <p:spPr>
+                <a:xfrm>
+                  <a:off x="8373048" y="2809083"/>
+                  <a:ext cx="1110791" cy="1110790"/>
+                </a:xfrm>
+                <a:prstGeom prst="ellipse">
+                  <a:avLst/>
+                </a:prstGeom>
+                <a:solidFill>
+                  <a:srgbClr val="FFFFFF"/>
+                </a:solidFill>
+                <a:ln w="12700">
+                  <a:miter lim="400000"/>
+                </a:ln>
+                <a:effectLst>
+                  <a:outerShdw blurRad="190500" dist="70086" dir="5400000" rotWithShape="0">
+                    <a:srgbClr val="000000">
+                      <a:alpha val="11341"/>
+                    </a:srgbClr>
+                  </a:outerShdw>
+                </a:effectLst>
+              </p:spPr>
+              <p:txBody>
+                <a:bodyPr lIns="76200" tIns="76200" rIns="76200" bIns="76200" anchor="ctr"/>
+                <a:lstStyle/>
+                <a:p>
+                  <a:pPr>
+                    <a:defRPr>
+                      <a:latin typeface="Helvetica"/>
+                      <a:ea typeface="Helvetica"/>
+                      <a:cs typeface="Helvetica"/>
+                      <a:sym typeface="Helvetica"/>
+                    </a:defRPr>
+                  </a:pPr>
+                  <a:endParaRPr sz="4400">
+                    <a:latin typeface="Helvetica"/>
+                    <a:sym typeface="Helvetica"/>
+                  </a:endParaRPr>
+                </a:p>
+              </p:txBody>
+            </p:sp>
+            <p:pic>
+              <p:nvPicPr>
+                <p:cNvPr id="147" name="Layer 0@3x.png" descr="Layer 0@3x.png">
+                  <a:extLst>
+                    <a:ext uri="{FF2B5EF4-FFF2-40B4-BE49-F238E27FC236}">
+                      <a16:creationId xmlns:a16="http://schemas.microsoft.com/office/drawing/2014/main" id="{4FE46616-7015-446E-A220-64EABBAC1FBF}"/>
+                    </a:ext>
+                  </a:extLst>
+                </p:cNvPr>
+                <p:cNvPicPr>
+                  <a:picLocks noChangeAspect="1"/>
+                </p:cNvPicPr>
+                <p:nvPr/>
+              </p:nvPicPr>
+              <p:blipFill>
+                <a:blip r:embed="rId7" cstate="email">
+                  <a:extLst>
+                    <a:ext uri="{28A0092B-C50C-407E-A947-70E740481C1C}">
+                      <a14:useLocalDpi xmlns:a14="http://schemas.microsoft.com/office/drawing/2010/main"/>
+                    </a:ext>
+                  </a:extLst>
+                </a:blip>
+                <a:stretch>
+                  <a:fillRect/>
+                </a:stretch>
+              </p:blipFill>
+              <p:spPr>
+                <a:xfrm>
+                  <a:off x="8652813" y="3138946"/>
+                  <a:ext cx="551260" cy="551261"/>
+                </a:xfrm>
+                <a:prstGeom prst="rect">
+                  <a:avLst/>
+                </a:prstGeom>
+                <a:ln w="12700">
+                  <a:miter lim="400000"/>
+                </a:ln>
+              </p:spPr>
+            </p:pic>
+          </p:grpSp>
+          <p:cxnSp>
+            <p:nvCxnSpPr>
+              <p:cNvPr id="109" name="Straight Connector 108">
+                <a:extLst>
+                  <a:ext uri="{FF2B5EF4-FFF2-40B4-BE49-F238E27FC236}">
+                    <a16:creationId xmlns:a16="http://schemas.microsoft.com/office/drawing/2014/main" id="{64DB385C-B17A-4E91-8C48-8E29C21B1162}"/>
+                  </a:ext>
+                </a:extLst>
+              </p:cNvPr>
+              <p:cNvCxnSpPr>
+                <a:cxnSpLocks/>
+              </p:cNvCxnSpPr>
+              <p:nvPr/>
+            </p:nvCxnSpPr>
+            <p:spPr>
+              <a:xfrm>
+                <a:off x="4375102" y="3145124"/>
+                <a:ext cx="3123" cy="632479"/>
+              </a:xfrm>
+              <a:prstGeom prst="line">
+                <a:avLst/>
+              </a:prstGeom>
+              <a:noFill/>
+              <a:ln w="38100" cap="flat">
+                <a:solidFill>
+                  <a:schemeClr val="accent1"/>
+                </a:solidFill>
+                <a:prstDash val="solid"/>
+                <a:miter lim="400000"/>
+              </a:ln>
+              <a:effectLst/>
+              <a:sp3d/>
+            </p:spPr>
+            <p:style>
+              <a:lnRef idx="0">
+                <a:scrgbClr r="0" g="0" b="0"/>
+              </a:lnRef>
+              <a:fillRef idx="0">
+                <a:scrgbClr r="0" g="0" b="0"/>
+              </a:fillRef>
+              <a:effectRef idx="0">
+                <a:scrgbClr r="0" g="0" b="0"/>
+              </a:effectRef>
+              <a:fontRef idx="none"/>
+            </p:style>
+          </p:cxnSp>
+          <p:pic>
+            <p:nvPicPr>
+              <p:cNvPr id="110" name="Graphic 109">
+                <a:extLst>
+                  <a:ext uri="{FF2B5EF4-FFF2-40B4-BE49-F238E27FC236}">
+                    <a16:creationId xmlns:a16="http://schemas.microsoft.com/office/drawing/2014/main" id="{7382A461-E41C-4E38-A10F-001E73818694}"/>
+                  </a:ext>
+                </a:extLst>
+              </p:cNvPr>
+              <p:cNvPicPr>
+                <a:picLocks noChangeAspect="1"/>
+              </p:cNvPicPr>
+              <p:nvPr/>
+            </p:nvPicPr>
+            <p:blipFill>
+              <a:blip r:embed="rId3" cstate="email">
+                <a:extLst>
+                  <a:ext uri="{28A0092B-C50C-407E-A947-70E740481C1C}">
+                    <a14:useLocalDpi xmlns:a14="http://schemas.microsoft.com/office/drawing/2010/main"/>
+                  </a:ext>
+                  <a:ext uri="{96DAC541-7B7A-43D3-8B79-37D633B846F1}">
+                    <asvg:svgBlip xmlns:asvg="http://schemas.microsoft.com/office/drawing/2016/SVG/main" r:embed="rId4"/>
+                  </a:ext>
+                </a:extLst>
+              </a:blip>
+              <a:stretch>
+                <a:fillRect/>
+              </a:stretch>
+            </p:blipFill>
+            <p:spPr>
+              <a:xfrm>
+                <a:off x="2750498" y="3947376"/>
+                <a:ext cx="3278442" cy="509049"/>
+              </a:xfrm>
+              <a:prstGeom prst="rect">
+                <a:avLst/>
+              </a:prstGeom>
+            </p:spPr>
+          </p:pic>
+          <p:cxnSp>
+            <p:nvCxnSpPr>
+              <p:cNvPr id="112" name="Straight Connector 111">
+                <a:extLst>
+                  <a:ext uri="{FF2B5EF4-FFF2-40B4-BE49-F238E27FC236}">
+                    <a16:creationId xmlns:a16="http://schemas.microsoft.com/office/drawing/2014/main" id="{AD416800-57A5-469A-AD46-CF097E37FD7C}"/>
+                  </a:ext>
+                </a:extLst>
+              </p:cNvPr>
+              <p:cNvCxnSpPr>
+                <a:cxnSpLocks/>
+              </p:cNvCxnSpPr>
+              <p:nvPr/>
+            </p:nvCxnSpPr>
+            <p:spPr>
+              <a:xfrm>
+                <a:off x="6518645" y="5412272"/>
+                <a:ext cx="0" cy="573109"/>
+              </a:xfrm>
+              <a:prstGeom prst="line">
+                <a:avLst/>
+              </a:prstGeom>
+              <a:noFill/>
+              <a:ln w="38100" cap="flat">
+                <a:solidFill>
+                  <a:schemeClr val="accent1"/>
+                </a:solidFill>
+                <a:prstDash val="solid"/>
+                <a:miter lim="400000"/>
+              </a:ln>
+              <a:effectLst/>
+              <a:sp3d/>
+            </p:spPr>
+            <p:style>
+              <a:lnRef idx="0">
+                <a:scrgbClr r="0" g="0" b="0"/>
+              </a:lnRef>
+              <a:fillRef idx="0">
+                <a:scrgbClr r="0" g="0" b="0"/>
+              </a:fillRef>
+              <a:effectRef idx="0">
+                <a:scrgbClr r="0" g="0" b="0"/>
+              </a:effectRef>
+              <a:fontRef idx="none"/>
+            </p:style>
+          </p:cxnSp>
+          <p:grpSp>
+            <p:nvGrpSpPr>
+              <p:cNvPr id="113" name="Group 112">
+                <a:extLst>
+                  <a:ext uri="{FF2B5EF4-FFF2-40B4-BE49-F238E27FC236}">
+                    <a16:creationId xmlns:a16="http://schemas.microsoft.com/office/drawing/2014/main" id="{15B14FBB-0B5A-455D-9EAF-1D1B7149B394}"/>
+                  </a:ext>
+                </a:extLst>
+              </p:cNvPr>
+              <p:cNvGrpSpPr/>
+              <p:nvPr/>
+            </p:nvGrpSpPr>
+            <p:grpSpPr>
+              <a:xfrm>
+                <a:off x="5998846" y="5790317"/>
+                <a:ext cx="1039600" cy="867056"/>
+                <a:chOff x="11158855" y="2809083"/>
+                <a:chExt cx="1110791" cy="1110790"/>
+              </a:xfrm>
+            </p:grpSpPr>
+            <p:sp>
+              <p:nvSpPr>
+                <p:cNvPr id="144" name="Circle">
+                  <a:extLst>
+                    <a:ext uri="{FF2B5EF4-FFF2-40B4-BE49-F238E27FC236}">
+                      <a16:creationId xmlns:a16="http://schemas.microsoft.com/office/drawing/2014/main" id="{F5D0D38B-748C-40C5-B3DA-774EB4DC557A}"/>
+                    </a:ext>
+                  </a:extLst>
+                </p:cNvPr>
+                <p:cNvSpPr/>
+                <p:nvPr/>
+              </p:nvSpPr>
+              <p:spPr>
+                <a:xfrm>
+                  <a:off x="11158855" y="2809083"/>
+                  <a:ext cx="1110791" cy="1110790"/>
+                </a:xfrm>
+                <a:prstGeom prst="ellipse">
+                  <a:avLst/>
+                </a:prstGeom>
+                <a:solidFill>
+                  <a:srgbClr val="FFFFFF"/>
+                </a:solidFill>
+                <a:ln w="12700">
+                  <a:miter lim="400000"/>
+                </a:ln>
+                <a:effectLst>
+                  <a:outerShdw blurRad="190500" dist="70086" dir="5400000" rotWithShape="0">
+                    <a:srgbClr val="000000">
+                      <a:alpha val="11341"/>
+                    </a:srgbClr>
+                  </a:outerShdw>
+                </a:effectLst>
+              </p:spPr>
+              <p:txBody>
+                <a:bodyPr lIns="76200" tIns="76200" rIns="76200" bIns="76200" anchor="ctr"/>
+                <a:lstStyle/>
+                <a:p>
+                  <a:pPr>
+                    <a:defRPr>
+                      <a:latin typeface="Helvetica"/>
+                      <a:ea typeface="Helvetica"/>
+                      <a:cs typeface="Helvetica"/>
+                      <a:sym typeface="Helvetica"/>
+                    </a:defRPr>
+                  </a:pPr>
+                  <a:endParaRPr sz="4400">
+                    <a:latin typeface="Helvetica"/>
+                    <a:sym typeface="Helvetica"/>
+                  </a:endParaRPr>
+                </a:p>
+              </p:txBody>
+            </p:sp>
+            <p:pic>
+              <p:nvPicPr>
+                <p:cNvPr id="145" name="Group 1@3x.png" descr="Group 1@3x.png">
+                  <a:extLst>
+                    <a:ext uri="{FF2B5EF4-FFF2-40B4-BE49-F238E27FC236}">
+                      <a16:creationId xmlns:a16="http://schemas.microsoft.com/office/drawing/2014/main" id="{8D181BDA-9B57-4685-B31D-C8D065044DD2}"/>
+                    </a:ext>
+                  </a:extLst>
+                </p:cNvPr>
+                <p:cNvPicPr>
+                  <a:picLocks noChangeAspect="1"/>
+                </p:cNvPicPr>
+                <p:nvPr/>
+              </p:nvPicPr>
+              <p:blipFill>
+                <a:blip r:embed="rId5" cstate="email">
+                  <a:extLst>
+                    <a:ext uri="{28A0092B-C50C-407E-A947-70E740481C1C}">
+                      <a14:useLocalDpi xmlns:a14="http://schemas.microsoft.com/office/drawing/2010/main"/>
+                    </a:ext>
+                  </a:extLst>
+                </a:blip>
+                <a:stretch>
+                  <a:fillRect/>
+                </a:stretch>
+              </p:blipFill>
+              <p:spPr>
+                <a:xfrm>
+                  <a:off x="11441062" y="3160387"/>
+                  <a:ext cx="559692" cy="549347"/>
+                </a:xfrm>
+                <a:prstGeom prst="rect">
+                  <a:avLst/>
+                </a:prstGeom>
+                <a:ln w="12700">
+                  <a:miter lim="400000"/>
+                </a:ln>
+              </p:spPr>
+            </p:pic>
+          </p:grpSp>
+          <p:cxnSp>
+            <p:nvCxnSpPr>
+              <p:cNvPr id="115" name="Straight Connector 114">
+                <a:extLst>
+                  <a:ext uri="{FF2B5EF4-FFF2-40B4-BE49-F238E27FC236}">
+                    <a16:creationId xmlns:a16="http://schemas.microsoft.com/office/drawing/2014/main" id="{C1B5190B-3847-4F87-9688-EFA99437CF4B}"/>
+                  </a:ext>
+                </a:extLst>
+              </p:cNvPr>
+              <p:cNvCxnSpPr>
+                <a:cxnSpLocks/>
+              </p:cNvCxnSpPr>
+              <p:nvPr/>
+            </p:nvCxnSpPr>
+            <p:spPr>
+              <a:xfrm>
+                <a:off x="2177583" y="4671180"/>
+                <a:ext cx="0" cy="573109"/>
+              </a:xfrm>
+              <a:prstGeom prst="line">
+                <a:avLst/>
+              </a:prstGeom>
+              <a:noFill/>
+              <a:ln w="38100" cap="flat">
+                <a:solidFill>
+                  <a:schemeClr val="accent1"/>
+                </a:solidFill>
+                <a:prstDash val="solid"/>
+                <a:miter lim="400000"/>
+              </a:ln>
+              <a:effectLst/>
+              <a:sp3d/>
+            </p:spPr>
+            <p:style>
+              <a:lnRef idx="0">
+                <a:scrgbClr r="0" g="0" b="0"/>
+              </a:lnRef>
+              <a:fillRef idx="0">
+                <a:scrgbClr r="0" g="0" b="0"/>
+              </a:fillRef>
+              <a:effectRef idx="0">
+                <a:scrgbClr r="0" g="0" b="0"/>
+              </a:effectRef>
+              <a:fontRef idx="none"/>
+            </p:style>
+          </p:cxnSp>
+          <p:cxnSp>
+            <p:nvCxnSpPr>
+              <p:cNvPr id="116" name="Straight Connector 115">
+                <a:extLst>
+                  <a:ext uri="{FF2B5EF4-FFF2-40B4-BE49-F238E27FC236}">
+                    <a16:creationId xmlns:a16="http://schemas.microsoft.com/office/drawing/2014/main" id="{942FF963-03B8-4E36-8867-FC80755FB9ED}"/>
+                  </a:ext>
+                </a:extLst>
+              </p:cNvPr>
+              <p:cNvCxnSpPr>
+                <a:cxnSpLocks/>
+              </p:cNvCxnSpPr>
+              <p:nvPr/>
+            </p:nvCxnSpPr>
+            <p:spPr>
+              <a:xfrm>
+                <a:off x="4885360" y="4671180"/>
+                <a:ext cx="0" cy="573109"/>
+              </a:xfrm>
+              <a:prstGeom prst="line">
+                <a:avLst/>
+              </a:prstGeom>
+              <a:noFill/>
+              <a:ln w="38100" cap="flat">
+                <a:solidFill>
+                  <a:schemeClr val="accent1"/>
+                </a:solidFill>
+                <a:prstDash val="solid"/>
+                <a:miter lim="400000"/>
+              </a:ln>
+              <a:effectLst/>
+              <a:sp3d/>
+            </p:spPr>
+            <p:style>
+              <a:lnRef idx="0">
+                <a:scrgbClr r="0" g="0" b="0"/>
+              </a:lnRef>
+              <a:fillRef idx="0">
+                <a:scrgbClr r="0" g="0" b="0"/>
+              </a:fillRef>
+              <a:effectRef idx="0">
+                <a:scrgbClr r="0" g="0" b="0"/>
+              </a:effectRef>
+              <a:fontRef idx="none"/>
+            </p:style>
+          </p:cxnSp>
+          <p:cxnSp>
+            <p:nvCxnSpPr>
+              <p:cNvPr id="117" name="Straight Connector 116">
+                <a:extLst>
+                  <a:ext uri="{FF2B5EF4-FFF2-40B4-BE49-F238E27FC236}">
+                    <a16:creationId xmlns:a16="http://schemas.microsoft.com/office/drawing/2014/main" id="{DD3A6DB0-0A71-431F-8363-29A1F00A1C27}"/>
+                  </a:ext>
+                </a:extLst>
+              </p:cNvPr>
+              <p:cNvCxnSpPr>
+                <a:cxnSpLocks/>
+              </p:cNvCxnSpPr>
+              <p:nvPr/>
+            </p:nvCxnSpPr>
+            <p:spPr>
+              <a:xfrm>
+                <a:off x="6788370" y="4671180"/>
+                <a:ext cx="0" cy="573109"/>
+              </a:xfrm>
+              <a:prstGeom prst="line">
+                <a:avLst/>
+              </a:prstGeom>
+              <a:noFill/>
+              <a:ln w="38100" cap="flat">
+                <a:solidFill>
+                  <a:schemeClr val="accent1"/>
+                </a:solidFill>
+                <a:prstDash val="solid"/>
+                <a:miter lim="400000"/>
+              </a:ln>
+              <a:effectLst/>
+              <a:sp3d/>
+            </p:spPr>
+            <p:style>
+              <a:lnRef idx="0">
+                <a:scrgbClr r="0" g="0" b="0"/>
+              </a:lnRef>
+              <a:fillRef idx="0">
+                <a:scrgbClr r="0" g="0" b="0"/>
+              </a:fillRef>
+              <a:effectRef idx="0">
+                <a:scrgbClr r="0" g="0" b="0"/>
+              </a:effectRef>
+              <a:fontRef idx="none"/>
+            </p:style>
+          </p:cxnSp>
+          <p:cxnSp>
+            <p:nvCxnSpPr>
+              <p:cNvPr id="118" name="Straight Connector 117">
+                <a:extLst>
+                  <a:ext uri="{FF2B5EF4-FFF2-40B4-BE49-F238E27FC236}">
+                    <a16:creationId xmlns:a16="http://schemas.microsoft.com/office/drawing/2014/main" id="{2B54B9DC-EA90-4968-AB0D-CB59D74C7370}"/>
+                  </a:ext>
+                </a:extLst>
+              </p:cNvPr>
+              <p:cNvCxnSpPr>
+                <a:cxnSpLocks/>
+              </p:cNvCxnSpPr>
+              <p:nvPr/>
+            </p:nvCxnSpPr>
+            <p:spPr>
+              <a:xfrm>
+                <a:off x="4365561" y="4061237"/>
+                <a:ext cx="0" cy="573109"/>
+              </a:xfrm>
+              <a:prstGeom prst="line">
+                <a:avLst/>
+              </a:prstGeom>
+              <a:noFill/>
+              <a:ln w="38100" cap="flat">
+                <a:solidFill>
+                  <a:schemeClr val="accent1"/>
+                </a:solidFill>
+                <a:prstDash val="solid"/>
+                <a:miter lim="400000"/>
+              </a:ln>
+              <a:effectLst/>
+              <a:sp3d/>
+            </p:spPr>
+            <p:style>
+              <a:lnRef idx="0">
+                <a:scrgbClr r="0" g="0" b="0"/>
+              </a:lnRef>
+              <a:fillRef idx="0">
+                <a:scrgbClr r="0" g="0" b="0"/>
+              </a:fillRef>
+              <a:effectRef idx="0">
+                <a:scrgbClr r="0" g="0" b="0"/>
+              </a:effectRef>
+              <a:fontRef idx="none"/>
+            </p:style>
+          </p:cxnSp>
+          <p:sp>
+            <p:nvSpPr>
+              <p:cNvPr id="120" name="Oval 119">
+                <a:extLst>
+                  <a:ext uri="{FF2B5EF4-FFF2-40B4-BE49-F238E27FC236}">
+                    <a16:creationId xmlns:a16="http://schemas.microsoft.com/office/drawing/2014/main" id="{91CEC7E7-393D-48C4-B2F2-73C301A3AF57}"/>
+                  </a:ext>
+                </a:extLst>
+              </p:cNvPr>
+              <p:cNvSpPr/>
+              <p:nvPr/>
+            </p:nvSpPr>
+            <p:spPr>
+              <a:xfrm>
+                <a:off x="1016858" y="4455769"/>
+                <a:ext cx="6443593" cy="501966"/>
+              </a:xfrm>
+              <a:prstGeom prst="ellipse">
+                <a:avLst/>
+              </a:prstGeom>
+              <a:solidFill>
+                <a:schemeClr val="bg2"/>
+              </a:solidFill>
+              <a:ln w="12700" cap="flat">
+                <a:solidFill>
+                  <a:srgbClr val="FFC000"/>
+                </a:solidFill>
+                <a:miter lim="400000"/>
+              </a:ln>
+              <a:effectLst>
+                <a:outerShdw blurRad="38100" dist="25400" dir="5400000" rotWithShape="0">
+                  <a:srgbClr val="000000">
+                    <a:alpha val="50000"/>
+                  </a:srgbClr>
+                </a:outerShdw>
+              </a:effectLst>
+              <a:sp3d/>
+            </p:spPr>
+            <p:style>
+              <a:lnRef idx="0">
+                <a:scrgbClr r="0" g="0" b="0"/>
+              </a:lnRef>
+              <a:fillRef idx="0">
+                <a:scrgbClr r="0" g="0" b="0"/>
+              </a:fillRef>
+              <a:effectRef idx="0">
+                <a:scrgbClr r="0" g="0" b="0"/>
+              </a:effectRef>
+              <a:fontRef idx="none"/>
+            </p:style>
+            <p:txBody>
+              <a:bodyPr rot="0" spcFirstLastPara="1" vertOverflow="overflow" horzOverflow="overflow" vert="horz" wrap="square" lIns="50800" tIns="50800" rIns="50800" bIns="50800" numCol="1" spcCol="38100" rtlCol="0" anchor="ctr">
+                <a:noAutofit/>
+              </a:bodyPr>
+              <a:lstStyle/>
+              <a:p>
+                <a:pPr marL="0" marR="0" indent="0" algn="ctr" defTabSz="876300" rtl="0" fontAlgn="auto" latinLnBrk="0" hangingPunct="0">
+                  <a:lnSpc>
+                    <a:spcPct val="100000"/>
+                  </a:lnSpc>
+                  <a:spcBef>
+                    <a:spcPts val="0"/>
+                  </a:spcBef>
+                  <a:spcAft>
+                    <a:spcPts val="0"/>
+                  </a:spcAft>
+                  <a:buClrTx/>
+                  <a:buSzTx/>
+                  <a:buFontTx/>
+                  <a:buNone/>
+                  <a:tabLst/>
+                </a:pPr>
+                <a:r>
+                  <a:rPr kumimoji="0" lang="en-CA" sz="4800" b="0" i="0" u="none" strike="noStrike" cap="none" spc="0" normalizeH="0" baseline="0" dirty="0" err="1">
+                    <a:ln>
+                      <a:noFill/>
+                    </a:ln>
+                    <a:solidFill>
+                      <a:schemeClr val="tx1"/>
+                    </a:solidFill>
+                    <a:effectLst>
+                      <a:outerShdw blurRad="38100" dist="12700" dir="5400000" rotWithShape="0">
+                        <a:srgbClr val="000000">
+                          <a:alpha val="50000"/>
+                        </a:srgbClr>
+                      </a:outerShdw>
+                    </a:effectLst>
+                    <a:uFillTx/>
+                    <a:latin typeface="Gill Sans"/>
+                    <a:ea typeface="Gill Sans"/>
+                    <a:cs typeface="Gill Sans"/>
+                    <a:sym typeface="Gill Sans"/>
+                  </a:rPr>
+                  <a:t>HybridEdge</a:t>
+                </a:r>
+                <a:endParaRPr kumimoji="0" lang="en-CA" sz="4800" b="0" i="0" u="none" strike="noStrike" cap="none" spc="0" normalizeH="0" baseline="0" dirty="0">
+                  <a:ln>
+                    <a:noFill/>
+                  </a:ln>
+                  <a:solidFill>
+                    <a:schemeClr val="tx1"/>
+                  </a:solidFill>
+                  <a:effectLst>
+                    <a:outerShdw blurRad="38100" dist="12700" dir="5400000" rotWithShape="0">
+                      <a:srgbClr val="000000">
+                        <a:alpha val="50000"/>
+                      </a:srgbClr>
+                    </a:outerShdw>
+                  </a:effectLst>
+                  <a:uFillTx/>
+                  <a:latin typeface="Gill Sans"/>
+                  <a:ea typeface="Gill Sans"/>
+                  <a:cs typeface="Gill Sans"/>
+                  <a:sym typeface="Gill Sans"/>
+                </a:endParaRPr>
+              </a:p>
+            </p:txBody>
+          </p:sp>
+          <p:grpSp>
+            <p:nvGrpSpPr>
+              <p:cNvPr id="122" name="Group 121">
+                <a:extLst>
+                  <a:ext uri="{FF2B5EF4-FFF2-40B4-BE49-F238E27FC236}">
+                    <a16:creationId xmlns:a16="http://schemas.microsoft.com/office/drawing/2014/main" id="{4632E27B-6AD6-48DA-A4EF-3220A1236E2C}"/>
+                  </a:ext>
+                </a:extLst>
+              </p:cNvPr>
+              <p:cNvGrpSpPr/>
+              <p:nvPr/>
+            </p:nvGrpSpPr>
+            <p:grpSpPr>
+              <a:xfrm>
+                <a:off x="8209246" y="204623"/>
+                <a:ext cx="3105855" cy="2414187"/>
+                <a:chOff x="17306857" y="2321484"/>
+                <a:chExt cx="6284655" cy="4647632"/>
+              </a:xfrm>
+            </p:grpSpPr>
+            <p:sp>
+              <p:nvSpPr>
+                <p:cNvPr id="132" name="Rounded Rectangle">
+                  <a:extLst>
+                    <a:ext uri="{FF2B5EF4-FFF2-40B4-BE49-F238E27FC236}">
+                      <a16:creationId xmlns:a16="http://schemas.microsoft.com/office/drawing/2014/main" id="{8DFA9CB0-82C7-418D-B008-62FD5A506969}"/>
+                    </a:ext>
+                  </a:extLst>
+                </p:cNvPr>
+                <p:cNvSpPr/>
+                <p:nvPr/>
+              </p:nvSpPr>
+              <p:spPr>
+                <a:xfrm>
+                  <a:off x="17306857" y="2426608"/>
+                  <a:ext cx="6284655" cy="3626830"/>
+                </a:xfrm>
+                <a:prstGeom prst="roundRect">
+                  <a:avLst>
+                    <a:gd name="adj" fmla="val 9111"/>
+                  </a:avLst>
+                </a:prstGeom>
+                <a:solidFill>
+                  <a:srgbClr val="FFFFFF"/>
+                </a:solidFill>
+                <a:ln w="12700">
+                  <a:solidFill>
+                    <a:schemeClr val="bg1">
+                      <a:lumMod val="85000"/>
+                    </a:schemeClr>
+                  </a:solidFill>
+                  <a:miter lim="400000"/>
+                </a:ln>
+                <a:effectLst>
+                  <a:outerShdw blurRad="584200" dist="339259" dir="3173123" rotWithShape="0">
+                    <a:srgbClr val="000000">
+                      <a:alpha val="12982"/>
+                    </a:srgbClr>
+                  </a:outerShdw>
+                </a:effectLst>
+              </p:spPr>
+              <p:txBody>
+                <a:bodyPr lIns="76200" tIns="76200" rIns="76200" bIns="76200" anchor="b" anchorCtr="0"/>
+                <a:lstStyle/>
+                <a:p>
+                  <a:pPr marL="0" marR="0" lvl="0" indent="0" algn="ctr" defTabSz="819150" rtl="0" eaLnBrk="1" fontAlgn="auto" latinLnBrk="0" hangingPunct="0">
+                    <a:lnSpc>
+                      <a:spcPct val="100000"/>
+                    </a:lnSpc>
+                    <a:spcBef>
+                      <a:spcPts val="0"/>
+                    </a:spcBef>
+                    <a:spcAft>
+                      <a:spcPts val="0"/>
+                    </a:spcAft>
+                    <a:buClrTx/>
+                    <a:buSzTx/>
+                    <a:buFontTx/>
+                    <a:buNone/>
+                    <a:tabLst/>
+                    <a:defRPr>
+                      <a:latin typeface="Helvetica"/>
+                      <a:ea typeface="Helvetica"/>
+                      <a:cs typeface="Helvetica"/>
+                      <a:sym typeface="Helvetica"/>
+                    </a:defRPr>
+                  </a:pPr>
+                  <a:endParaRPr kumimoji="0" sz="3600" b="0" i="0" u="none" strike="noStrike" kern="0" cap="none" spc="0" normalizeH="0" baseline="0" noProof="0">
+                    <a:ln>
+                      <a:noFill/>
+                    </a:ln>
+                    <a:solidFill>
+                      <a:srgbClr val="000000"/>
+                    </a:solidFill>
+                    <a:effectLst/>
+                    <a:uLnTx/>
+                    <a:uFillTx/>
+                    <a:latin typeface="Open Sans" panose="020B0606030504020204" pitchFamily="34" charset="0"/>
+                    <a:ea typeface="Open Sans" panose="020B0606030504020204" pitchFamily="34" charset="0"/>
+                    <a:cs typeface="Open Sans" panose="020B0606030504020204" pitchFamily="34" charset="0"/>
+                    <a:sym typeface="Helvetica"/>
+                  </a:endParaRPr>
+                </a:p>
+              </p:txBody>
+            </p:sp>
+            <p:pic>
+              <p:nvPicPr>
+                <p:cNvPr id="133" name="Picture 6" descr="File:Salesforce.svg">
+                  <a:extLst>
+                    <a:ext uri="{FF2B5EF4-FFF2-40B4-BE49-F238E27FC236}">
+                      <a16:creationId xmlns:a16="http://schemas.microsoft.com/office/drawing/2014/main" id="{E3172E38-84DD-4D6D-9BF3-1D69B0562455}"/>
+                    </a:ext>
+                  </a:extLst>
+                </p:cNvPr>
+                <p:cNvPicPr>
+                  <a:picLocks noChangeAspect="1" noChangeArrowheads="1"/>
+                </p:cNvPicPr>
+                <p:nvPr/>
+              </p:nvPicPr>
+              <p:blipFill>
+                <a:blip r:embed="rId8" cstate="email">
+                  <a:extLst>
+                    <a:ext uri="{28A0092B-C50C-407E-A947-70E740481C1C}">
+                      <a14:useLocalDpi xmlns:a14="http://schemas.microsoft.com/office/drawing/2010/main"/>
+                    </a:ext>
+                  </a:extLst>
+                </a:blip>
+                <a:srcRect/>
+                <a:stretch>
+                  <a:fillRect/>
+                </a:stretch>
+              </p:blipFill>
+              <p:spPr bwMode="auto">
+                <a:xfrm>
+                  <a:off x="19962763" y="3388643"/>
+                  <a:ext cx="1137032" cy="824104"/>
+                </a:xfrm>
+                <a:prstGeom prst="rect">
+                  <a:avLst/>
+                </a:prstGeom>
+                <a:noFill/>
+                <a:extLst>
+                  <a:ext uri="{909E8E84-426E-40DD-AFC4-6F175D3DCCD1}">
+                    <a14:hiddenFill xmlns:a14="http://schemas.microsoft.com/office/drawing/2010/main">
+                      <a:solidFill>
+                        <a:srgbClr val="FFFFFF"/>
+                      </a:solidFill>
+                    </a14:hiddenFill>
+                  </a:ext>
+                </a:extLst>
+              </p:spPr>
+            </p:pic>
+            <p:pic>
+              <p:nvPicPr>
+                <p:cNvPr id="134" name="Picture 10" descr="File:SAP-Logo.svg">
+                  <a:extLst>
+                    <a:ext uri="{FF2B5EF4-FFF2-40B4-BE49-F238E27FC236}">
+                      <a16:creationId xmlns:a16="http://schemas.microsoft.com/office/drawing/2014/main" id="{A531CE8A-A7EF-43E2-BDA7-9EEFEE34C1FC}"/>
+                    </a:ext>
+                  </a:extLst>
+                </p:cNvPr>
+                <p:cNvPicPr>
+                  <a:picLocks noChangeAspect="1" noChangeArrowheads="1"/>
+                </p:cNvPicPr>
+                <p:nvPr/>
+              </p:nvPicPr>
+              <p:blipFill>
+                <a:blip r:embed="rId9" cstate="email">
+                  <a:extLst>
+                    <a:ext uri="{28A0092B-C50C-407E-A947-70E740481C1C}">
+                      <a14:useLocalDpi xmlns:a14="http://schemas.microsoft.com/office/drawing/2010/main"/>
+                    </a:ext>
+                  </a:extLst>
+                </a:blip>
+                <a:srcRect/>
+                <a:stretch>
+                  <a:fillRect/>
+                </a:stretch>
+              </p:blipFill>
+              <p:spPr bwMode="auto">
+                <a:xfrm>
+                  <a:off x="17974366" y="3563171"/>
+                  <a:ext cx="1317122" cy="675456"/>
+                </a:xfrm>
+                <a:prstGeom prst="rect">
+                  <a:avLst/>
+                </a:prstGeom>
+                <a:noFill/>
+                <a:extLst>
+                  <a:ext uri="{909E8E84-426E-40DD-AFC4-6F175D3DCCD1}">
+                    <a14:hiddenFill xmlns:a14="http://schemas.microsoft.com/office/drawing/2010/main">
+                      <a:solidFill>
+                        <a:srgbClr val="FFFFFF"/>
+                      </a:solidFill>
+                    </a14:hiddenFill>
+                  </a:ext>
+                </a:extLst>
+              </p:spPr>
+            </p:pic>
+            <p:grpSp>
+              <p:nvGrpSpPr>
+                <p:cNvPr id="135" name="Group 134">
+                  <a:extLst>
+                    <a:ext uri="{FF2B5EF4-FFF2-40B4-BE49-F238E27FC236}">
+                      <a16:creationId xmlns:a16="http://schemas.microsoft.com/office/drawing/2014/main" id="{65F48E83-47B8-4D34-9F4C-12BA0408B359}"/>
+                    </a:ext>
+                  </a:extLst>
+                </p:cNvPr>
+                <p:cNvGrpSpPr/>
+                <p:nvPr/>
+              </p:nvGrpSpPr>
+              <p:grpSpPr>
+                <a:xfrm>
+                  <a:off x="22009732" y="3480982"/>
+                  <a:ext cx="1063600" cy="961387"/>
+                  <a:chOff x="22149217" y="9150242"/>
+                  <a:chExt cx="1637713" cy="1429701"/>
+                </a:xfrm>
+              </p:grpSpPr>
+              <p:pic>
+                <p:nvPicPr>
+                  <p:cNvPr id="142" name="Picture 141">
+                    <a:extLst>
+                      <a:ext uri="{FF2B5EF4-FFF2-40B4-BE49-F238E27FC236}">
+                        <a16:creationId xmlns:a16="http://schemas.microsoft.com/office/drawing/2014/main" id="{847E6C58-310F-4D2B-8408-C9500453C375}"/>
+                      </a:ext>
+                    </a:extLst>
+                  </p:cNvPr>
+                  <p:cNvPicPr>
+                    <a:picLocks noChangeAspect="1"/>
+                  </p:cNvPicPr>
+                  <p:nvPr/>
+                </p:nvPicPr>
+                <p:blipFill rotWithShape="1">
+                  <a:blip r:embed="rId10" cstate="email">
+                    <a:extLst>
+                      <a:ext uri="{28A0092B-C50C-407E-A947-70E740481C1C}">
+                        <a14:useLocalDpi xmlns:a14="http://schemas.microsoft.com/office/drawing/2010/main"/>
+                      </a:ext>
+                    </a:extLst>
+                  </a:blip>
+                  <a:srcRect/>
+                  <a:stretch/>
+                </p:blipFill>
+                <p:spPr>
+                  <a:xfrm>
+                    <a:off x="22551570" y="9150242"/>
+                    <a:ext cx="948030" cy="818663"/>
+                  </a:xfrm>
+                  <a:prstGeom prst="rect">
+                    <a:avLst/>
+                  </a:prstGeom>
+                </p:spPr>
+              </p:pic>
+              <p:pic>
+                <p:nvPicPr>
+                  <p:cNvPr id="143" name="Picture 142">
+                    <a:extLst>
+                      <a:ext uri="{FF2B5EF4-FFF2-40B4-BE49-F238E27FC236}">
+                        <a16:creationId xmlns:a16="http://schemas.microsoft.com/office/drawing/2014/main" id="{727A5333-3348-402B-ABAB-5CDD758BA189}"/>
+                      </a:ext>
+                    </a:extLst>
+                  </p:cNvPr>
+                  <p:cNvPicPr>
+                    <a:picLocks noChangeAspect="1"/>
+                  </p:cNvPicPr>
+                  <p:nvPr/>
+                </p:nvPicPr>
+                <p:blipFill rotWithShape="1">
+                  <a:blip r:embed="rId11" cstate="email">
+                    <a:extLst>
+                      <a:ext uri="{28A0092B-C50C-407E-A947-70E740481C1C}">
+                        <a14:useLocalDpi xmlns:a14="http://schemas.microsoft.com/office/drawing/2010/main"/>
+                      </a:ext>
+                    </a:extLst>
+                  </a:blip>
+                  <a:srcRect/>
+                  <a:stretch/>
+                </p:blipFill>
+                <p:spPr>
+                  <a:xfrm>
+                    <a:off x="22149217" y="10016278"/>
+                    <a:ext cx="1637713" cy="563665"/>
+                  </a:xfrm>
+                  <a:prstGeom prst="rect">
+                    <a:avLst/>
+                  </a:prstGeom>
+                </p:spPr>
+              </p:pic>
+            </p:grpSp>
+            <p:grpSp>
+              <p:nvGrpSpPr>
+                <p:cNvPr id="136" name="Group 135">
+                  <a:extLst>
+                    <a:ext uri="{FF2B5EF4-FFF2-40B4-BE49-F238E27FC236}">
+                      <a16:creationId xmlns:a16="http://schemas.microsoft.com/office/drawing/2014/main" id="{DC418E31-189F-43BF-8C9E-60519E4DA499}"/>
+                    </a:ext>
+                  </a:extLst>
+                </p:cNvPr>
+                <p:cNvGrpSpPr/>
+                <p:nvPr/>
+              </p:nvGrpSpPr>
+              <p:grpSpPr>
+                <a:xfrm>
+                  <a:off x="18195576" y="2321484"/>
+                  <a:ext cx="4566075" cy="3490411"/>
+                  <a:chOff x="18883749" y="9511773"/>
+                  <a:chExt cx="3986108" cy="2942863"/>
+                </a:xfrm>
+              </p:grpSpPr>
+              <p:sp>
+                <p:nvSpPr>
+                  <p:cNvPr id="140" name="Content Placeholder 2">
+                    <a:extLst>
+                      <a:ext uri="{FF2B5EF4-FFF2-40B4-BE49-F238E27FC236}">
+                        <a16:creationId xmlns:a16="http://schemas.microsoft.com/office/drawing/2014/main" id="{B801EED3-D553-4C56-8BCB-412B33510349}"/>
+                      </a:ext>
+                    </a:extLst>
+                  </p:cNvPr>
+                  <p:cNvSpPr txBox="1">
+                    <a:spLocks/>
+                  </p:cNvSpPr>
+                  <p:nvPr/>
+                </p:nvSpPr>
+                <p:spPr bwMode="auto">
+                  <a:xfrm>
+                    <a:off x="18883749" y="9511773"/>
+                    <a:ext cx="3986108" cy="914400"/>
+                  </a:xfrm>
+                  <a:prstGeom prst="rect">
+                    <a:avLst/>
+                  </a:prstGeom>
+                  <a:noFill/>
+                  <a:ln w="9525">
+                    <a:noFill/>
+                    <a:miter lim="800000"/>
+                    <a:headEnd/>
+                    <a:tailEnd/>
+                  </a:ln>
+                </p:spPr>
+                <p:txBody>
+                  <a:bodyPr vert="horz" wrap="square" lIns="182880" tIns="91440" rIns="182880" bIns="91440" numCol="1" anchor="ctr" anchorCtr="0" compatLnSpc="1">
+                    <a:prstTxWarp prst="textNoShape">
+                      <a:avLst/>
+                    </a:prstTxWarp>
+                  </a:bodyPr>
+                  <a:lstStyle>
+                    <a:lvl1pPr marL="338138" indent="-338138" algn="l" rtl="0" eaLnBrk="0" fontAlgn="base" hangingPunct="0">
+                      <a:spcBef>
+                        <a:spcPts val="600"/>
+                      </a:spcBef>
+                      <a:spcAft>
+                        <a:spcPts val="600"/>
+                      </a:spcAft>
+                      <a:buClr>
+                        <a:srgbClr val="FF7900"/>
+                      </a:buClr>
+                      <a:buSzPct val="100000"/>
+                      <a:buFont typeface="Courier New" panose="02070309020205020404" pitchFamily="49" charset="0"/>
+                      <a:buChar char="o"/>
+                      <a:defRPr sz="2800" b="0">
+                        <a:solidFill>
+                          <a:schemeClr val="tx1">
+                            <a:lumMod val="85000"/>
+                            <a:lumOff val="15000"/>
+                          </a:schemeClr>
+                        </a:solidFill>
+                        <a:latin typeface="Calibri Light" panose="020F0302020204030204" pitchFamily="34" charset="0"/>
+                        <a:ea typeface="+mn-ea"/>
+                        <a:cs typeface="+mn-cs"/>
+                      </a:defRPr>
+                    </a:lvl1pPr>
+                    <a:lvl2pPr marL="688975" indent="-231775" algn="l" rtl="0" eaLnBrk="0" fontAlgn="base" hangingPunct="0">
+                      <a:spcBef>
+                        <a:spcPts val="0"/>
+                      </a:spcBef>
+                      <a:spcAft>
+                        <a:spcPts val="600"/>
+                      </a:spcAft>
+                      <a:buClr>
+                        <a:srgbClr val="0B3D91"/>
+                      </a:buClr>
+                      <a:buFont typeface="Calibri" panose="020F0502020204030204" pitchFamily="34" charset="0"/>
+                      <a:buChar char="‐"/>
+                      <a:defRPr sz="2400" b="0">
+                        <a:solidFill>
+                          <a:schemeClr val="tx1">
+                            <a:lumMod val="85000"/>
+                            <a:lumOff val="15000"/>
+                          </a:schemeClr>
+                        </a:solidFill>
+                        <a:latin typeface="Calibri Light" panose="020F0302020204030204" pitchFamily="34" charset="0"/>
+                        <a:ea typeface="ＭＳ Ｐゴシック" charset="-128"/>
+                      </a:defRPr>
+                    </a:lvl2pPr>
+                    <a:lvl3pPr marL="1027113" indent="-168275" algn="l" rtl="0" eaLnBrk="0" fontAlgn="base" hangingPunct="0">
+                      <a:spcBef>
+                        <a:spcPts val="0"/>
+                      </a:spcBef>
+                      <a:spcAft>
+                        <a:spcPts val="600"/>
+                      </a:spcAft>
+                      <a:buClr>
+                        <a:srgbClr val="4D4D4D"/>
+                      </a:buClr>
+                      <a:buSzPct val="80000"/>
+                      <a:buFont typeface="Calibri" panose="020F0502020204030204" pitchFamily="34" charset="0"/>
+                      <a:buChar char="‐"/>
+                      <a:defRPr sz="2000" b="0">
+                        <a:solidFill>
+                          <a:schemeClr val="tx1">
+                            <a:lumMod val="85000"/>
+                            <a:lumOff val="15000"/>
+                          </a:schemeClr>
+                        </a:solidFill>
+                        <a:latin typeface="Calibri Light" panose="020F0302020204030204" pitchFamily="34" charset="0"/>
+                        <a:ea typeface="ＭＳ Ｐゴシック" charset="-128"/>
+                      </a:defRPr>
+                    </a:lvl3pPr>
+                    <a:lvl4pPr marL="1600200" indent="-228600" algn="l" rtl="0" eaLnBrk="0" fontAlgn="base" hangingPunct="0">
+                      <a:spcBef>
+                        <a:spcPct val="0"/>
+                      </a:spcBef>
+                      <a:spcAft>
+                        <a:spcPct val="0"/>
+                      </a:spcAft>
+                      <a:buClr>
+                        <a:srgbClr val="C0C0C0"/>
+                      </a:buClr>
+                      <a:buSzPct val="60000"/>
+                      <a:defRPr sz="1800" b="0">
+                        <a:solidFill>
+                          <a:srgbClr val="000000"/>
+                        </a:solidFill>
+                        <a:latin typeface="Calibri Light" panose="020F0302020204030204" pitchFamily="34" charset="0"/>
+                        <a:ea typeface="ＭＳ Ｐゴシック" charset="-128"/>
+                      </a:defRPr>
+                    </a:lvl4pPr>
+                    <a:lvl5pPr marL="2057400" indent="-228600" algn="l" rtl="0" eaLnBrk="0" fontAlgn="base" hangingPunct="0">
+                      <a:spcBef>
+                        <a:spcPct val="20000"/>
+                      </a:spcBef>
+                      <a:spcAft>
+                        <a:spcPct val="0"/>
+                      </a:spcAft>
+                      <a:buClr>
+                        <a:srgbClr val="000000"/>
+                      </a:buClr>
+                      <a:buFont typeface="Wingdings" charset="2"/>
+                      <a:buChar char="n"/>
+                      <a:defRPr sz="2000">
+                        <a:solidFill>
+                          <a:schemeClr val="bg1"/>
+                        </a:solidFill>
+                        <a:effectLst>
+                          <a:outerShdw blurRad="38100" dist="38100" dir="2700000" algn="tl">
+                            <a:srgbClr val="C0C0C0"/>
+                          </a:outerShdw>
+                        </a:effectLst>
+                        <a:latin typeface="Verdana" pitchFamily="34" charset="0"/>
+                        <a:ea typeface="ＭＳ Ｐゴシック" charset="-128"/>
+                      </a:defRPr>
+                    </a:lvl5pPr>
+                    <a:lvl6pPr marL="2514600" indent="-228600" algn="l" rtl="0" fontAlgn="base">
+                      <a:spcBef>
+                        <a:spcPct val="20000"/>
+                      </a:spcBef>
+                      <a:spcAft>
+                        <a:spcPct val="0"/>
+                      </a:spcAft>
+                      <a:buClr>
+                        <a:srgbClr val="000000"/>
+                      </a:buClr>
+                      <a:buFont typeface="Wingdings" pitchFamily="2" charset="2"/>
+                      <a:buChar char="n"/>
+                      <a:defRPr sz="2000">
+                        <a:solidFill>
+                          <a:schemeClr val="bg1"/>
+                        </a:solidFill>
+                        <a:effectLst>
+                          <a:outerShdw blurRad="38100" dist="38100" dir="2700000" algn="tl">
+                            <a:srgbClr val="C0C0C0"/>
+                          </a:outerShdw>
+                        </a:effectLst>
+                        <a:latin typeface="Verdana" pitchFamily="34" charset="0"/>
+                      </a:defRPr>
+                    </a:lvl6pPr>
+                    <a:lvl7pPr marL="2971800" indent="-228600" algn="l" rtl="0" fontAlgn="base">
+                      <a:spcBef>
+                        <a:spcPct val="20000"/>
+                      </a:spcBef>
+                      <a:spcAft>
+                        <a:spcPct val="0"/>
+                      </a:spcAft>
+                      <a:buClr>
+                        <a:srgbClr val="000000"/>
+                      </a:buClr>
+                      <a:buFont typeface="Wingdings" pitchFamily="2" charset="2"/>
+                      <a:buChar char="n"/>
+                      <a:defRPr sz="2000">
+                        <a:solidFill>
+                          <a:schemeClr val="bg1"/>
+                        </a:solidFill>
+                        <a:effectLst>
+                          <a:outerShdw blurRad="38100" dist="38100" dir="2700000" algn="tl">
+                            <a:srgbClr val="C0C0C0"/>
+                          </a:outerShdw>
+                        </a:effectLst>
+                        <a:latin typeface="Verdana" pitchFamily="34" charset="0"/>
+                      </a:defRPr>
+                    </a:lvl7pPr>
+                    <a:lvl8pPr marL="3429000" indent="-228600" algn="l" rtl="0" fontAlgn="base">
+                      <a:spcBef>
+                        <a:spcPct val="20000"/>
+                      </a:spcBef>
+                      <a:spcAft>
+                        <a:spcPct val="0"/>
+                      </a:spcAft>
+                      <a:buClr>
+                        <a:srgbClr val="000000"/>
+                      </a:buClr>
+                      <a:buFont typeface="Wingdings" pitchFamily="2" charset="2"/>
+                      <a:buChar char="n"/>
+                      <a:defRPr sz="2000">
+                        <a:solidFill>
+                          <a:schemeClr val="bg1"/>
+                        </a:solidFill>
+                        <a:effectLst>
+                          <a:outerShdw blurRad="38100" dist="38100" dir="2700000" algn="tl">
+                            <a:srgbClr val="C0C0C0"/>
+                          </a:outerShdw>
+                        </a:effectLst>
+                        <a:latin typeface="Verdana" pitchFamily="34" charset="0"/>
+                      </a:defRPr>
+                    </a:lvl8pPr>
+                    <a:lvl9pPr marL="3886200" indent="-228600" algn="l" rtl="0" fontAlgn="base">
+                      <a:spcBef>
+                        <a:spcPct val="20000"/>
+                      </a:spcBef>
+                      <a:spcAft>
+                        <a:spcPct val="0"/>
+                      </a:spcAft>
+                      <a:buClr>
+                        <a:srgbClr val="000000"/>
+                      </a:buClr>
+                      <a:buFont typeface="Wingdings" pitchFamily="2" charset="2"/>
+                      <a:buChar char="n"/>
+                      <a:defRPr sz="2000">
+                        <a:solidFill>
+                          <a:schemeClr val="bg1"/>
+                        </a:solidFill>
+                        <a:effectLst>
+                          <a:outerShdw blurRad="38100" dist="38100" dir="2700000" algn="tl">
+                            <a:srgbClr val="C0C0C0"/>
+                          </a:outerShdw>
+                        </a:effectLst>
+                        <a:latin typeface="Verdana" pitchFamily="34" charset="0"/>
+                      </a:defRPr>
+                    </a:lvl9pPr>
+                  </a:lstStyle>
+                  <a:p>
+                    <a:pPr marL="0" indent="0" algn="ctr" defTabSz="1828800">
+                      <a:lnSpc>
+                        <a:spcPct val="80000"/>
+                      </a:lnSpc>
+                      <a:spcBef>
+                        <a:spcPts val="0"/>
+                      </a:spcBef>
+                      <a:spcAft>
+                        <a:spcPts val="1200"/>
+                      </a:spcAft>
+                      <a:buNone/>
+                      <a:defRPr/>
+                    </a:pPr>
+                    <a:r>
+                      <a:rPr lang="en-US" sz="3200" b="1">
+                        <a:solidFill>
+                          <a:schemeClr val="accent1"/>
+                        </a:solidFill>
+                        <a:latin typeface="Open Sans" panose="020B0606030504020204" pitchFamily="34" charset="0"/>
+                        <a:ea typeface="Open Sans" panose="020B0606030504020204" pitchFamily="34" charset="0"/>
+                        <a:cs typeface="Open Sans" panose="020B0606030504020204" pitchFamily="34" charset="0"/>
+                      </a:rPr>
+                      <a:t>iPaaS</a:t>
+                    </a:r>
+                  </a:p>
+                </p:txBody>
+              </p:sp>
+              <p:pic>
+                <p:nvPicPr>
+                  <p:cNvPr id="141" name="Picture 140">
+                    <a:extLst>
+                      <a:ext uri="{FF2B5EF4-FFF2-40B4-BE49-F238E27FC236}">
+                        <a16:creationId xmlns:a16="http://schemas.microsoft.com/office/drawing/2014/main" id="{23075531-F180-4988-922D-595CABB82F0D}"/>
+                      </a:ext>
+                    </a:extLst>
+                  </p:cNvPr>
+                  <p:cNvPicPr>
+                    <a:picLocks noChangeAspect="1"/>
+                  </p:cNvPicPr>
+                  <p:nvPr/>
+                </p:nvPicPr>
+                <p:blipFill>
+                  <a:blip r:embed="rId12">
+                    <a:extLst>
+                      <a:ext uri="{28A0092B-C50C-407E-A947-70E740481C1C}">
+                        <a14:useLocalDpi xmlns:a14="http://schemas.microsoft.com/office/drawing/2010/main"/>
+                      </a:ext>
+                    </a:extLst>
+                  </a:blip>
+                  <a:stretch>
+                    <a:fillRect/>
+                  </a:stretch>
+                </p:blipFill>
+                <p:spPr>
+                  <a:xfrm>
+                    <a:off x="19335263" y="11654989"/>
+                    <a:ext cx="2538016" cy="799647"/>
+                  </a:xfrm>
+                  <a:prstGeom prst="rect">
+                    <a:avLst/>
+                  </a:prstGeom>
+                </p:spPr>
+              </p:pic>
+            </p:grpSp>
+            <p:cxnSp>
+              <p:nvCxnSpPr>
+                <p:cNvPr id="137" name="Straight Connector 136">
+                  <a:extLst>
+                    <a:ext uri="{FF2B5EF4-FFF2-40B4-BE49-F238E27FC236}">
+                      <a16:creationId xmlns:a16="http://schemas.microsoft.com/office/drawing/2014/main" id="{54F92052-739F-48D9-9675-D0D52437239B}"/>
+                    </a:ext>
+                  </a:extLst>
+                </p:cNvPr>
+                <p:cNvCxnSpPr>
+                  <a:cxnSpLocks/>
+                </p:cNvCxnSpPr>
+                <p:nvPr/>
+              </p:nvCxnSpPr>
+              <p:spPr>
+                <a:xfrm>
+                  <a:off x="17628678" y="4863467"/>
+                  <a:ext cx="5641014" cy="0"/>
+                </a:xfrm>
+                <a:prstGeom prst="line">
+                  <a:avLst/>
+                </a:prstGeom>
+                <a:noFill/>
+                <a:ln w="25400" cap="flat">
+                  <a:solidFill>
+                    <a:schemeClr val="tx1">
+                      <a:lumMod val="40000"/>
+                      <a:lumOff val="60000"/>
+                    </a:schemeClr>
+                  </a:solidFill>
+                  <a:prstDash val="dash"/>
+                  <a:miter lim="400000"/>
+                </a:ln>
+                <a:effectLst/>
+                <a:sp3d/>
+              </p:spPr>
+              <p:style>
+                <a:lnRef idx="0">
+                  <a:scrgbClr r="0" g="0" b="0"/>
+                </a:lnRef>
+                <a:fillRef idx="0">
+                  <a:scrgbClr r="0" g="0" b="0"/>
+                </a:fillRef>
+                <a:effectRef idx="0">
+                  <a:scrgbClr r="0" g="0" b="0"/>
+                </a:effectRef>
+                <a:fontRef idx="none"/>
+              </p:style>
+            </p:cxnSp>
+            <p:cxnSp>
+              <p:nvCxnSpPr>
+                <p:cNvPr id="138" name="Straight Arrow Connector 137">
+                  <a:extLst>
+                    <a:ext uri="{FF2B5EF4-FFF2-40B4-BE49-F238E27FC236}">
+                      <a16:creationId xmlns:a16="http://schemas.microsoft.com/office/drawing/2014/main" id="{0FA6E26C-0D0C-48E5-A3C4-63B68CDC8EAF}"/>
+                    </a:ext>
+                  </a:extLst>
+                </p:cNvPr>
+                <p:cNvCxnSpPr>
+                  <a:cxnSpLocks/>
+                  <a:endCxn id="132" idx="2"/>
+                </p:cNvCxnSpPr>
+                <p:nvPr/>
+              </p:nvCxnSpPr>
+              <p:spPr>
+                <a:xfrm flipV="1">
+                  <a:off x="18749362" y="6053438"/>
+                  <a:ext cx="1699824" cy="915678"/>
+                </a:xfrm>
+                <a:prstGeom prst="straightConnector1">
+                  <a:avLst/>
+                </a:prstGeom>
+                <a:noFill/>
+                <a:ln w="38100" cap="flat">
+                  <a:solidFill>
+                    <a:srgbClr val="000000"/>
+                  </a:solidFill>
+                  <a:prstDash val="solid"/>
+                  <a:miter lim="400000"/>
+                  <a:headEnd type="stealth" w="lg" len="lg"/>
+                  <a:tailEnd type="stealth" w="lg" len="lg"/>
+                </a:ln>
+                <a:effectLst/>
+                <a:sp3d/>
+              </p:spPr>
+              <p:style>
+                <a:lnRef idx="0">
+                  <a:scrgbClr r="0" g="0" b="0"/>
+                </a:lnRef>
+                <a:fillRef idx="0">
+                  <a:scrgbClr r="0" g="0" b="0"/>
+                </a:fillRef>
+                <a:effectRef idx="0">
+                  <a:scrgbClr r="0" g="0" b="0"/>
+                </a:effectRef>
+                <a:fontRef idx="none"/>
+              </p:style>
+            </p:cxnSp>
+          </p:grpSp>
+          <p:grpSp>
+            <p:nvGrpSpPr>
+              <p:cNvPr id="123" name="Group 122">
+                <a:extLst>
+                  <a:ext uri="{FF2B5EF4-FFF2-40B4-BE49-F238E27FC236}">
+                    <a16:creationId xmlns:a16="http://schemas.microsoft.com/office/drawing/2014/main" id="{9915D127-068D-4B25-A3F1-44DDBB3DA3FF}"/>
+                  </a:ext>
+                </a:extLst>
+              </p:cNvPr>
+              <p:cNvGrpSpPr/>
+              <p:nvPr/>
+            </p:nvGrpSpPr>
+            <p:grpSpPr>
+              <a:xfrm>
+                <a:off x="1911558" y="3832848"/>
+                <a:ext cx="5485628" cy="509049"/>
+                <a:chOff x="7294808" y="8714178"/>
+                <a:chExt cx="7175566" cy="854376"/>
+              </a:xfrm>
+            </p:grpSpPr>
+            <p:sp>
+              <p:nvSpPr>
+                <p:cNvPr id="130" name="Rounded Rectangle">
+                  <a:extLst>
+                    <a:ext uri="{FF2B5EF4-FFF2-40B4-BE49-F238E27FC236}">
+                      <a16:creationId xmlns:a16="http://schemas.microsoft.com/office/drawing/2014/main" id="{DF579ECE-7250-4BBD-A1D3-FF5741320A30}"/>
+                    </a:ext>
+                  </a:extLst>
+                </p:cNvPr>
+                <p:cNvSpPr/>
+                <p:nvPr/>
+              </p:nvSpPr>
+              <p:spPr>
+                <a:xfrm>
+                  <a:off x="7294808" y="8760598"/>
+                  <a:ext cx="7175566" cy="786825"/>
+                </a:xfrm>
+                <a:prstGeom prst="roundRect">
+                  <a:avLst>
+                    <a:gd name="adj" fmla="val 23801"/>
+                  </a:avLst>
+                </a:prstGeom>
+                <a:solidFill>
+                  <a:srgbClr val="474747"/>
+                </a:solidFill>
+                <a:ln w="12700">
+                  <a:miter lim="400000"/>
+                </a:ln>
+                <a:effectLst>
+                  <a:outerShdw blurRad="101600" dist="42185" dir="3475956" rotWithShape="0">
+                    <a:srgbClr val="000000">
+                      <a:alpha val="9894"/>
+                    </a:srgbClr>
+                  </a:outerShdw>
+                </a:effectLst>
+              </p:spPr>
+              <p:txBody>
+                <a:bodyPr lIns="76200" tIns="76200" rIns="76200" bIns="76200" anchor="ctr"/>
+                <a:lstStyle/>
+                <a:p>
+                  <a:pPr>
+                    <a:defRPr>
+                      <a:latin typeface="Helvetica"/>
+                      <a:ea typeface="Helvetica"/>
+                      <a:cs typeface="Helvetica"/>
+                      <a:sym typeface="Helvetica"/>
+                    </a:defRPr>
+                  </a:pPr>
+                  <a:endParaRPr sz="4400">
+                    <a:latin typeface="Helvetica"/>
+                    <a:sym typeface="Helvetica"/>
+                  </a:endParaRPr>
+                </a:p>
+              </p:txBody>
+            </p:sp>
+            <p:pic>
+              <p:nvPicPr>
+                <p:cNvPr id="131" name="Graphic 130">
+                  <a:extLst>
+                    <a:ext uri="{FF2B5EF4-FFF2-40B4-BE49-F238E27FC236}">
+                      <a16:creationId xmlns:a16="http://schemas.microsoft.com/office/drawing/2014/main" id="{3F3C5FD1-DBFC-430B-B7D1-9DD647B0BD6E}"/>
+                    </a:ext>
+                  </a:extLst>
+                </p:cNvPr>
+                <p:cNvPicPr>
+                  <a:picLocks noChangeAspect="1"/>
+                </p:cNvPicPr>
+                <p:nvPr/>
+              </p:nvPicPr>
+              <p:blipFill>
+                <a:blip r:embed="rId3" cstate="email">
+                  <a:extLst>
+                    <a:ext uri="{28A0092B-C50C-407E-A947-70E740481C1C}">
+                      <a14:useLocalDpi xmlns:a14="http://schemas.microsoft.com/office/drawing/2010/main"/>
+                    </a:ext>
+                    <a:ext uri="{96DAC541-7B7A-43D3-8B79-37D633B846F1}">
+                      <asvg:svgBlip xmlns:asvg="http://schemas.microsoft.com/office/drawing/2016/SVG/main" r:embed="rId4"/>
+                    </a:ext>
+                  </a:extLst>
+                </a:blip>
+                <a:stretch>
+                  <a:fillRect/>
+                </a:stretch>
+              </p:blipFill>
+              <p:spPr>
+                <a:xfrm>
+                  <a:off x="9351723" y="8714178"/>
+                  <a:ext cx="4288420" cy="854376"/>
+                </a:xfrm>
+                <a:prstGeom prst="rect">
+                  <a:avLst/>
+                </a:prstGeom>
+              </p:spPr>
+            </p:pic>
+          </p:grpSp>
+          <p:cxnSp>
+            <p:nvCxnSpPr>
+              <p:cNvPr id="124" name="Straight Connector 123">
+                <a:extLst>
+                  <a:ext uri="{FF2B5EF4-FFF2-40B4-BE49-F238E27FC236}">
+                    <a16:creationId xmlns:a16="http://schemas.microsoft.com/office/drawing/2014/main" id="{9147DA8A-314E-41EF-A385-987F766C9E24}"/>
+                  </a:ext>
+                </a:extLst>
+              </p:cNvPr>
+              <p:cNvCxnSpPr>
+                <a:cxnSpLocks/>
+              </p:cNvCxnSpPr>
+              <p:nvPr/>
+            </p:nvCxnSpPr>
+            <p:spPr>
+              <a:xfrm>
+                <a:off x="8922127" y="5523709"/>
+                <a:ext cx="0" cy="573109"/>
+              </a:xfrm>
+              <a:prstGeom prst="line">
+                <a:avLst/>
+              </a:prstGeom>
+              <a:noFill/>
+              <a:ln w="38100" cap="flat">
+                <a:solidFill>
+                  <a:schemeClr val="accent1"/>
+                </a:solidFill>
+                <a:prstDash val="solid"/>
+                <a:miter lim="400000"/>
+              </a:ln>
+              <a:effectLst/>
+              <a:sp3d/>
+            </p:spPr>
+            <p:style>
+              <a:lnRef idx="0">
+                <a:scrgbClr r="0" g="0" b="0"/>
+              </a:lnRef>
+              <a:fillRef idx="0">
+                <a:scrgbClr r="0" g="0" b="0"/>
+              </a:fillRef>
+              <a:effectRef idx="0">
+                <a:scrgbClr r="0" g="0" b="0"/>
+              </a:effectRef>
+              <a:fontRef idx="none"/>
+            </p:style>
+          </p:cxnSp>
+          <p:cxnSp>
+            <p:nvCxnSpPr>
+              <p:cNvPr id="125" name="Straight Connector 124">
+                <a:extLst>
+                  <a:ext uri="{FF2B5EF4-FFF2-40B4-BE49-F238E27FC236}">
+                    <a16:creationId xmlns:a16="http://schemas.microsoft.com/office/drawing/2014/main" id="{2F11D4C6-F7C1-4A54-BE83-2C2E3146D84C}"/>
+                  </a:ext>
+                </a:extLst>
+              </p:cNvPr>
+              <p:cNvCxnSpPr>
+                <a:cxnSpLocks/>
+              </p:cNvCxnSpPr>
+              <p:nvPr/>
+            </p:nvCxnSpPr>
+            <p:spPr>
+              <a:xfrm>
+                <a:off x="9931332" y="5523709"/>
+                <a:ext cx="0" cy="573109"/>
+              </a:xfrm>
+              <a:prstGeom prst="line">
+                <a:avLst/>
+              </a:prstGeom>
+              <a:noFill/>
+              <a:ln w="38100" cap="flat">
+                <a:solidFill>
+                  <a:schemeClr val="accent1"/>
+                </a:solidFill>
+                <a:prstDash val="solid"/>
+                <a:miter lim="400000"/>
+              </a:ln>
+              <a:effectLst/>
+              <a:sp3d/>
+            </p:spPr>
+            <p:style>
+              <a:lnRef idx="0">
+                <a:scrgbClr r="0" g="0" b="0"/>
+              </a:lnRef>
+              <a:fillRef idx="0">
+                <a:scrgbClr r="0" g="0" b="0"/>
+              </a:fillRef>
+              <a:effectRef idx="0">
+                <a:scrgbClr r="0" g="0" b="0"/>
+              </a:effectRef>
+              <a:fontRef idx="none"/>
+            </p:style>
+          </p:cxnSp>
+          <p:cxnSp>
+            <p:nvCxnSpPr>
+              <p:cNvPr id="126" name="Straight Connector 125">
+                <a:extLst>
+                  <a:ext uri="{FF2B5EF4-FFF2-40B4-BE49-F238E27FC236}">
+                    <a16:creationId xmlns:a16="http://schemas.microsoft.com/office/drawing/2014/main" id="{FACAC1F9-85BA-43CE-A923-91108733F02B}"/>
+                  </a:ext>
+                </a:extLst>
+              </p:cNvPr>
+              <p:cNvCxnSpPr>
+                <a:cxnSpLocks/>
+              </p:cNvCxnSpPr>
+              <p:nvPr/>
+            </p:nvCxnSpPr>
+            <p:spPr>
+              <a:xfrm>
+                <a:off x="9105108" y="4706752"/>
+                <a:ext cx="0" cy="573109"/>
+              </a:xfrm>
+              <a:prstGeom prst="line">
+                <a:avLst/>
+              </a:prstGeom>
+              <a:noFill/>
+              <a:ln w="38100" cap="flat">
+                <a:solidFill>
+                  <a:schemeClr val="accent1"/>
+                </a:solidFill>
+                <a:prstDash val="solid"/>
+                <a:miter lim="400000"/>
+              </a:ln>
+              <a:effectLst/>
+              <a:sp3d/>
+            </p:spPr>
+            <p:style>
+              <a:lnRef idx="0">
+                <a:scrgbClr r="0" g="0" b="0"/>
+              </a:lnRef>
+              <a:fillRef idx="0">
+                <a:scrgbClr r="0" g="0" b="0"/>
+              </a:fillRef>
+              <a:effectRef idx="0">
+                <a:scrgbClr r="0" g="0" b="0"/>
+              </a:effectRef>
+              <a:fontRef idx="none"/>
+            </p:style>
+          </p:cxnSp>
+          <p:sp>
+            <p:nvSpPr>
+              <p:cNvPr id="127" name="Rounded Rectangle">
+                <a:extLst>
+                  <a:ext uri="{FF2B5EF4-FFF2-40B4-BE49-F238E27FC236}">
+                    <a16:creationId xmlns:a16="http://schemas.microsoft.com/office/drawing/2014/main" id="{4C7EC9E8-E538-4EED-A350-A5525A1BB86C}"/>
+                  </a:ext>
+                </a:extLst>
+              </p:cNvPr>
+              <p:cNvSpPr/>
+              <p:nvPr/>
+            </p:nvSpPr>
+            <p:spPr>
+              <a:xfrm>
+                <a:off x="7996393" y="5048065"/>
+                <a:ext cx="2547001" cy="650762"/>
+              </a:xfrm>
+              <a:prstGeom prst="roundRect">
+                <a:avLst>
+                  <a:gd name="adj" fmla="val 23801"/>
+                </a:avLst>
+              </a:prstGeom>
+              <a:solidFill>
+                <a:srgbClr val="474747"/>
+              </a:solidFill>
+              <a:ln w="12700">
+                <a:miter lim="400000"/>
+              </a:ln>
+              <a:effectLst>
+                <a:outerShdw blurRad="101600" dist="42185" dir="3475956" rotWithShape="0">
+                  <a:srgbClr val="000000">
+                    <a:alpha val="9894"/>
+                  </a:srgbClr>
+                </a:outerShdw>
+              </a:effectLst>
+            </p:spPr>
+            <p:txBody>
+              <a:bodyPr lIns="76200" tIns="76200" rIns="76200" bIns="76200" anchor="ctr"/>
+              <a:lstStyle/>
+              <a:p>
+                <a:pPr>
+                  <a:defRPr>
+                    <a:latin typeface="Helvetica"/>
+                    <a:ea typeface="Helvetica"/>
+                    <a:cs typeface="Helvetica"/>
+                    <a:sym typeface="Helvetica"/>
+                  </a:defRPr>
+                </a:pPr>
+                <a:r>
+                  <a:rPr lang="en-US" sz="2800" dirty="0">
+                    <a:solidFill>
+                      <a:srgbClr val="FFFFFF"/>
+                    </a:solidFill>
+                    <a:latin typeface="Open Sans" panose="020B0606030504020204" pitchFamily="34" charset="0"/>
+                    <a:ea typeface="Open Sans" panose="020B0606030504020204" pitchFamily="34" charset="0"/>
+                    <a:cs typeface="Open Sans" panose="020B0606030504020204" pitchFamily="34" charset="0"/>
+                    <a:sym typeface="Helvetica"/>
+                  </a:rPr>
+                  <a:t>Kafka Cluster</a:t>
+                </a:r>
+                <a:endParaRPr sz="2800" dirty="0">
+                  <a:solidFill>
+                    <a:srgbClr val="FFFFFF"/>
+                  </a:solidFill>
+                  <a:latin typeface="Open Sans" panose="020B0606030504020204" pitchFamily="34" charset="0"/>
+                  <a:ea typeface="Open Sans" panose="020B0606030504020204" pitchFamily="34" charset="0"/>
+                  <a:cs typeface="Open Sans" panose="020B0606030504020204" pitchFamily="34" charset="0"/>
+                  <a:sym typeface="Helvetica"/>
+                </a:endParaRPr>
+              </a:p>
+            </p:txBody>
+          </p:sp>
+          <p:cxnSp>
+            <p:nvCxnSpPr>
+              <p:cNvPr id="128" name="Straight Connector 127">
+                <a:extLst>
+                  <a:ext uri="{FF2B5EF4-FFF2-40B4-BE49-F238E27FC236}">
+                    <a16:creationId xmlns:a16="http://schemas.microsoft.com/office/drawing/2014/main" id="{19C8236C-99E0-480C-B614-A3A4A29E641D}"/>
+                  </a:ext>
+                </a:extLst>
+              </p:cNvPr>
+              <p:cNvCxnSpPr>
+                <a:cxnSpLocks/>
+              </p:cNvCxnSpPr>
+              <p:nvPr/>
+            </p:nvCxnSpPr>
+            <p:spPr>
+              <a:xfrm>
+                <a:off x="8993465" y="4042751"/>
+                <a:ext cx="0" cy="573109"/>
+              </a:xfrm>
+              <a:prstGeom prst="line">
+                <a:avLst/>
+              </a:prstGeom>
+              <a:noFill/>
+              <a:ln w="38100" cap="flat">
+                <a:solidFill>
+                  <a:schemeClr val="accent1"/>
+                </a:solidFill>
+                <a:prstDash val="solid"/>
+                <a:miter lim="400000"/>
+              </a:ln>
+              <a:effectLst/>
+              <a:sp3d/>
+            </p:spPr>
+            <p:style>
+              <a:lnRef idx="0">
+                <a:scrgbClr r="0" g="0" b="0"/>
+              </a:lnRef>
+              <a:fillRef idx="0">
+                <a:scrgbClr r="0" g="0" b="0"/>
+              </a:fillRef>
+              <a:effectRef idx="0">
+                <a:scrgbClr r="0" g="0" b="0"/>
+              </a:effectRef>
+              <a:fontRef idx="none"/>
+            </p:style>
+          </p:cxnSp>
+          <p:sp>
+            <p:nvSpPr>
+              <p:cNvPr id="129" name="Oval 128">
+                <a:extLst>
+                  <a:ext uri="{FF2B5EF4-FFF2-40B4-BE49-F238E27FC236}">
+                    <a16:creationId xmlns:a16="http://schemas.microsoft.com/office/drawing/2014/main" id="{999454D3-60AE-457E-A1AA-D158D5EBE215}"/>
+                  </a:ext>
+                </a:extLst>
+              </p:cNvPr>
+              <p:cNvSpPr/>
+              <p:nvPr/>
+            </p:nvSpPr>
+            <p:spPr>
+              <a:xfrm>
+                <a:off x="7714265" y="4455769"/>
+                <a:ext cx="2758130" cy="501966"/>
+              </a:xfrm>
+              <a:prstGeom prst="ellipse">
+                <a:avLst/>
+              </a:prstGeom>
+              <a:solidFill>
+                <a:schemeClr val="bg2"/>
+              </a:solidFill>
+              <a:ln w="12700" cap="flat">
+                <a:solidFill>
+                  <a:srgbClr val="FFC000"/>
+                </a:solidFill>
+                <a:miter lim="400000"/>
+              </a:ln>
+              <a:effectLst>
+                <a:outerShdw blurRad="38100" dist="25400" dir="5400000" rotWithShape="0">
+                  <a:srgbClr val="000000">
+                    <a:alpha val="50000"/>
+                  </a:srgbClr>
+                </a:outerShdw>
+              </a:effectLst>
+              <a:sp3d/>
+            </p:spPr>
+            <p:style>
+              <a:lnRef idx="0">
+                <a:scrgbClr r="0" g="0" b="0"/>
+              </a:lnRef>
+              <a:fillRef idx="0">
+                <a:scrgbClr r="0" g="0" b="0"/>
+              </a:fillRef>
+              <a:effectRef idx="0">
+                <a:scrgbClr r="0" g="0" b="0"/>
+              </a:effectRef>
+              <a:fontRef idx="none"/>
+            </p:style>
+            <p:txBody>
+              <a:bodyPr rot="0" spcFirstLastPara="1" vertOverflow="overflow" horzOverflow="overflow" vert="horz" wrap="square" lIns="50800" tIns="50800" rIns="50800" bIns="50800" numCol="1" spcCol="38100" rtlCol="0" anchor="ctr">
+                <a:noAutofit/>
+              </a:bodyPr>
+              <a:lstStyle/>
+              <a:p>
+                <a:pPr marL="0" marR="0" indent="0" algn="ctr" defTabSz="876300" rtl="0" fontAlgn="auto" latinLnBrk="0" hangingPunct="0">
+                  <a:lnSpc>
+                    <a:spcPct val="100000"/>
+                  </a:lnSpc>
+                  <a:spcBef>
+                    <a:spcPts val="0"/>
+                  </a:spcBef>
+                  <a:spcAft>
+                    <a:spcPts val="0"/>
+                  </a:spcAft>
+                  <a:buClrTx/>
+                  <a:buSzTx/>
+                  <a:buFontTx/>
+                  <a:buNone/>
+                  <a:tabLst/>
+                </a:pPr>
+                <a:r>
+                  <a:rPr kumimoji="0" lang="en-CA" sz="2400" b="0" i="0" u="none" strike="noStrike" cap="none" spc="0" normalizeH="0" baseline="0" dirty="0">
+                    <a:ln>
+                      <a:noFill/>
+                    </a:ln>
+                    <a:solidFill>
+                      <a:schemeClr val="tx1"/>
+                    </a:solidFill>
+                    <a:effectLst>
+                      <a:outerShdw blurRad="38100" dist="12700" dir="5400000" rotWithShape="0">
+                        <a:srgbClr val="000000">
+                          <a:alpha val="50000"/>
+                        </a:srgbClr>
+                      </a:outerShdw>
+                    </a:effectLst>
+                    <a:uFillTx/>
+                    <a:latin typeface="Gill Sans"/>
+                    <a:ea typeface="Gill Sans"/>
+                    <a:cs typeface="Gill Sans"/>
+                    <a:sym typeface="Gill Sans"/>
+                  </a:rPr>
+                  <a:t>Kafka Connect</a:t>
+                </a:r>
+              </a:p>
+            </p:txBody>
+          </p:sp>
+          <p:sp>
+            <p:nvSpPr>
+              <p:cNvPr id="96" name="Rounded Rectangle">
+                <a:extLst>
+                  <a:ext uri="{FF2B5EF4-FFF2-40B4-BE49-F238E27FC236}">
+                    <a16:creationId xmlns:a16="http://schemas.microsoft.com/office/drawing/2014/main" id="{DA4B1454-0C44-40BB-B226-2FA3BAA2A083}"/>
+                  </a:ext>
+                </a:extLst>
+              </p:cNvPr>
+              <p:cNvSpPr/>
+              <p:nvPr/>
+            </p:nvSpPr>
+            <p:spPr>
+              <a:xfrm>
+                <a:off x="664972" y="5062513"/>
+                <a:ext cx="3138796" cy="650762"/>
+              </a:xfrm>
+              <a:prstGeom prst="roundRect">
+                <a:avLst>
+                  <a:gd name="adj" fmla="val 23801"/>
+                </a:avLst>
+              </a:prstGeom>
+              <a:solidFill>
+                <a:srgbClr val="474747"/>
+              </a:solidFill>
+              <a:ln w="12700">
+                <a:miter lim="400000"/>
+              </a:ln>
+              <a:effectLst>
+                <a:outerShdw blurRad="101600" dist="42185" dir="3475956" rotWithShape="0">
+                  <a:srgbClr val="000000">
+                    <a:alpha val="9894"/>
+                  </a:srgbClr>
+                </a:outerShdw>
+              </a:effectLst>
+            </p:spPr>
+            <p:txBody>
+              <a:bodyPr lIns="76200" tIns="76200" rIns="76200" bIns="76200" anchor="ctr"/>
+              <a:lstStyle/>
+              <a:p>
+                <a:pPr>
+                  <a:defRPr>
+                    <a:latin typeface="Helvetica"/>
+                    <a:ea typeface="Helvetica"/>
+                    <a:cs typeface="Helvetica"/>
+                    <a:sym typeface="Helvetica"/>
+                  </a:defRPr>
+                </a:pPr>
+                <a:r>
+                  <a:rPr lang="en-US" sz="3600">
+                    <a:solidFill>
+                      <a:srgbClr val="FFFFFF"/>
+                    </a:solidFill>
+                    <a:latin typeface="Open Sans" panose="020B0606030504020204" pitchFamily="34" charset="0"/>
+                    <a:ea typeface="Open Sans" panose="020B0606030504020204" pitchFamily="34" charset="0"/>
+                    <a:cs typeface="Open Sans" panose="020B0606030504020204" pitchFamily="34" charset="0"/>
+                    <a:sym typeface="Helvetica"/>
+                  </a:rPr>
+                  <a:t>JMS</a:t>
+                </a:r>
+                <a:endParaRPr sz="3600">
+                  <a:solidFill>
+                    <a:srgbClr val="FFFFFF"/>
+                  </a:solidFill>
+                  <a:latin typeface="Open Sans" panose="020B0606030504020204" pitchFamily="34" charset="0"/>
+                  <a:ea typeface="Open Sans" panose="020B0606030504020204" pitchFamily="34" charset="0"/>
+                  <a:cs typeface="Open Sans" panose="020B0606030504020204" pitchFamily="34" charset="0"/>
+                  <a:sym typeface="Helvetica"/>
+                </a:endParaRPr>
+              </a:p>
+            </p:txBody>
+          </p:sp>
+          <p:sp>
+            <p:nvSpPr>
+              <p:cNvPr id="97" name="Rounded Rectangle">
+                <a:extLst>
+                  <a:ext uri="{FF2B5EF4-FFF2-40B4-BE49-F238E27FC236}">
+                    <a16:creationId xmlns:a16="http://schemas.microsoft.com/office/drawing/2014/main" id="{FAB8BFCE-C290-4DB7-83B6-F9AC5BF778C3}"/>
+                  </a:ext>
+                </a:extLst>
+              </p:cNvPr>
+              <p:cNvSpPr/>
+              <p:nvPr/>
+            </p:nvSpPr>
+            <p:spPr>
+              <a:xfrm>
+                <a:off x="3901859" y="5049225"/>
+                <a:ext cx="2081970" cy="650762"/>
+              </a:xfrm>
+              <a:prstGeom prst="roundRect">
+                <a:avLst>
+                  <a:gd name="adj" fmla="val 23801"/>
+                </a:avLst>
+              </a:prstGeom>
+              <a:solidFill>
+                <a:srgbClr val="474747"/>
+              </a:solidFill>
+              <a:ln w="12700">
+                <a:miter lim="400000"/>
+              </a:ln>
+              <a:effectLst>
+                <a:outerShdw blurRad="101600" dist="42185" dir="3475956" rotWithShape="0">
+                  <a:srgbClr val="000000">
+                    <a:alpha val="9894"/>
+                  </a:srgbClr>
+                </a:outerShdw>
+              </a:effectLst>
+            </p:spPr>
+            <p:txBody>
+              <a:bodyPr lIns="76200" tIns="76200" rIns="76200" bIns="76200" anchor="ctr"/>
+              <a:lstStyle/>
+              <a:p>
+                <a:pPr>
+                  <a:defRPr>
+                    <a:latin typeface="Helvetica"/>
+                    <a:ea typeface="Helvetica"/>
+                    <a:cs typeface="Helvetica"/>
+                    <a:sym typeface="Helvetica"/>
+                  </a:defRPr>
+                </a:pPr>
+                <a:r>
+                  <a:rPr lang="en-US" sz="3600">
+                    <a:solidFill>
+                      <a:srgbClr val="FFFFFF"/>
+                    </a:solidFill>
+                    <a:latin typeface="Open Sans" panose="020B0606030504020204" pitchFamily="34" charset="0"/>
+                    <a:ea typeface="Open Sans" panose="020B0606030504020204" pitchFamily="34" charset="0"/>
+                    <a:cs typeface="Open Sans" panose="020B0606030504020204" pitchFamily="34" charset="0"/>
+                    <a:sym typeface="Helvetica"/>
+                  </a:rPr>
+                  <a:t>MQ</a:t>
+                </a:r>
+                <a:endParaRPr sz="3600">
+                  <a:solidFill>
+                    <a:srgbClr val="FFFFFF"/>
+                  </a:solidFill>
+                  <a:latin typeface="Open Sans" panose="020B0606030504020204" pitchFamily="34" charset="0"/>
+                  <a:ea typeface="Open Sans" panose="020B0606030504020204" pitchFamily="34" charset="0"/>
+                  <a:cs typeface="Open Sans" panose="020B0606030504020204" pitchFamily="34" charset="0"/>
+                  <a:sym typeface="Helvetica"/>
+                </a:endParaRPr>
+              </a:p>
+            </p:txBody>
+          </p:sp>
+          <p:sp>
+            <p:nvSpPr>
+              <p:cNvPr id="114" name="Rounded Rectangle">
+                <a:extLst>
+                  <a:ext uri="{FF2B5EF4-FFF2-40B4-BE49-F238E27FC236}">
+                    <a16:creationId xmlns:a16="http://schemas.microsoft.com/office/drawing/2014/main" id="{E15618D1-9134-4431-9723-E39436ABE2C1}"/>
+                  </a:ext>
+                </a:extLst>
+              </p:cNvPr>
+              <p:cNvSpPr/>
+              <p:nvPr/>
+            </p:nvSpPr>
+            <p:spPr>
+              <a:xfrm>
+                <a:off x="6081919" y="5048065"/>
+                <a:ext cx="1536752" cy="650762"/>
+              </a:xfrm>
+              <a:prstGeom prst="roundRect">
+                <a:avLst>
+                  <a:gd name="adj" fmla="val 23801"/>
+                </a:avLst>
+              </a:prstGeom>
+              <a:solidFill>
+                <a:srgbClr val="474747"/>
+              </a:solidFill>
+              <a:ln w="12700">
+                <a:miter lim="400000"/>
+              </a:ln>
+              <a:effectLst>
+                <a:outerShdw blurRad="101600" dist="42185" dir="3475956" rotWithShape="0">
+                  <a:srgbClr val="000000">
+                    <a:alpha val="9894"/>
+                  </a:srgbClr>
+                </a:outerShdw>
+              </a:effectLst>
+            </p:spPr>
+            <p:txBody>
+              <a:bodyPr lIns="76200" tIns="76200" rIns="76200" bIns="76200" anchor="ctr"/>
+              <a:lstStyle/>
+              <a:p>
+                <a:pPr>
+                  <a:defRPr>
+                    <a:latin typeface="Helvetica"/>
+                    <a:ea typeface="Helvetica"/>
+                    <a:cs typeface="Helvetica"/>
+                    <a:sym typeface="Helvetica"/>
+                  </a:defRPr>
+                </a:pPr>
+                <a:r>
+                  <a:rPr lang="en-US" sz="3600">
+                    <a:solidFill>
+                      <a:srgbClr val="FFFFFF"/>
+                    </a:solidFill>
+                    <a:latin typeface="Open Sans" panose="020B0606030504020204" pitchFamily="34" charset="0"/>
+                    <a:ea typeface="Open Sans" panose="020B0606030504020204" pitchFamily="34" charset="0"/>
+                    <a:cs typeface="Open Sans" panose="020B0606030504020204" pitchFamily="34" charset="0"/>
+                    <a:sym typeface="Helvetica"/>
+                  </a:rPr>
+                  <a:t>CDC</a:t>
+                </a:r>
+                <a:endParaRPr sz="3600">
+                  <a:solidFill>
+                    <a:srgbClr val="FFFFFF"/>
+                  </a:solidFill>
+                  <a:latin typeface="Open Sans" panose="020B0606030504020204" pitchFamily="34" charset="0"/>
+                  <a:ea typeface="Open Sans" panose="020B0606030504020204" pitchFamily="34" charset="0"/>
+                  <a:cs typeface="Open Sans" panose="020B0606030504020204" pitchFamily="34" charset="0"/>
+                  <a:sym typeface="Helvetica"/>
+                </a:endParaRPr>
+              </a:p>
+            </p:txBody>
+          </p:sp>
+          <p:sp>
+            <p:nvSpPr>
+              <p:cNvPr id="119" name="Rounded Rectangle">
+                <a:extLst>
+                  <a:ext uri="{FF2B5EF4-FFF2-40B4-BE49-F238E27FC236}">
+                    <a16:creationId xmlns:a16="http://schemas.microsoft.com/office/drawing/2014/main" id="{FCC2A71D-6C0A-412E-B60F-62366E27CBAC}"/>
+                  </a:ext>
+                </a:extLst>
+              </p:cNvPr>
+              <p:cNvSpPr/>
+              <p:nvPr/>
+            </p:nvSpPr>
+            <p:spPr>
+              <a:xfrm>
+                <a:off x="784875" y="3796244"/>
+                <a:ext cx="9687520" cy="551547"/>
+              </a:xfrm>
+              <a:prstGeom prst="roundRect">
+                <a:avLst>
+                  <a:gd name="adj" fmla="val 23801"/>
+                </a:avLst>
+              </a:prstGeom>
+              <a:solidFill>
+                <a:srgbClr val="474747"/>
+              </a:solidFill>
+              <a:ln w="12700">
+                <a:miter lim="400000"/>
+              </a:ln>
+              <a:effectLst>
+                <a:outerShdw blurRad="101600" dist="42185" dir="3475956" rotWithShape="0">
+                  <a:srgbClr val="000000">
+                    <a:alpha val="9894"/>
+                  </a:srgbClr>
+                </a:outerShdw>
+              </a:effectLst>
+            </p:spPr>
+            <p:txBody>
+              <a:bodyPr lIns="76200" tIns="76200" rIns="76200" bIns="76200" anchor="ctr"/>
+              <a:lstStyle/>
+              <a:p>
+                <a:pPr>
+                  <a:defRPr>
+                    <a:latin typeface="Helvetica"/>
+                    <a:ea typeface="Helvetica"/>
+                    <a:cs typeface="Helvetica"/>
+                    <a:sym typeface="Helvetica"/>
+                  </a:defRPr>
+                </a:pPr>
+                <a:endParaRPr sz="4400" dirty="0">
+                  <a:latin typeface="Helvetica"/>
+                  <a:sym typeface="Helvetica"/>
+                </a:endParaRPr>
+              </a:p>
+            </p:txBody>
+          </p:sp>
+          <p:grpSp>
+            <p:nvGrpSpPr>
+              <p:cNvPr id="177" name="Group 176">
+                <a:extLst>
+                  <a:ext uri="{FF2B5EF4-FFF2-40B4-BE49-F238E27FC236}">
+                    <a16:creationId xmlns:a16="http://schemas.microsoft.com/office/drawing/2014/main" id="{5E1DFB1D-F071-489C-8033-BF8295087442}"/>
+                  </a:ext>
+                </a:extLst>
+              </p:cNvPr>
+              <p:cNvGrpSpPr/>
+              <p:nvPr/>
+            </p:nvGrpSpPr>
+            <p:grpSpPr>
+              <a:xfrm>
+                <a:off x="3975022" y="271444"/>
+                <a:ext cx="3451992" cy="2392678"/>
+                <a:chOff x="16956655" y="2426608"/>
+                <a:chExt cx="6985058" cy="4606227"/>
+              </a:xfrm>
+            </p:grpSpPr>
+            <p:sp>
+              <p:nvSpPr>
+                <p:cNvPr id="178" name="Rounded Rectangle">
+                  <a:extLst>
+                    <a:ext uri="{FF2B5EF4-FFF2-40B4-BE49-F238E27FC236}">
+                      <a16:creationId xmlns:a16="http://schemas.microsoft.com/office/drawing/2014/main" id="{C6DAD7B7-5659-4744-B9E2-F77CBD3634D6}"/>
+                    </a:ext>
+                  </a:extLst>
+                </p:cNvPr>
+                <p:cNvSpPr/>
+                <p:nvPr/>
+              </p:nvSpPr>
+              <p:spPr>
+                <a:xfrm>
+                  <a:off x="17306857" y="2426608"/>
+                  <a:ext cx="6284655" cy="3626830"/>
+                </a:xfrm>
+                <a:prstGeom prst="roundRect">
+                  <a:avLst>
+                    <a:gd name="adj" fmla="val 9111"/>
+                  </a:avLst>
+                </a:prstGeom>
+                <a:solidFill>
+                  <a:srgbClr val="FFFFFF"/>
+                </a:solidFill>
+                <a:ln w="12700">
+                  <a:solidFill>
+                    <a:schemeClr val="bg1">
+                      <a:lumMod val="85000"/>
+                    </a:schemeClr>
+                  </a:solidFill>
+                  <a:miter lim="400000"/>
+                </a:ln>
+                <a:effectLst>
+                  <a:outerShdw blurRad="584200" dist="339259" dir="3173123" rotWithShape="0">
+                    <a:srgbClr val="000000">
+                      <a:alpha val="12982"/>
+                    </a:srgbClr>
+                  </a:outerShdw>
+                </a:effectLst>
+              </p:spPr>
+              <p:txBody>
+                <a:bodyPr lIns="76200" tIns="76200" rIns="76200" bIns="76200" anchor="b" anchorCtr="0"/>
+                <a:lstStyle/>
+                <a:p>
+                  <a:pPr marL="0" marR="0" lvl="0" indent="0" algn="ctr" defTabSz="819150" rtl="0" eaLnBrk="1" fontAlgn="auto" latinLnBrk="0" hangingPunct="0">
+                    <a:lnSpc>
+                      <a:spcPct val="100000"/>
+                    </a:lnSpc>
+                    <a:spcBef>
+                      <a:spcPts val="0"/>
+                    </a:spcBef>
+                    <a:spcAft>
+                      <a:spcPts val="0"/>
+                    </a:spcAft>
+                    <a:buClrTx/>
+                    <a:buSzTx/>
+                    <a:buFontTx/>
+                    <a:buNone/>
+                    <a:tabLst/>
+                    <a:defRPr>
+                      <a:latin typeface="Helvetica"/>
+                      <a:ea typeface="Helvetica"/>
+                      <a:cs typeface="Helvetica"/>
+                      <a:sym typeface="Helvetica"/>
+                    </a:defRPr>
+                  </a:pPr>
+                  <a:r>
+                    <a:rPr kumimoji="0" lang="en-CA" sz="2800" b="0" i="0" u="none" strike="noStrike" kern="0" cap="none" spc="0" normalizeH="0" baseline="0" noProof="0" dirty="0">
+                      <a:ln>
+                        <a:noFill/>
+                      </a:ln>
+                      <a:solidFill>
+                        <a:srgbClr val="000000"/>
+                      </a:solidFill>
+                      <a:effectLst/>
+                      <a:uLnTx/>
+                      <a:uFillTx/>
+                      <a:latin typeface="Open Sans" panose="020B0606030504020204" pitchFamily="34" charset="0"/>
+                      <a:ea typeface="Open Sans" panose="020B0606030504020204" pitchFamily="34" charset="0"/>
+                      <a:cs typeface="Open Sans" panose="020B0606030504020204" pitchFamily="34" charset="0"/>
+                      <a:sym typeface="Helvetica"/>
+                    </a:rPr>
+                    <a:t>      </a:t>
+                  </a:r>
+                  <a:r>
+                    <a:rPr kumimoji="0" lang="en-CA" sz="2800" b="0" i="0" u="none" strike="noStrike" kern="0" cap="none" spc="0" normalizeH="0" baseline="0" noProof="0" dirty="0">
+                      <a:ln>
+                        <a:noFill/>
+                      </a:ln>
+                      <a:solidFill>
+                        <a:schemeClr val="bg1">
+                          <a:lumMod val="50000"/>
+                        </a:schemeClr>
+                      </a:solidFill>
+                      <a:effectLst/>
+                      <a:uLnTx/>
+                      <a:uFillTx/>
+                      <a:latin typeface="Open Sans" panose="020B0606030504020204" pitchFamily="34" charset="0"/>
+                      <a:ea typeface="Open Sans" panose="020B0606030504020204" pitchFamily="34" charset="0"/>
+                      <a:cs typeface="Open Sans" panose="020B0606030504020204" pitchFamily="34" charset="0"/>
+                      <a:sym typeface="Helvetica"/>
+                    </a:rPr>
+                    <a:t>Dataflow</a:t>
+                  </a:r>
+                  <a:endParaRPr kumimoji="0" sz="2800" b="0" i="0" u="none" strike="noStrike" kern="0" cap="none" spc="0" normalizeH="0" baseline="0" noProof="0" dirty="0">
+                    <a:ln>
+                      <a:noFill/>
+                    </a:ln>
+                    <a:solidFill>
+                      <a:schemeClr val="bg1">
+                        <a:lumMod val="50000"/>
+                      </a:schemeClr>
+                    </a:solidFill>
+                    <a:effectLst/>
+                    <a:uLnTx/>
+                    <a:uFillTx/>
+                    <a:latin typeface="Open Sans" panose="020B0606030504020204" pitchFamily="34" charset="0"/>
+                    <a:ea typeface="Open Sans" panose="020B0606030504020204" pitchFamily="34" charset="0"/>
+                    <a:cs typeface="Open Sans" panose="020B0606030504020204" pitchFamily="34" charset="0"/>
+                    <a:sym typeface="Helvetica"/>
+                  </a:endParaRPr>
+                </a:p>
+              </p:txBody>
+            </p:sp>
+            <p:sp>
+              <p:nvSpPr>
+                <p:cNvPr id="185" name="Content Placeholder 2">
+                  <a:extLst>
+                    <a:ext uri="{FF2B5EF4-FFF2-40B4-BE49-F238E27FC236}">
+                      <a16:creationId xmlns:a16="http://schemas.microsoft.com/office/drawing/2014/main" id="{2E7EB90D-1393-4BD8-A824-B732FA154986}"/>
+                    </a:ext>
+                  </a:extLst>
+                </p:cNvPr>
+                <p:cNvSpPr txBox="1">
+                  <a:spLocks/>
+                </p:cNvSpPr>
+                <p:nvPr/>
+              </p:nvSpPr>
+              <p:spPr bwMode="auto">
+                <a:xfrm>
+                  <a:off x="16956655" y="2484134"/>
+                  <a:ext cx="6985058" cy="1084534"/>
+                </a:xfrm>
+                <a:prstGeom prst="rect">
+                  <a:avLst/>
+                </a:prstGeom>
+                <a:noFill/>
+                <a:ln w="9525">
+                  <a:noFill/>
+                  <a:miter lim="800000"/>
+                  <a:headEnd/>
+                  <a:tailEnd/>
+                </a:ln>
+              </p:spPr>
+              <p:txBody>
+                <a:bodyPr vert="horz" wrap="square" lIns="182880" tIns="91440" rIns="182880" bIns="91440" numCol="1" anchor="ctr" anchorCtr="0" compatLnSpc="1">
+                  <a:prstTxWarp prst="textNoShape">
+                    <a:avLst/>
+                  </a:prstTxWarp>
+                </a:bodyPr>
+                <a:lstStyle>
+                  <a:lvl1pPr marL="338138" indent="-338138" algn="l" rtl="0" eaLnBrk="0" fontAlgn="base" hangingPunct="0">
+                    <a:spcBef>
+                      <a:spcPts val="600"/>
+                    </a:spcBef>
+                    <a:spcAft>
+                      <a:spcPts val="600"/>
+                    </a:spcAft>
+                    <a:buClr>
+                      <a:srgbClr val="FF7900"/>
+                    </a:buClr>
+                    <a:buSzPct val="100000"/>
+                    <a:buFont typeface="Courier New" panose="02070309020205020404" pitchFamily="49" charset="0"/>
+                    <a:buChar char="o"/>
+                    <a:defRPr sz="2800" b="0">
+                      <a:solidFill>
+                        <a:schemeClr val="tx1">
+                          <a:lumMod val="85000"/>
+                          <a:lumOff val="15000"/>
+                        </a:schemeClr>
+                      </a:solidFill>
+                      <a:latin typeface="Calibri Light" panose="020F0302020204030204" pitchFamily="34" charset="0"/>
+                      <a:ea typeface="+mn-ea"/>
+                      <a:cs typeface="+mn-cs"/>
+                    </a:defRPr>
+                  </a:lvl1pPr>
+                  <a:lvl2pPr marL="688975" indent="-231775" algn="l" rtl="0" eaLnBrk="0" fontAlgn="base" hangingPunct="0">
+                    <a:spcBef>
+                      <a:spcPts val="0"/>
+                    </a:spcBef>
+                    <a:spcAft>
+                      <a:spcPts val="600"/>
+                    </a:spcAft>
+                    <a:buClr>
+                      <a:srgbClr val="0B3D91"/>
+                    </a:buClr>
+                    <a:buFont typeface="Calibri" panose="020F0502020204030204" pitchFamily="34" charset="0"/>
+                    <a:buChar char="‐"/>
+                    <a:defRPr sz="2400" b="0">
+                      <a:solidFill>
+                        <a:schemeClr val="tx1">
+                          <a:lumMod val="85000"/>
+                          <a:lumOff val="15000"/>
+                        </a:schemeClr>
+                      </a:solidFill>
+                      <a:latin typeface="Calibri Light" panose="020F0302020204030204" pitchFamily="34" charset="0"/>
+                      <a:ea typeface="ＭＳ Ｐゴシック" charset="-128"/>
+                    </a:defRPr>
+                  </a:lvl2pPr>
+                  <a:lvl3pPr marL="1027113" indent="-168275" algn="l" rtl="0" eaLnBrk="0" fontAlgn="base" hangingPunct="0">
+                    <a:spcBef>
+                      <a:spcPts val="0"/>
+                    </a:spcBef>
+                    <a:spcAft>
+                      <a:spcPts val="600"/>
+                    </a:spcAft>
+                    <a:buClr>
+                      <a:srgbClr val="4D4D4D"/>
+                    </a:buClr>
+                    <a:buSzPct val="80000"/>
+                    <a:buFont typeface="Calibri" panose="020F0502020204030204" pitchFamily="34" charset="0"/>
+                    <a:buChar char="‐"/>
+                    <a:defRPr sz="2000" b="0">
+                      <a:solidFill>
+                        <a:schemeClr val="tx1">
+                          <a:lumMod val="85000"/>
+                          <a:lumOff val="15000"/>
+                        </a:schemeClr>
+                      </a:solidFill>
+                      <a:latin typeface="Calibri Light" panose="020F0302020204030204" pitchFamily="34" charset="0"/>
+                      <a:ea typeface="ＭＳ Ｐゴシック" charset="-128"/>
+                    </a:defRPr>
+                  </a:lvl3pPr>
+                  <a:lvl4pPr marL="1600200" indent="-228600" algn="l" rtl="0" eaLnBrk="0" fontAlgn="base" hangingPunct="0">
+                    <a:spcBef>
+                      <a:spcPct val="0"/>
+                    </a:spcBef>
+                    <a:spcAft>
+                      <a:spcPct val="0"/>
+                    </a:spcAft>
+                    <a:buClr>
+                      <a:srgbClr val="C0C0C0"/>
+                    </a:buClr>
+                    <a:buSzPct val="60000"/>
+                    <a:defRPr sz="1800" b="0">
+                      <a:solidFill>
+                        <a:srgbClr val="000000"/>
+                      </a:solidFill>
+                      <a:latin typeface="Calibri Light" panose="020F0302020204030204" pitchFamily="34" charset="0"/>
+                      <a:ea typeface="ＭＳ Ｐゴシック" charset="-128"/>
+                    </a:defRPr>
+                  </a:lvl4pPr>
+                  <a:lvl5pPr marL="2057400" indent="-228600" algn="l" rtl="0" eaLnBrk="0" fontAlgn="base" hangingPunct="0">
+                    <a:spcBef>
+                      <a:spcPct val="20000"/>
+                    </a:spcBef>
+                    <a:spcAft>
+                      <a:spcPct val="0"/>
+                    </a:spcAft>
+                    <a:buClr>
+                      <a:srgbClr val="000000"/>
+                    </a:buClr>
+                    <a:buFont typeface="Wingdings" charset="2"/>
+                    <a:buChar char="n"/>
+                    <a:defRPr sz="2000">
+                      <a:solidFill>
+                        <a:schemeClr val="bg1"/>
+                      </a:solidFill>
+                      <a:effectLst>
+                        <a:outerShdw blurRad="38100" dist="38100" dir="2700000" algn="tl">
+                          <a:srgbClr val="C0C0C0"/>
+                        </a:outerShdw>
+                      </a:effectLst>
+                      <a:latin typeface="Verdana" pitchFamily="34" charset="0"/>
+                      <a:ea typeface="ＭＳ Ｐゴシック" charset="-128"/>
+                    </a:defRPr>
+                  </a:lvl5pPr>
+                  <a:lvl6pPr marL="2514600" indent="-228600" algn="l" rtl="0" fontAlgn="base">
+                    <a:spcBef>
+                      <a:spcPct val="20000"/>
+                    </a:spcBef>
+                    <a:spcAft>
+                      <a:spcPct val="0"/>
+                    </a:spcAft>
+                    <a:buClr>
+                      <a:srgbClr val="000000"/>
+                    </a:buClr>
+                    <a:buFont typeface="Wingdings" pitchFamily="2" charset="2"/>
+                    <a:buChar char="n"/>
+                    <a:defRPr sz="2000">
+                      <a:solidFill>
+                        <a:schemeClr val="bg1"/>
+                      </a:solidFill>
+                      <a:effectLst>
+                        <a:outerShdw blurRad="38100" dist="38100" dir="2700000" algn="tl">
+                          <a:srgbClr val="C0C0C0"/>
+                        </a:outerShdw>
+                      </a:effectLst>
+                      <a:latin typeface="Verdana" pitchFamily="34" charset="0"/>
+                    </a:defRPr>
+                  </a:lvl6pPr>
+                  <a:lvl7pPr marL="2971800" indent="-228600" algn="l" rtl="0" fontAlgn="base">
+                    <a:spcBef>
+                      <a:spcPct val="20000"/>
+                    </a:spcBef>
+                    <a:spcAft>
+                      <a:spcPct val="0"/>
+                    </a:spcAft>
+                    <a:buClr>
+                      <a:srgbClr val="000000"/>
+                    </a:buClr>
+                    <a:buFont typeface="Wingdings" pitchFamily="2" charset="2"/>
+                    <a:buChar char="n"/>
+                    <a:defRPr sz="2000">
+                      <a:solidFill>
+                        <a:schemeClr val="bg1"/>
+                      </a:solidFill>
+                      <a:effectLst>
+                        <a:outerShdw blurRad="38100" dist="38100" dir="2700000" algn="tl">
+                          <a:srgbClr val="C0C0C0"/>
+                        </a:outerShdw>
+                      </a:effectLst>
+                      <a:latin typeface="Verdana" pitchFamily="34" charset="0"/>
+                    </a:defRPr>
+                  </a:lvl7pPr>
+                  <a:lvl8pPr marL="3429000" indent="-228600" algn="l" rtl="0" fontAlgn="base">
+                    <a:spcBef>
+                      <a:spcPct val="20000"/>
+                    </a:spcBef>
+                    <a:spcAft>
+                      <a:spcPct val="0"/>
+                    </a:spcAft>
+                    <a:buClr>
+                      <a:srgbClr val="000000"/>
+                    </a:buClr>
+                    <a:buFont typeface="Wingdings" pitchFamily="2" charset="2"/>
+                    <a:buChar char="n"/>
+                    <a:defRPr sz="2000">
+                      <a:solidFill>
+                        <a:schemeClr val="bg1"/>
+                      </a:solidFill>
+                      <a:effectLst>
+                        <a:outerShdw blurRad="38100" dist="38100" dir="2700000" algn="tl">
+                          <a:srgbClr val="C0C0C0"/>
+                        </a:outerShdw>
+                      </a:effectLst>
+                      <a:latin typeface="Verdana" pitchFamily="34" charset="0"/>
+                    </a:defRPr>
+                  </a:lvl8pPr>
+                  <a:lvl9pPr marL="3886200" indent="-228600" algn="l" rtl="0" fontAlgn="base">
+                    <a:spcBef>
+                      <a:spcPct val="20000"/>
+                    </a:spcBef>
+                    <a:spcAft>
+                      <a:spcPct val="0"/>
+                    </a:spcAft>
+                    <a:buClr>
+                      <a:srgbClr val="000000"/>
+                    </a:buClr>
+                    <a:buFont typeface="Wingdings" pitchFamily="2" charset="2"/>
+                    <a:buChar char="n"/>
+                    <a:defRPr sz="2000">
+                      <a:solidFill>
+                        <a:schemeClr val="bg1"/>
+                      </a:solidFill>
+                      <a:effectLst>
+                        <a:outerShdw blurRad="38100" dist="38100" dir="2700000" algn="tl">
+                          <a:srgbClr val="C0C0C0"/>
+                        </a:outerShdw>
+                      </a:effectLst>
+                      <a:latin typeface="Verdana" pitchFamily="34" charset="0"/>
+                    </a:defRPr>
+                  </a:lvl9pPr>
+                </a:lstStyle>
+                <a:p>
+                  <a:pPr marL="0" indent="0" algn="ctr" defTabSz="1828800">
+                    <a:lnSpc>
+                      <a:spcPct val="80000"/>
+                    </a:lnSpc>
+                    <a:spcBef>
+                      <a:spcPts val="0"/>
+                    </a:spcBef>
+                    <a:spcAft>
+                      <a:spcPts val="1200"/>
+                    </a:spcAft>
+                    <a:buNone/>
+                    <a:defRPr/>
+                  </a:pPr>
+                  <a:r>
+                    <a:rPr lang="en-US" sz="3200" b="1" dirty="0">
+                      <a:solidFill>
+                        <a:schemeClr val="accent1"/>
+                      </a:solidFill>
+                      <a:latin typeface="Open Sans" panose="020B0606030504020204" pitchFamily="34" charset="0"/>
+                      <a:ea typeface="Open Sans" panose="020B0606030504020204" pitchFamily="34" charset="0"/>
+                      <a:cs typeface="Open Sans" panose="020B0606030504020204" pitchFamily="34" charset="0"/>
+                    </a:rPr>
+                    <a:t>Cloud Dataflow</a:t>
+                  </a:r>
+                </a:p>
+              </p:txBody>
+            </p:sp>
+            <p:cxnSp>
+              <p:nvCxnSpPr>
+                <p:cNvPr id="183" name="Straight Connector 182">
+                  <a:extLst>
+                    <a:ext uri="{FF2B5EF4-FFF2-40B4-BE49-F238E27FC236}">
+                      <a16:creationId xmlns:a16="http://schemas.microsoft.com/office/drawing/2014/main" id="{68504C98-DABE-4BCF-8B28-990E97B1AD17}"/>
+                    </a:ext>
+                  </a:extLst>
+                </p:cNvPr>
+                <p:cNvCxnSpPr>
+                  <a:cxnSpLocks/>
+                </p:cNvCxnSpPr>
+                <p:nvPr/>
+              </p:nvCxnSpPr>
+              <p:spPr>
+                <a:xfrm>
+                  <a:off x="17628678" y="4863467"/>
+                  <a:ext cx="5641014" cy="0"/>
+                </a:xfrm>
+                <a:prstGeom prst="line">
+                  <a:avLst/>
+                </a:prstGeom>
+                <a:noFill/>
+                <a:ln w="25400" cap="flat">
+                  <a:solidFill>
+                    <a:schemeClr val="tx1">
+                      <a:lumMod val="40000"/>
+                      <a:lumOff val="60000"/>
+                    </a:schemeClr>
+                  </a:solidFill>
+                  <a:prstDash val="dash"/>
+                  <a:miter lim="400000"/>
+                </a:ln>
+                <a:effectLst/>
+                <a:sp3d/>
+              </p:spPr>
+              <p:style>
+                <a:lnRef idx="0">
+                  <a:scrgbClr r="0" g="0" b="0"/>
+                </a:lnRef>
+                <a:fillRef idx="0">
+                  <a:scrgbClr r="0" g="0" b="0"/>
+                </a:fillRef>
+                <a:effectRef idx="0">
+                  <a:scrgbClr r="0" g="0" b="0"/>
+                </a:effectRef>
+                <a:fontRef idx="none"/>
+              </p:style>
+            </p:cxnSp>
+            <p:cxnSp>
+              <p:nvCxnSpPr>
+                <p:cNvPr id="184" name="Straight Arrow Connector 183">
+                  <a:extLst>
+                    <a:ext uri="{FF2B5EF4-FFF2-40B4-BE49-F238E27FC236}">
+                      <a16:creationId xmlns:a16="http://schemas.microsoft.com/office/drawing/2014/main" id="{263B9CBB-771F-4F87-8DDA-FF5298543590}"/>
+                    </a:ext>
+                  </a:extLst>
+                </p:cNvPr>
+                <p:cNvCxnSpPr>
+                  <a:cxnSpLocks/>
+                </p:cNvCxnSpPr>
+                <p:nvPr/>
+              </p:nvCxnSpPr>
+              <p:spPr>
+                <a:xfrm flipV="1">
+                  <a:off x="20537997" y="5933816"/>
+                  <a:ext cx="0" cy="1099019"/>
+                </a:xfrm>
+                <a:prstGeom prst="straightConnector1">
+                  <a:avLst/>
+                </a:prstGeom>
+                <a:noFill/>
+                <a:ln w="38100" cap="flat">
+                  <a:solidFill>
+                    <a:srgbClr val="000000"/>
+                  </a:solidFill>
+                  <a:prstDash val="solid"/>
+                  <a:miter lim="400000"/>
+                  <a:headEnd type="stealth" w="lg" len="lg"/>
+                  <a:tailEnd type="stealth" w="lg" len="lg"/>
+                </a:ln>
+                <a:effectLst/>
+                <a:sp3d/>
+              </p:spPr>
+              <p:style>
+                <a:lnRef idx="0">
+                  <a:scrgbClr r="0" g="0" b="0"/>
+                </a:lnRef>
+                <a:fillRef idx="0">
+                  <a:scrgbClr r="0" g="0" b="0"/>
+                </a:fillRef>
+                <a:effectRef idx="0">
+                  <a:scrgbClr r="0" g="0" b="0"/>
+                </a:effectRef>
+                <a:fontRef idx="none"/>
+              </p:style>
+            </p:cxnSp>
+          </p:grpSp>
+          <p:pic>
+            <p:nvPicPr>
+              <p:cNvPr id="189" name="Picture 188" descr="A close up of a sign&#10;&#10;Description automatically generated">
+                <a:extLst>
+                  <a:ext uri="{FF2B5EF4-FFF2-40B4-BE49-F238E27FC236}">
+                    <a16:creationId xmlns:a16="http://schemas.microsoft.com/office/drawing/2014/main" id="{14A06BC6-2A6C-48BC-BD54-A0F4F7C3F024}"/>
+                  </a:ext>
+                </a:extLst>
+              </p:cNvPr>
+              <p:cNvPicPr>
+                <a:picLocks noChangeAspect="1"/>
+              </p:cNvPicPr>
+              <p:nvPr/>
+            </p:nvPicPr>
+            <p:blipFill>
+              <a:blip r:embed="rId13">
+                <a:extLst>
+                  <a:ext uri="{28A0092B-C50C-407E-A947-70E740481C1C}">
+                    <a14:useLocalDpi xmlns:a14="http://schemas.microsoft.com/office/drawing/2010/main" val="0"/>
+                  </a:ext>
+                </a:extLst>
+              </a:blip>
+              <a:stretch>
+                <a:fillRect/>
+              </a:stretch>
+            </p:blipFill>
+            <p:spPr>
+              <a:xfrm>
+                <a:off x="4704736" y="1545596"/>
+                <a:ext cx="510450" cy="510450"/>
+              </a:xfrm>
+              <a:prstGeom prst="rect">
+                <a:avLst/>
+              </a:prstGeom>
+            </p:spPr>
+          </p:pic>
+          <p:pic>
+            <p:nvPicPr>
+              <p:cNvPr id="190" name="Picture 189" descr="A close up of a sign&#10;&#10;Description automatically generated">
+                <a:extLst>
+                  <a:ext uri="{FF2B5EF4-FFF2-40B4-BE49-F238E27FC236}">
+                    <a16:creationId xmlns:a16="http://schemas.microsoft.com/office/drawing/2014/main" id="{1AA1BD04-C467-47A2-BB91-7A248E1F13FA}"/>
+                  </a:ext>
+                </a:extLst>
+              </p:cNvPr>
+              <p:cNvPicPr>
+                <a:picLocks noChangeAspect="1"/>
+              </p:cNvPicPr>
+              <p:nvPr/>
+            </p:nvPicPr>
+            <p:blipFill>
+              <a:blip r:embed="rId14">
+                <a:extLst>
+                  <a:ext uri="{28A0092B-C50C-407E-A947-70E740481C1C}">
+                    <a14:useLocalDpi xmlns:a14="http://schemas.microsoft.com/office/drawing/2010/main" val="0"/>
+                  </a:ext>
+                </a:extLst>
+              </a:blip>
+              <a:stretch>
+                <a:fillRect/>
+              </a:stretch>
+            </p:blipFill>
+            <p:spPr>
+              <a:xfrm>
+                <a:off x="4481937" y="712624"/>
+                <a:ext cx="460907" cy="408664"/>
+              </a:xfrm>
+              <a:prstGeom prst="rect">
+                <a:avLst/>
+              </a:prstGeom>
+            </p:spPr>
+          </p:pic>
+          <p:sp>
+            <p:nvSpPr>
+              <p:cNvPr id="191" name="TextBox 190">
+                <a:extLst>
+                  <a:ext uri="{FF2B5EF4-FFF2-40B4-BE49-F238E27FC236}">
+                    <a16:creationId xmlns:a16="http://schemas.microsoft.com/office/drawing/2014/main" id="{C74181C0-7E39-4020-B96F-8CC86A322F3D}"/>
+                  </a:ext>
+                </a:extLst>
+              </p:cNvPr>
+              <p:cNvSpPr txBox="1"/>
+              <p:nvPr/>
+            </p:nvSpPr>
+            <p:spPr>
+              <a:xfrm>
+                <a:off x="4179816" y="1064843"/>
+                <a:ext cx="1049839" cy="369332"/>
+              </a:xfrm>
+              <a:prstGeom prst="rect">
+                <a:avLst/>
+              </a:prstGeom>
+              <a:noFill/>
+            </p:spPr>
+            <p:txBody>
+              <a:bodyPr wrap="none" rtlCol="0">
+                <a:spAutoFit/>
+              </a:bodyPr>
+              <a:lstStyle/>
+              <a:p>
+                <a:r>
+                  <a:rPr lang="en-CA" dirty="0" err="1"/>
+                  <a:t>BigQuery</a:t>
+                </a:r>
+                <a:endParaRPr lang="en-CA" dirty="0"/>
+              </a:p>
+            </p:txBody>
+          </p:sp>
+          <p:pic>
+            <p:nvPicPr>
+              <p:cNvPr id="192" name="Picture 7" descr="Image result for cloud bigtable icon">
+                <a:hlinkClick r:id="rId15"/>
+                <a:extLst>
+                  <a:ext uri="{FF2B5EF4-FFF2-40B4-BE49-F238E27FC236}">
+                    <a16:creationId xmlns:a16="http://schemas.microsoft.com/office/drawing/2014/main" id="{3CE07319-B286-4763-ABE7-C78F54FC39D2}"/>
+                  </a:ext>
+                </a:extLst>
+              </p:cNvPr>
+              <p:cNvPicPr>
+                <a:picLocks noChangeAspect="1" noChangeArrowheads="1"/>
+              </p:cNvPicPr>
+              <p:nvPr/>
+            </p:nvPicPr>
+            <p:blipFill>
+              <a:blip r:embed="rId16">
+                <a:extLst>
+                  <a:ext uri="{28A0092B-C50C-407E-A947-70E740481C1C}">
+                    <a14:useLocalDpi xmlns:a14="http://schemas.microsoft.com/office/drawing/2010/main" val="0"/>
+                  </a:ext>
+                </a:extLst>
+              </a:blip>
+              <a:srcRect/>
+              <a:stretch>
+                <a:fillRect/>
+              </a:stretch>
+            </p:blipFill>
+            <p:spPr bwMode="auto">
+              <a:xfrm>
+                <a:off x="5466867" y="712624"/>
+                <a:ext cx="479565" cy="408664"/>
+              </a:xfrm>
+              <a:prstGeom prst="rect">
+                <a:avLst/>
+              </a:prstGeom>
+              <a:noFill/>
+              <a:extLst>
+                <a:ext uri="{909E8E84-426E-40DD-AFC4-6F175D3DCCD1}">
+                  <a14:hiddenFill xmlns:a14="http://schemas.microsoft.com/office/drawing/2010/main">
+                    <a:solidFill>
+                      <a:srgbClr val="FFFFFF"/>
+                    </a:solidFill>
+                  </a14:hiddenFill>
+                </a:ext>
+              </a:extLst>
+            </p:spPr>
+          </p:pic>
+          <p:sp>
+            <p:nvSpPr>
+              <p:cNvPr id="193" name="TextBox 192">
+                <a:extLst>
+                  <a:ext uri="{FF2B5EF4-FFF2-40B4-BE49-F238E27FC236}">
+                    <a16:creationId xmlns:a16="http://schemas.microsoft.com/office/drawing/2014/main" id="{CA731BBC-6A1F-4F45-9D0A-327D563B1D11}"/>
+                  </a:ext>
+                </a:extLst>
+              </p:cNvPr>
+              <p:cNvSpPr txBox="1"/>
+              <p:nvPr/>
+            </p:nvSpPr>
+            <p:spPr>
+              <a:xfrm>
+                <a:off x="5230526" y="1079109"/>
+                <a:ext cx="966547" cy="369332"/>
+              </a:xfrm>
+              <a:prstGeom prst="rect">
+                <a:avLst/>
+              </a:prstGeom>
+              <a:noFill/>
+            </p:spPr>
+            <p:txBody>
+              <a:bodyPr wrap="none" rtlCol="0">
+                <a:spAutoFit/>
+              </a:bodyPr>
+              <a:lstStyle/>
+              <a:p>
+                <a:r>
+                  <a:rPr lang="en-CA" dirty="0" err="1"/>
+                  <a:t>BigTable</a:t>
+                </a:r>
+                <a:endParaRPr lang="en-CA" dirty="0"/>
+              </a:p>
+            </p:txBody>
+          </p:sp>
+          <p:pic>
+            <p:nvPicPr>
+              <p:cNvPr id="194" name="Picture 193" descr="A close up of a sign&#10;&#10;Description automatically generated">
+                <a:extLst>
+                  <a:ext uri="{FF2B5EF4-FFF2-40B4-BE49-F238E27FC236}">
+                    <a16:creationId xmlns:a16="http://schemas.microsoft.com/office/drawing/2014/main" id="{FF012691-DD89-4BC8-ADE0-DE8E506D31BD}"/>
+                  </a:ext>
+                </a:extLst>
+              </p:cNvPr>
+              <p:cNvPicPr>
+                <a:picLocks noChangeAspect="1"/>
+              </p:cNvPicPr>
+              <p:nvPr/>
+            </p:nvPicPr>
+            <p:blipFill>
+              <a:blip r:embed="rId17">
+                <a:extLst>
+                  <a:ext uri="{28A0092B-C50C-407E-A947-70E740481C1C}">
+                    <a14:useLocalDpi xmlns:a14="http://schemas.microsoft.com/office/drawing/2010/main" val="0"/>
+                  </a:ext>
+                </a:extLst>
+              </a:blip>
+              <a:stretch>
+                <a:fillRect/>
+              </a:stretch>
+            </p:blipFill>
+            <p:spPr>
+              <a:xfrm flipH="1">
+                <a:off x="6262965" y="708306"/>
+                <a:ext cx="475728" cy="475728"/>
+              </a:xfrm>
+              <a:prstGeom prst="rect">
+                <a:avLst/>
+              </a:prstGeom>
+            </p:spPr>
+          </p:pic>
+          <p:sp>
+            <p:nvSpPr>
+              <p:cNvPr id="195" name="TextBox 194">
+                <a:extLst>
+                  <a:ext uri="{FF2B5EF4-FFF2-40B4-BE49-F238E27FC236}">
+                    <a16:creationId xmlns:a16="http://schemas.microsoft.com/office/drawing/2014/main" id="{F0AEFBD2-98FC-4D28-AD39-EC81121DBD55}"/>
+                  </a:ext>
+                </a:extLst>
+              </p:cNvPr>
+              <p:cNvSpPr txBox="1"/>
+              <p:nvPr/>
+            </p:nvSpPr>
+            <p:spPr>
+              <a:xfrm>
+                <a:off x="6287344" y="1112836"/>
+                <a:ext cx="479618" cy="369332"/>
+              </a:xfrm>
+              <a:prstGeom prst="rect">
+                <a:avLst/>
+              </a:prstGeom>
+              <a:noFill/>
+            </p:spPr>
+            <p:txBody>
+              <a:bodyPr wrap="none" rtlCol="0">
+                <a:spAutoFit/>
+              </a:bodyPr>
+              <a:lstStyle/>
+              <a:p>
+                <a:r>
+                  <a:rPr lang="en-CA" dirty="0"/>
+                  <a:t>ML</a:t>
+                </a:r>
+              </a:p>
+            </p:txBody>
+          </p:sp>
+          <p:grpSp>
+            <p:nvGrpSpPr>
+              <p:cNvPr id="198" name="Group 197">
+                <a:extLst>
+                  <a:ext uri="{FF2B5EF4-FFF2-40B4-BE49-F238E27FC236}">
+                    <a16:creationId xmlns:a16="http://schemas.microsoft.com/office/drawing/2014/main" id="{98850754-5991-4B57-8ACA-EC9F1D87D0D0}"/>
+                  </a:ext>
+                </a:extLst>
+              </p:cNvPr>
+              <p:cNvGrpSpPr/>
+              <p:nvPr/>
+            </p:nvGrpSpPr>
+            <p:grpSpPr>
+              <a:xfrm>
+                <a:off x="97680" y="259230"/>
+                <a:ext cx="3451992" cy="2354970"/>
+                <a:chOff x="16956655" y="2407476"/>
+                <a:chExt cx="6985058" cy="4533634"/>
+              </a:xfrm>
+            </p:grpSpPr>
+            <p:sp>
+              <p:nvSpPr>
+                <p:cNvPr id="199" name="Rounded Rectangle">
+                  <a:extLst>
+                    <a:ext uri="{FF2B5EF4-FFF2-40B4-BE49-F238E27FC236}">
+                      <a16:creationId xmlns:a16="http://schemas.microsoft.com/office/drawing/2014/main" id="{C6E25398-72E6-40D4-9E25-21FB7FC2DEE3}"/>
+                    </a:ext>
+                  </a:extLst>
+                </p:cNvPr>
+                <p:cNvSpPr/>
+                <p:nvPr/>
+              </p:nvSpPr>
+              <p:spPr>
+                <a:xfrm>
+                  <a:off x="17510556" y="2407476"/>
+                  <a:ext cx="6284655" cy="3626830"/>
+                </a:xfrm>
+                <a:prstGeom prst="roundRect">
+                  <a:avLst>
+                    <a:gd name="adj" fmla="val 9111"/>
+                  </a:avLst>
+                </a:prstGeom>
+                <a:solidFill>
+                  <a:srgbClr val="FFFFFF"/>
+                </a:solidFill>
+                <a:ln w="12700">
+                  <a:solidFill>
+                    <a:schemeClr val="bg1">
+                      <a:lumMod val="85000"/>
+                    </a:schemeClr>
+                  </a:solidFill>
+                  <a:miter lim="400000"/>
+                </a:ln>
+                <a:effectLst>
+                  <a:outerShdw blurRad="584200" dist="339259" dir="3173123" rotWithShape="0">
+                    <a:srgbClr val="000000">
+                      <a:alpha val="12982"/>
+                    </a:srgbClr>
+                  </a:outerShdw>
+                </a:effectLst>
+              </p:spPr>
+              <p:txBody>
+                <a:bodyPr lIns="76200" tIns="76200" rIns="76200" bIns="76200" anchor="b" anchorCtr="0"/>
+                <a:lstStyle/>
+                <a:p>
+                  <a:pPr marL="0" marR="0" lvl="0" indent="0" algn="ctr" defTabSz="819150" rtl="0" eaLnBrk="1" fontAlgn="auto" latinLnBrk="0" hangingPunct="0">
+                    <a:lnSpc>
+                      <a:spcPct val="100000"/>
+                    </a:lnSpc>
+                    <a:spcBef>
+                      <a:spcPts val="0"/>
+                    </a:spcBef>
+                    <a:spcAft>
+                      <a:spcPts val="0"/>
+                    </a:spcAft>
+                    <a:buClrTx/>
+                    <a:buSzTx/>
+                    <a:buFontTx/>
+                    <a:buNone/>
+                    <a:tabLst/>
+                    <a:defRPr>
+                      <a:latin typeface="Helvetica"/>
+                      <a:ea typeface="Helvetica"/>
+                      <a:cs typeface="Helvetica"/>
+                      <a:sym typeface="Helvetica"/>
+                    </a:defRPr>
+                  </a:pPr>
+                  <a:r>
+                    <a:rPr kumimoji="0" lang="en-CA" sz="2800" b="0" i="0" u="none" strike="noStrike" kern="0" cap="none" spc="0" normalizeH="0" baseline="0" noProof="0" dirty="0">
+                      <a:ln>
+                        <a:noFill/>
+                      </a:ln>
+                      <a:solidFill>
+                        <a:srgbClr val="000000"/>
+                      </a:solidFill>
+                      <a:effectLst/>
+                      <a:uLnTx/>
+                      <a:uFillTx/>
+                      <a:latin typeface="Open Sans" panose="020B0606030504020204" pitchFamily="34" charset="0"/>
+                      <a:ea typeface="Open Sans" panose="020B0606030504020204" pitchFamily="34" charset="0"/>
+                      <a:cs typeface="Open Sans" panose="020B0606030504020204" pitchFamily="34" charset="0"/>
+                      <a:sym typeface="Helvetica"/>
+                    </a:rPr>
+                    <a:t>      </a:t>
+                  </a:r>
+                  <a:r>
+                    <a:rPr kumimoji="0" lang="en-CA" sz="2800" b="0" i="0" u="none" strike="noStrike" kern="0" cap="none" spc="0" normalizeH="0" baseline="0" noProof="0" dirty="0">
+                      <a:ln>
+                        <a:noFill/>
+                      </a:ln>
+                      <a:solidFill>
+                        <a:schemeClr val="bg1">
+                          <a:lumMod val="50000"/>
+                        </a:schemeClr>
+                      </a:solidFill>
+                      <a:effectLst/>
+                      <a:uLnTx/>
+                      <a:uFillTx/>
+                      <a:latin typeface="Open Sans" panose="020B0606030504020204" pitchFamily="34" charset="0"/>
+                      <a:ea typeface="Open Sans" panose="020B0606030504020204" pitchFamily="34" charset="0"/>
+                      <a:cs typeface="Open Sans" panose="020B0606030504020204" pitchFamily="34" charset="0"/>
+                      <a:sym typeface="Helvetica"/>
+                    </a:rPr>
+                    <a:t>Beam</a:t>
+                  </a:r>
+                  <a:endParaRPr kumimoji="0" sz="2800" b="0" i="0" u="none" strike="noStrike" kern="0" cap="none" spc="0" normalizeH="0" baseline="0" noProof="0" dirty="0">
+                    <a:ln>
+                      <a:noFill/>
+                    </a:ln>
+                    <a:solidFill>
+                      <a:schemeClr val="bg1">
+                        <a:lumMod val="50000"/>
+                      </a:schemeClr>
+                    </a:solidFill>
+                    <a:effectLst/>
+                    <a:uLnTx/>
+                    <a:uFillTx/>
+                    <a:latin typeface="Open Sans" panose="020B0606030504020204" pitchFamily="34" charset="0"/>
+                    <a:ea typeface="Open Sans" panose="020B0606030504020204" pitchFamily="34" charset="0"/>
+                    <a:cs typeface="Open Sans" panose="020B0606030504020204" pitchFamily="34" charset="0"/>
+                    <a:sym typeface="Helvetica"/>
+                  </a:endParaRPr>
+                </a:p>
+              </p:txBody>
+            </p:sp>
+            <p:sp>
+              <p:nvSpPr>
+                <p:cNvPr id="200" name="Content Placeholder 2">
+                  <a:extLst>
+                    <a:ext uri="{FF2B5EF4-FFF2-40B4-BE49-F238E27FC236}">
+                      <a16:creationId xmlns:a16="http://schemas.microsoft.com/office/drawing/2014/main" id="{C5362005-21B3-4CF2-B5CB-C9A24D8882A6}"/>
+                    </a:ext>
+                  </a:extLst>
+                </p:cNvPr>
+                <p:cNvSpPr txBox="1">
+                  <a:spLocks/>
+                </p:cNvSpPr>
+                <p:nvPr/>
+              </p:nvSpPr>
+              <p:spPr bwMode="auto">
+                <a:xfrm>
+                  <a:off x="16956655" y="2484134"/>
+                  <a:ext cx="6985058" cy="1084534"/>
+                </a:xfrm>
+                <a:prstGeom prst="rect">
+                  <a:avLst/>
+                </a:prstGeom>
+                <a:noFill/>
+                <a:ln w="9525">
+                  <a:noFill/>
+                  <a:miter lim="800000"/>
+                  <a:headEnd/>
+                  <a:tailEnd/>
+                </a:ln>
+              </p:spPr>
+              <p:txBody>
+                <a:bodyPr vert="horz" wrap="square" lIns="182880" tIns="91440" rIns="182880" bIns="91440" numCol="1" anchor="ctr" anchorCtr="0" compatLnSpc="1">
+                  <a:prstTxWarp prst="textNoShape">
+                    <a:avLst/>
+                  </a:prstTxWarp>
+                </a:bodyPr>
+                <a:lstStyle>
+                  <a:lvl1pPr marL="338138" indent="-338138" algn="l" rtl="0" eaLnBrk="0" fontAlgn="base" hangingPunct="0">
+                    <a:spcBef>
+                      <a:spcPts val="600"/>
+                    </a:spcBef>
+                    <a:spcAft>
+                      <a:spcPts val="600"/>
+                    </a:spcAft>
+                    <a:buClr>
+                      <a:srgbClr val="FF7900"/>
+                    </a:buClr>
+                    <a:buSzPct val="100000"/>
+                    <a:buFont typeface="Courier New" panose="02070309020205020404" pitchFamily="49" charset="0"/>
+                    <a:buChar char="o"/>
+                    <a:defRPr sz="2800" b="0">
+                      <a:solidFill>
+                        <a:schemeClr val="tx1">
+                          <a:lumMod val="85000"/>
+                          <a:lumOff val="15000"/>
+                        </a:schemeClr>
+                      </a:solidFill>
+                      <a:latin typeface="Calibri Light" panose="020F0302020204030204" pitchFamily="34" charset="0"/>
+                      <a:ea typeface="+mn-ea"/>
+                      <a:cs typeface="+mn-cs"/>
+                    </a:defRPr>
+                  </a:lvl1pPr>
+                  <a:lvl2pPr marL="688975" indent="-231775" algn="l" rtl="0" eaLnBrk="0" fontAlgn="base" hangingPunct="0">
+                    <a:spcBef>
+                      <a:spcPts val="0"/>
+                    </a:spcBef>
+                    <a:spcAft>
+                      <a:spcPts val="600"/>
+                    </a:spcAft>
+                    <a:buClr>
+                      <a:srgbClr val="0B3D91"/>
+                    </a:buClr>
+                    <a:buFont typeface="Calibri" panose="020F0502020204030204" pitchFamily="34" charset="0"/>
+                    <a:buChar char="‐"/>
+                    <a:defRPr sz="2400" b="0">
+                      <a:solidFill>
+                        <a:schemeClr val="tx1">
+                          <a:lumMod val="85000"/>
+                          <a:lumOff val="15000"/>
+                        </a:schemeClr>
+                      </a:solidFill>
+                      <a:latin typeface="Calibri Light" panose="020F0302020204030204" pitchFamily="34" charset="0"/>
+                      <a:ea typeface="ＭＳ Ｐゴシック" charset="-128"/>
+                    </a:defRPr>
+                  </a:lvl2pPr>
+                  <a:lvl3pPr marL="1027113" indent="-168275" algn="l" rtl="0" eaLnBrk="0" fontAlgn="base" hangingPunct="0">
+                    <a:spcBef>
+                      <a:spcPts val="0"/>
+                    </a:spcBef>
+                    <a:spcAft>
+                      <a:spcPts val="600"/>
+                    </a:spcAft>
+                    <a:buClr>
+                      <a:srgbClr val="4D4D4D"/>
+                    </a:buClr>
+                    <a:buSzPct val="80000"/>
+                    <a:buFont typeface="Calibri" panose="020F0502020204030204" pitchFamily="34" charset="0"/>
+                    <a:buChar char="‐"/>
+                    <a:defRPr sz="2000" b="0">
+                      <a:solidFill>
+                        <a:schemeClr val="tx1">
+                          <a:lumMod val="85000"/>
+                          <a:lumOff val="15000"/>
+                        </a:schemeClr>
+                      </a:solidFill>
+                      <a:latin typeface="Calibri Light" panose="020F0302020204030204" pitchFamily="34" charset="0"/>
+                      <a:ea typeface="ＭＳ Ｐゴシック" charset="-128"/>
+                    </a:defRPr>
+                  </a:lvl3pPr>
+                  <a:lvl4pPr marL="1600200" indent="-228600" algn="l" rtl="0" eaLnBrk="0" fontAlgn="base" hangingPunct="0">
+                    <a:spcBef>
+                      <a:spcPct val="0"/>
+                    </a:spcBef>
+                    <a:spcAft>
+                      <a:spcPct val="0"/>
+                    </a:spcAft>
+                    <a:buClr>
+                      <a:srgbClr val="C0C0C0"/>
+                    </a:buClr>
+                    <a:buSzPct val="60000"/>
+                    <a:defRPr sz="1800" b="0">
+                      <a:solidFill>
+                        <a:srgbClr val="000000"/>
+                      </a:solidFill>
+                      <a:latin typeface="Calibri Light" panose="020F0302020204030204" pitchFamily="34" charset="0"/>
+                      <a:ea typeface="ＭＳ Ｐゴシック" charset="-128"/>
+                    </a:defRPr>
+                  </a:lvl4pPr>
+                  <a:lvl5pPr marL="2057400" indent="-228600" algn="l" rtl="0" eaLnBrk="0" fontAlgn="base" hangingPunct="0">
+                    <a:spcBef>
+                      <a:spcPct val="20000"/>
+                    </a:spcBef>
+                    <a:spcAft>
+                      <a:spcPct val="0"/>
+                    </a:spcAft>
+                    <a:buClr>
+                      <a:srgbClr val="000000"/>
+                    </a:buClr>
+                    <a:buFont typeface="Wingdings" charset="2"/>
+                    <a:buChar char="n"/>
+                    <a:defRPr sz="2000">
+                      <a:solidFill>
+                        <a:schemeClr val="bg1"/>
+                      </a:solidFill>
+                      <a:effectLst>
+                        <a:outerShdw blurRad="38100" dist="38100" dir="2700000" algn="tl">
+                          <a:srgbClr val="C0C0C0"/>
+                        </a:outerShdw>
+                      </a:effectLst>
+                      <a:latin typeface="Verdana" pitchFamily="34" charset="0"/>
+                      <a:ea typeface="ＭＳ Ｐゴシック" charset="-128"/>
+                    </a:defRPr>
+                  </a:lvl5pPr>
+                  <a:lvl6pPr marL="2514600" indent="-228600" algn="l" rtl="0" fontAlgn="base">
+                    <a:spcBef>
+                      <a:spcPct val="20000"/>
+                    </a:spcBef>
+                    <a:spcAft>
+                      <a:spcPct val="0"/>
+                    </a:spcAft>
+                    <a:buClr>
+                      <a:srgbClr val="000000"/>
+                    </a:buClr>
+                    <a:buFont typeface="Wingdings" pitchFamily="2" charset="2"/>
+                    <a:buChar char="n"/>
+                    <a:defRPr sz="2000">
+                      <a:solidFill>
+                        <a:schemeClr val="bg1"/>
+                      </a:solidFill>
+                      <a:effectLst>
+                        <a:outerShdw blurRad="38100" dist="38100" dir="2700000" algn="tl">
+                          <a:srgbClr val="C0C0C0"/>
+                        </a:outerShdw>
+                      </a:effectLst>
+                      <a:latin typeface="Verdana" pitchFamily="34" charset="0"/>
+                    </a:defRPr>
+                  </a:lvl6pPr>
+                  <a:lvl7pPr marL="2971800" indent="-228600" algn="l" rtl="0" fontAlgn="base">
+                    <a:spcBef>
+                      <a:spcPct val="20000"/>
+                    </a:spcBef>
+                    <a:spcAft>
+                      <a:spcPct val="0"/>
+                    </a:spcAft>
+                    <a:buClr>
+                      <a:srgbClr val="000000"/>
+                    </a:buClr>
+                    <a:buFont typeface="Wingdings" pitchFamily="2" charset="2"/>
+                    <a:buChar char="n"/>
+                    <a:defRPr sz="2000">
+                      <a:solidFill>
+                        <a:schemeClr val="bg1"/>
+                      </a:solidFill>
+                      <a:effectLst>
+                        <a:outerShdw blurRad="38100" dist="38100" dir="2700000" algn="tl">
+                          <a:srgbClr val="C0C0C0"/>
+                        </a:outerShdw>
+                      </a:effectLst>
+                      <a:latin typeface="Verdana" pitchFamily="34" charset="0"/>
+                    </a:defRPr>
+                  </a:lvl7pPr>
+                  <a:lvl8pPr marL="3429000" indent="-228600" algn="l" rtl="0" fontAlgn="base">
+                    <a:spcBef>
+                      <a:spcPct val="20000"/>
+                    </a:spcBef>
+                    <a:spcAft>
+                      <a:spcPct val="0"/>
+                    </a:spcAft>
+                    <a:buClr>
+                      <a:srgbClr val="000000"/>
+                    </a:buClr>
+                    <a:buFont typeface="Wingdings" pitchFamily="2" charset="2"/>
+                    <a:buChar char="n"/>
+                    <a:defRPr sz="2000">
+                      <a:solidFill>
+                        <a:schemeClr val="bg1"/>
+                      </a:solidFill>
+                      <a:effectLst>
+                        <a:outerShdw blurRad="38100" dist="38100" dir="2700000" algn="tl">
+                          <a:srgbClr val="C0C0C0"/>
+                        </a:outerShdw>
+                      </a:effectLst>
+                      <a:latin typeface="Verdana" pitchFamily="34" charset="0"/>
+                    </a:defRPr>
+                  </a:lvl8pPr>
+                  <a:lvl9pPr marL="3886200" indent="-228600" algn="l" rtl="0" fontAlgn="base">
+                    <a:spcBef>
+                      <a:spcPct val="20000"/>
+                    </a:spcBef>
+                    <a:spcAft>
+                      <a:spcPct val="0"/>
+                    </a:spcAft>
+                    <a:buClr>
+                      <a:srgbClr val="000000"/>
+                    </a:buClr>
+                    <a:buFont typeface="Wingdings" pitchFamily="2" charset="2"/>
+                    <a:buChar char="n"/>
+                    <a:defRPr sz="2000">
+                      <a:solidFill>
+                        <a:schemeClr val="bg1"/>
+                      </a:solidFill>
+                      <a:effectLst>
+                        <a:outerShdw blurRad="38100" dist="38100" dir="2700000" algn="tl">
+                          <a:srgbClr val="C0C0C0"/>
+                        </a:outerShdw>
+                      </a:effectLst>
+                      <a:latin typeface="Verdana" pitchFamily="34" charset="0"/>
+                    </a:defRPr>
+                  </a:lvl9pPr>
+                </a:lstStyle>
+                <a:p>
+                  <a:pPr marL="0" indent="0" algn="ctr" defTabSz="1828800">
+                    <a:lnSpc>
+                      <a:spcPct val="80000"/>
+                    </a:lnSpc>
+                    <a:spcBef>
+                      <a:spcPts val="0"/>
+                    </a:spcBef>
+                    <a:spcAft>
+                      <a:spcPts val="1200"/>
+                    </a:spcAft>
+                    <a:buNone/>
+                    <a:defRPr/>
+                  </a:pPr>
+                  <a:r>
+                    <a:rPr lang="en-US" sz="3200" b="1" dirty="0">
+                      <a:solidFill>
+                        <a:schemeClr val="accent1"/>
+                      </a:solidFill>
+                      <a:latin typeface="Open Sans" panose="020B0606030504020204" pitchFamily="34" charset="0"/>
+                      <a:ea typeface="Open Sans" panose="020B0606030504020204" pitchFamily="34" charset="0"/>
+                      <a:cs typeface="Open Sans" panose="020B0606030504020204" pitchFamily="34" charset="0"/>
+                    </a:rPr>
+                    <a:t>Apache Beam</a:t>
+                  </a:r>
+                </a:p>
+              </p:txBody>
+            </p:sp>
+            <p:cxnSp>
+              <p:nvCxnSpPr>
+                <p:cNvPr id="201" name="Straight Connector 200">
+                  <a:extLst>
+                    <a:ext uri="{FF2B5EF4-FFF2-40B4-BE49-F238E27FC236}">
+                      <a16:creationId xmlns:a16="http://schemas.microsoft.com/office/drawing/2014/main" id="{4563564E-D1BA-4C9C-9983-86CDD2E6665E}"/>
+                    </a:ext>
+                  </a:extLst>
+                </p:cNvPr>
+                <p:cNvCxnSpPr>
+                  <a:cxnSpLocks/>
+                </p:cNvCxnSpPr>
+                <p:nvPr/>
+              </p:nvCxnSpPr>
+              <p:spPr>
+                <a:xfrm>
+                  <a:off x="17628678" y="4863467"/>
+                  <a:ext cx="5641014" cy="0"/>
+                </a:xfrm>
+                <a:prstGeom prst="line">
+                  <a:avLst/>
+                </a:prstGeom>
+                <a:noFill/>
+                <a:ln w="25400" cap="flat">
+                  <a:solidFill>
+                    <a:schemeClr val="tx1">
+                      <a:lumMod val="40000"/>
+                      <a:lumOff val="60000"/>
+                    </a:schemeClr>
+                  </a:solidFill>
+                  <a:prstDash val="dash"/>
+                  <a:miter lim="400000"/>
+                </a:ln>
+                <a:effectLst/>
+                <a:sp3d/>
+              </p:spPr>
+              <p:style>
+                <a:lnRef idx="0">
+                  <a:scrgbClr r="0" g="0" b="0"/>
+                </a:lnRef>
+                <a:fillRef idx="0">
+                  <a:scrgbClr r="0" g="0" b="0"/>
+                </a:fillRef>
+                <a:effectRef idx="0">
+                  <a:scrgbClr r="0" g="0" b="0"/>
+                </a:effectRef>
+                <a:fontRef idx="none"/>
+              </p:style>
+            </p:cxnSp>
+            <p:cxnSp>
+              <p:nvCxnSpPr>
+                <p:cNvPr id="202" name="Straight Arrow Connector 201">
+                  <a:extLst>
+                    <a:ext uri="{FF2B5EF4-FFF2-40B4-BE49-F238E27FC236}">
+                      <a16:creationId xmlns:a16="http://schemas.microsoft.com/office/drawing/2014/main" id="{FEE82974-C5F0-43C9-BC1D-3D9E8C84374D}"/>
+                    </a:ext>
+                  </a:extLst>
+                </p:cNvPr>
+                <p:cNvCxnSpPr>
+                  <a:cxnSpLocks/>
+                  <a:endCxn id="199" idx="2"/>
+                </p:cNvCxnSpPr>
+                <p:nvPr/>
+              </p:nvCxnSpPr>
+              <p:spPr>
+                <a:xfrm flipH="1" flipV="1">
+                  <a:off x="20652884" y="6034306"/>
+                  <a:ext cx="1833400" cy="906804"/>
+                </a:xfrm>
+                <a:prstGeom prst="straightConnector1">
+                  <a:avLst/>
+                </a:prstGeom>
+                <a:noFill/>
+                <a:ln w="38100" cap="flat">
+                  <a:solidFill>
+                    <a:srgbClr val="000000"/>
+                  </a:solidFill>
+                  <a:prstDash val="solid"/>
+                  <a:miter lim="400000"/>
+                  <a:headEnd type="stealth" w="lg" len="lg"/>
+                  <a:tailEnd type="stealth" w="lg" len="lg"/>
+                </a:ln>
+                <a:effectLst/>
+                <a:sp3d/>
+              </p:spPr>
+              <p:style>
+                <a:lnRef idx="0">
+                  <a:scrgbClr r="0" g="0" b="0"/>
+                </a:lnRef>
+                <a:fillRef idx="0">
+                  <a:scrgbClr r="0" g="0" b="0"/>
+                </a:fillRef>
+                <a:effectRef idx="0">
+                  <a:scrgbClr r="0" g="0" b="0"/>
+                </a:effectRef>
+                <a:fontRef idx="none"/>
+              </p:style>
+            </p:cxnSp>
+          </p:grpSp>
+          <p:sp>
+            <p:nvSpPr>
+              <p:cNvPr id="205" name="TextBox 204">
+                <a:extLst>
+                  <a:ext uri="{FF2B5EF4-FFF2-40B4-BE49-F238E27FC236}">
+                    <a16:creationId xmlns:a16="http://schemas.microsoft.com/office/drawing/2014/main" id="{08522723-7647-4E94-BDD5-4C5DCED816A0}"/>
+                  </a:ext>
+                </a:extLst>
+              </p:cNvPr>
+              <p:cNvSpPr txBox="1"/>
+              <p:nvPr/>
+            </p:nvSpPr>
+            <p:spPr>
+              <a:xfrm>
+                <a:off x="291645" y="1092873"/>
+                <a:ext cx="1138517" cy="369332"/>
+              </a:xfrm>
+              <a:prstGeom prst="rect">
+                <a:avLst/>
+              </a:prstGeom>
+              <a:noFill/>
+            </p:spPr>
+            <p:txBody>
+              <a:bodyPr wrap="none" rtlCol="0">
+                <a:spAutoFit/>
+              </a:bodyPr>
+              <a:lstStyle/>
+              <a:p>
+                <a:r>
+                  <a:rPr lang="en-CA" dirty="0"/>
+                  <a:t>Cassandra</a:t>
+                </a:r>
+              </a:p>
+            </p:txBody>
+          </p:sp>
+          <p:sp>
+            <p:nvSpPr>
+              <p:cNvPr id="207" name="TextBox 206">
+                <a:extLst>
+                  <a:ext uri="{FF2B5EF4-FFF2-40B4-BE49-F238E27FC236}">
+                    <a16:creationId xmlns:a16="http://schemas.microsoft.com/office/drawing/2014/main" id="{8C8E0465-C8F3-459A-BDA5-DCA11A1E6ABB}"/>
+                  </a:ext>
+                </a:extLst>
+              </p:cNvPr>
+              <p:cNvSpPr txBox="1"/>
+              <p:nvPr/>
+            </p:nvSpPr>
+            <p:spPr>
+              <a:xfrm>
+                <a:off x="1451058" y="1119767"/>
+                <a:ext cx="685572" cy="369332"/>
+              </a:xfrm>
+              <a:prstGeom prst="rect">
+                <a:avLst/>
+              </a:prstGeom>
+              <a:noFill/>
+            </p:spPr>
+            <p:txBody>
+              <a:bodyPr wrap="none" rtlCol="0">
+                <a:spAutoFit/>
+              </a:bodyPr>
+              <a:lstStyle/>
+              <a:p>
+                <a:r>
+                  <a:rPr lang="en-CA" dirty="0"/>
+                  <a:t>Redis</a:t>
+                </a:r>
+              </a:p>
+            </p:txBody>
+          </p:sp>
+          <p:sp>
+            <p:nvSpPr>
+              <p:cNvPr id="209" name="TextBox 208">
+                <a:extLst>
+                  <a:ext uri="{FF2B5EF4-FFF2-40B4-BE49-F238E27FC236}">
+                    <a16:creationId xmlns:a16="http://schemas.microsoft.com/office/drawing/2014/main" id="{CEF28E8B-2C20-4BBE-AFA8-2AE1F7B95083}"/>
+                  </a:ext>
+                </a:extLst>
+              </p:cNvPr>
+              <p:cNvSpPr txBox="1"/>
+              <p:nvPr/>
+            </p:nvSpPr>
+            <p:spPr>
+              <a:xfrm>
+                <a:off x="2243532" y="1109420"/>
+                <a:ext cx="1122423" cy="369332"/>
+              </a:xfrm>
+              <a:prstGeom prst="rect">
+                <a:avLst/>
+              </a:prstGeom>
+              <a:noFill/>
+            </p:spPr>
+            <p:txBody>
+              <a:bodyPr wrap="none" rtlCol="0">
+                <a:spAutoFit/>
+              </a:bodyPr>
+              <a:lstStyle/>
+              <a:p>
+                <a:r>
+                  <a:rPr lang="en-CA" dirty="0"/>
+                  <a:t>MongoDB</a:t>
+                </a:r>
+              </a:p>
+            </p:txBody>
+          </p:sp>
+          <p:pic>
+            <p:nvPicPr>
+              <p:cNvPr id="212" name="Picture 211">
+                <a:extLst>
+                  <a:ext uri="{FF2B5EF4-FFF2-40B4-BE49-F238E27FC236}">
+                    <a16:creationId xmlns:a16="http://schemas.microsoft.com/office/drawing/2014/main" id="{4EE55E6A-5D99-426F-86CC-04CEBAD6A5DC}"/>
+                  </a:ext>
+                </a:extLst>
+              </p:cNvPr>
+              <p:cNvPicPr>
+                <a:picLocks noChangeAspect="1"/>
+              </p:cNvPicPr>
+              <p:nvPr/>
+            </p:nvPicPr>
+            <p:blipFill>
+              <a:blip r:embed="rId18">
+                <a:extLst>
+                  <a:ext uri="{28A0092B-C50C-407E-A947-70E740481C1C}">
+                    <a14:useLocalDpi xmlns:a14="http://schemas.microsoft.com/office/drawing/2010/main" val="0"/>
+                  </a:ext>
+                </a:extLst>
+              </a:blip>
+              <a:stretch>
+                <a:fillRect/>
+              </a:stretch>
+            </p:blipFill>
+            <p:spPr>
+              <a:xfrm>
+                <a:off x="1016858" y="1614440"/>
+                <a:ext cx="441606" cy="441606"/>
+              </a:xfrm>
+              <a:prstGeom prst="rect">
+                <a:avLst/>
+              </a:prstGeom>
+            </p:spPr>
+          </p:pic>
+          <p:pic>
+            <p:nvPicPr>
+              <p:cNvPr id="214" name="Picture 213" descr="A picture containing vector graphics, umbrella&#10;&#10;Description automatically generated">
+                <a:extLst>
+                  <a:ext uri="{FF2B5EF4-FFF2-40B4-BE49-F238E27FC236}">
+                    <a16:creationId xmlns:a16="http://schemas.microsoft.com/office/drawing/2014/main" id="{ED6A9D01-219C-4249-BE36-DF3E7C083333}"/>
+                  </a:ext>
+                </a:extLst>
+              </p:cNvPr>
+              <p:cNvPicPr>
+                <a:picLocks noChangeAspect="1"/>
+              </p:cNvPicPr>
+              <p:nvPr/>
+            </p:nvPicPr>
+            <p:blipFill>
+              <a:blip r:embed="rId19">
+                <a:extLst>
+                  <a:ext uri="{28A0092B-C50C-407E-A947-70E740481C1C}">
+                    <a14:useLocalDpi xmlns:a14="http://schemas.microsoft.com/office/drawing/2010/main" val="0"/>
+                  </a:ext>
+                </a:extLst>
+              </a:blip>
+              <a:stretch>
+                <a:fillRect/>
+              </a:stretch>
+            </p:blipFill>
+            <p:spPr>
+              <a:xfrm>
+                <a:off x="1583711" y="790035"/>
+                <a:ext cx="427626" cy="427626"/>
+              </a:xfrm>
+              <a:prstGeom prst="rect">
+                <a:avLst/>
+              </a:prstGeom>
+            </p:spPr>
+          </p:pic>
+          <p:pic>
+            <p:nvPicPr>
+              <p:cNvPr id="215" name="Picture 214" descr="A close up of a logo&#10;&#10;Description automatically generated">
+                <a:extLst>
+                  <a:ext uri="{FF2B5EF4-FFF2-40B4-BE49-F238E27FC236}">
+                    <a16:creationId xmlns:a16="http://schemas.microsoft.com/office/drawing/2014/main" id="{7F663402-FBC3-48CD-B0D9-66CE6075898A}"/>
+                  </a:ext>
+                </a:extLst>
+              </p:cNvPr>
+              <p:cNvPicPr>
+                <a:picLocks noChangeAspect="1"/>
+              </p:cNvPicPr>
+              <p:nvPr/>
+            </p:nvPicPr>
+            <p:blipFill>
+              <a:blip r:embed="rId20">
+                <a:extLst>
+                  <a:ext uri="{28A0092B-C50C-407E-A947-70E740481C1C}">
+                    <a14:useLocalDpi xmlns:a14="http://schemas.microsoft.com/office/drawing/2010/main" val="0"/>
+                  </a:ext>
+                </a:extLst>
+              </a:blip>
+              <a:stretch>
+                <a:fillRect/>
+              </a:stretch>
+            </p:blipFill>
+            <p:spPr>
+              <a:xfrm>
+                <a:off x="2508797" y="794500"/>
+                <a:ext cx="405610" cy="405610"/>
+              </a:xfrm>
+              <a:prstGeom prst="rect">
+                <a:avLst/>
+              </a:prstGeom>
+            </p:spPr>
+          </p:pic>
+        </p:grpSp>
+        <p:pic>
+          <p:nvPicPr>
+            <p:cNvPr id="217" name="Graphic 216">
+              <a:extLst>
+                <a:ext uri="{FF2B5EF4-FFF2-40B4-BE49-F238E27FC236}">
+                  <a16:creationId xmlns:a16="http://schemas.microsoft.com/office/drawing/2014/main" id="{59FC2EE9-22B3-450A-814E-A5E5E005E1BA}"/>
+                </a:ext>
+              </a:extLst>
+            </p:cNvPr>
+            <p:cNvPicPr>
+              <a:picLocks noChangeAspect="1"/>
+            </p:cNvPicPr>
+            <p:nvPr/>
+          </p:nvPicPr>
+          <p:blipFill>
+            <a:blip r:embed="rId3" cstate="email">
+              <a:extLst>
+                <a:ext uri="{28A0092B-C50C-407E-A947-70E740481C1C}">
+                  <a14:useLocalDpi xmlns:a14="http://schemas.microsoft.com/office/drawing/2010/main"/>
+                </a:ext>
+                <a:ext uri="{96DAC541-7B7A-43D3-8B79-37D633B846F1}">
+                  <asvg:svgBlip xmlns:asvg="http://schemas.microsoft.com/office/drawing/2016/SVG/main" r:embed="rId4"/>
+                </a:ext>
+              </a:extLst>
+            </a:blip>
+            <a:stretch>
+              <a:fillRect/>
+            </a:stretch>
+          </p:blipFill>
+          <p:spPr>
+            <a:xfrm>
+              <a:off x="3511384" y="3786914"/>
+              <a:ext cx="3984646" cy="600916"/>
+            </a:xfrm>
+            <a:prstGeom prst="rect">
+              <a:avLst/>
+            </a:prstGeom>
+          </p:spPr>
+        </p:pic>
+        <p:pic>
+          <p:nvPicPr>
+            <p:cNvPr id="218" name="Picture 217">
+              <a:extLst>
+                <a:ext uri="{FF2B5EF4-FFF2-40B4-BE49-F238E27FC236}">
+                  <a16:creationId xmlns:a16="http://schemas.microsoft.com/office/drawing/2014/main" id="{718569C3-4B9B-4A92-853A-2491B1A4C195}"/>
+                </a:ext>
+              </a:extLst>
+            </p:cNvPr>
+            <p:cNvPicPr>
+              <a:picLocks noChangeAspect="1"/>
+            </p:cNvPicPr>
+            <p:nvPr/>
+          </p:nvPicPr>
+          <p:blipFill>
+            <a:blip r:embed="rId2">
+              <a:extLst>
+                <a:ext uri="{28A0092B-C50C-407E-A947-70E740481C1C}">
+                  <a14:useLocalDpi xmlns:a14="http://schemas.microsoft.com/office/drawing/2010/main" val="0"/>
+                </a:ext>
+              </a:extLst>
+            </a:blip>
+            <a:stretch>
+              <a:fillRect/>
+            </a:stretch>
+          </p:blipFill>
+          <p:spPr>
+            <a:xfrm>
+              <a:off x="620212" y="755007"/>
+              <a:ext cx="536822" cy="536822"/>
+            </a:xfrm>
+            <a:prstGeom prst="rect">
+              <a:avLst/>
+            </a:prstGeom>
+          </p:spPr>
+        </p:pic>
+        <p:sp>
+          <p:nvSpPr>
+            <p:cNvPr id="222" name="TextBox 221">
+              <a:extLst>
+                <a:ext uri="{FF2B5EF4-FFF2-40B4-BE49-F238E27FC236}">
+                  <a16:creationId xmlns:a16="http://schemas.microsoft.com/office/drawing/2014/main" id="{73786002-F4AB-4588-AB72-6F217D8738FD}"/>
+                </a:ext>
+              </a:extLst>
+            </p:cNvPr>
+            <p:cNvSpPr txBox="1"/>
+            <p:nvPr/>
+          </p:nvSpPr>
+          <p:spPr>
+            <a:xfrm>
+              <a:off x="9604785" y="3150334"/>
+              <a:ext cx="1353547" cy="369332"/>
+            </a:xfrm>
+            <a:prstGeom prst="rect">
+              <a:avLst/>
+            </a:prstGeom>
+            <a:noFill/>
+          </p:spPr>
+          <p:txBody>
+            <a:bodyPr wrap="square" rtlCol="0">
+              <a:spAutoFit/>
+            </a:bodyPr>
+            <a:lstStyle/>
+            <a:p>
+              <a:r>
+                <a:rPr lang="en-CA" dirty="0"/>
+                <a:t>Cloud assets</a:t>
+              </a:r>
+            </a:p>
+          </p:txBody>
+        </p:sp>
+        <p:sp>
+          <p:nvSpPr>
+            <p:cNvPr id="223" name="TextBox 222">
+              <a:extLst>
+                <a:ext uri="{FF2B5EF4-FFF2-40B4-BE49-F238E27FC236}">
+                  <a16:creationId xmlns:a16="http://schemas.microsoft.com/office/drawing/2014/main" id="{13126F66-44D3-4872-B100-367F48F9AA29}"/>
+                </a:ext>
+              </a:extLst>
+            </p:cNvPr>
+            <p:cNvSpPr txBox="1"/>
+            <p:nvPr/>
+          </p:nvSpPr>
+          <p:spPr>
+            <a:xfrm>
+              <a:off x="9314607" y="3451798"/>
+              <a:ext cx="1846461" cy="369332"/>
+            </a:xfrm>
+            <a:prstGeom prst="rect">
+              <a:avLst/>
+            </a:prstGeom>
+            <a:noFill/>
+          </p:spPr>
+          <p:txBody>
+            <a:bodyPr wrap="square" rtlCol="0">
+              <a:spAutoFit/>
+            </a:bodyPr>
+            <a:lstStyle/>
+            <a:p>
+              <a:r>
+                <a:rPr lang="en-CA" dirty="0"/>
+                <a:t>Datacenter assets</a:t>
+              </a:r>
+            </a:p>
+          </p:txBody>
+        </p:sp>
+      </p:grpSp>
+    </p:spTree>
+    <p:extLst>
+      <p:ext uri="{BB962C8B-B14F-4D97-AF65-F5344CB8AC3E}">
+        <p14:creationId xmlns:p14="http://schemas.microsoft.com/office/powerpoint/2010/main" val="768740698"/>
+      </p:ext>
+    </p:extLst>
+  </p:cSld>
+  <p:clrMapOvr>
+    <a:masterClrMapping/>
+  </p:clrMapOvr>
+</p:sld>
+</file>
+
+<file path=ppt/slides/slide3.xml><?xml version="1.0" encoding="utf-8"?>
+<p:sld xmlns:a="http://schemas.openxmlformats.org/drawingml/2006/main" xmlns:r="http://schemas.openxmlformats.org/officeDocument/2006/relationships" xmlns:p="http://schemas.openxmlformats.org/presentationml/2006/main">
+  <p:cSld>
+    <p:spTree>
+      <p:nvGrpSpPr>
+        <p:cNvPr id="1" name=""/>
+        <p:cNvGrpSpPr/>
+        <p:nvPr/>
+      </p:nvGrpSpPr>
+      <p:grpSpPr>
+        <a:xfrm>
+          <a:off x="0" y="0"/>
+          <a:ext cx="0" cy="0"/>
+          <a:chOff x="0" y="0"/>
+          <a:chExt cx="0" cy="0"/>
+        </a:xfrm>
+      </p:grpSpPr>
+      <p:grpSp>
+        <p:nvGrpSpPr>
           <p:cNvPr id="119" name="Group 118">
             <a:extLst>
               <a:ext uri="{FF2B5EF4-FFF2-40B4-BE49-F238E27FC236}">
@@ -8595,7 +14372,7 @@
 </p:sld>
 </file>
 
-<file path=ppt/slides/slide3.xml><?xml version="1.0" encoding="utf-8"?>
+<file path=ppt/slides/slide4.xml><?xml version="1.0" encoding="utf-8"?>
 <p:sld xmlns:a="http://schemas.openxmlformats.org/drawingml/2006/main" xmlns:r="http://schemas.openxmlformats.org/officeDocument/2006/relationships" xmlns:p="http://schemas.openxmlformats.org/presentationml/2006/main">
   <p:cSld>
     <p:spTree>
@@ -9509,7 +15286,7 @@
 </p:sld>
 </file>
 
-<file path=ppt/slides/slide4.xml><?xml version="1.0" encoding="utf-8"?>
+<file path=ppt/slides/slide5.xml><?xml version="1.0" encoding="utf-8"?>
 <p:sld xmlns:a="http://schemas.openxmlformats.org/drawingml/2006/main" xmlns:r="http://schemas.openxmlformats.org/officeDocument/2006/relationships" xmlns:p="http://schemas.openxmlformats.org/presentationml/2006/main">
   <p:cSld>
     <p:spTree>
